--- a/Sessions/Security in Salesforce.pptx
+++ b/Sessions/Security in Salesforce.pptx
@@ -8,6 +8,7 @@
     <p:sldId id="256" r:id="rId2"/>
     <p:sldId id="257" r:id="rId3"/>
     <p:sldId id="258" r:id="rId4"/>
+    <p:sldId id="259" r:id="rId5"/>
   </p:sldIdLst>
   <p:sldSz cx="12192000" cy="6858000"/>
   <p:notesSz cx="6858000" cy="9144000"/>
@@ -106,6 +107,11 @@
       </a:defRPr>
     </a:lvl9pPr>
   </p:defaultTextStyle>
+  <p:extLst>
+    <p:ext uri="{EFAFB233-063F-42B5-8137-9DF3F51BA10A}">
+      <p15:sldGuideLst xmlns:p15="http://schemas.microsoft.com/office/powerpoint/2012/main"/>
+    </p:ext>
+  </p:extLst>
 </p:presentation>
 </file>
 
@@ -6820,6 +6826,105 @@
             <p:ph type="title"/>
           </p:nvPr>
         </p:nvSpPr>
+        <p:spPr>
+          <a:xfrm>
+            <a:off x="0" y="0"/>
+            <a:ext cx="10515600" cy="720725"/>
+          </a:xfrm>
+        </p:spPr>
+        <p:txBody>
+          <a:bodyPr/>
+          <a:lstStyle/>
+          <a:p>
+            <a:r>
+              <a:rPr lang="en-US" dirty="0"/>
+              <a:t>Org level access</a:t>
+            </a:r>
+          </a:p>
+        </p:txBody>
+      </p:sp>
+      <p:pic>
+        <p:nvPicPr>
+          <p:cNvPr id="5" name="Picture 4">
+            <a:extLst>
+              <a:ext uri="{FF2B5EF4-FFF2-40B4-BE49-F238E27FC236}">
+                <a16:creationId xmlns:a16="http://schemas.microsoft.com/office/drawing/2014/main" id="{BEA0735C-1340-4CDA-AA77-842E5B9AB040}"/>
+              </a:ext>
+            </a:extLst>
+          </p:cNvPr>
+          <p:cNvPicPr>
+            <a:picLocks noChangeAspect="1"/>
+          </p:cNvPicPr>
+          <p:nvPr/>
+        </p:nvPicPr>
+        <p:blipFill>
+          <a:blip r:embed="rId2">
+            <a:extLst>
+              <a:ext uri="{28A0092B-C50C-407E-A947-70E740481C1C}">
+                <a14:useLocalDpi xmlns:a14="http://schemas.microsoft.com/office/drawing/2010/main" val="0"/>
+              </a:ext>
+            </a:extLst>
+          </a:blip>
+          <a:stretch>
+            <a:fillRect/>
+          </a:stretch>
+        </p:blipFill>
+        <p:spPr>
+          <a:xfrm>
+            <a:off x="0" y="563529"/>
+            <a:ext cx="12068175" cy="6294470"/>
+          </a:xfrm>
+          <a:prstGeom prst="rect">
+            <a:avLst/>
+          </a:prstGeom>
+        </p:spPr>
+      </p:pic>
+    </p:spTree>
+    <p:extLst>
+      <p:ext uri="{BB962C8B-B14F-4D97-AF65-F5344CB8AC3E}">
+        <p14:creationId xmlns:p14="http://schemas.microsoft.com/office/powerpoint/2010/main" val="1949735008"/>
+      </p:ext>
+    </p:extLst>
+  </p:cSld>
+  <p:clrMapOvr>
+    <a:masterClrMapping/>
+  </p:clrMapOvr>
+</p:sld>
+</file>
+
+<file path=ppt/slides/slide4.xml><?xml version="1.0" encoding="utf-8"?>
+<p:sld xmlns:a="http://schemas.openxmlformats.org/drawingml/2006/main" xmlns:r="http://schemas.openxmlformats.org/officeDocument/2006/relationships" xmlns:p="http://schemas.openxmlformats.org/presentationml/2006/main">
+  <p:cSld>
+    <p:spTree>
+      <p:nvGrpSpPr>
+        <p:cNvPr id="1" name=""/>
+        <p:cNvGrpSpPr/>
+        <p:nvPr/>
+      </p:nvGrpSpPr>
+      <p:grpSpPr>
+        <a:xfrm>
+          <a:off x="0" y="0"/>
+          <a:ext cx="0" cy="0"/>
+          <a:chOff x="0" y="0"/>
+          <a:chExt cx="0" cy="0"/>
+        </a:xfrm>
+      </p:grpSpPr>
+      <p:sp>
+        <p:nvSpPr>
+          <p:cNvPr id="2" name="Title 1">
+            <a:extLst>
+              <a:ext uri="{FF2B5EF4-FFF2-40B4-BE49-F238E27FC236}">
+                <a16:creationId xmlns:a16="http://schemas.microsoft.com/office/drawing/2014/main" id="{7ED404EF-BBC2-470F-8E5A-D2E74F957FE4}"/>
+              </a:ext>
+            </a:extLst>
+          </p:cNvPr>
+          <p:cNvSpPr>
+            <a:spLocks noGrp="1"/>
+          </p:cNvSpPr>
+          <p:nvPr>
+            <p:ph type="title"/>
+          </p:nvPr>
+        </p:nvSpPr>
         <p:spPr/>
         <p:txBody>
           <a:bodyPr/>
@@ -6827,7 +6932,7 @@
           <a:p>
             <a:r>
               <a:rPr lang="en-US" dirty="0"/>
-              <a:t>Org level access</a:t>
+              <a:t>Object Level Access</a:t>
             </a:r>
           </a:p>
         </p:txBody>
@@ -6837,7 +6942,7 @@
           <p:cNvPr id="3" name="Content Placeholder 2">
             <a:extLst>
               <a:ext uri="{FF2B5EF4-FFF2-40B4-BE49-F238E27FC236}">
-                <a16:creationId xmlns:a16="http://schemas.microsoft.com/office/drawing/2014/main" id="{3C3AFB3A-BADE-48D0-9872-E2A37BF78422}"/>
+                <a16:creationId xmlns:a16="http://schemas.microsoft.com/office/drawing/2014/main" id="{99C1512E-EA4B-4BE8-A667-66C1DF90CF84}"/>
               </a:ext>
             </a:extLst>
           </p:cNvPr>
@@ -6860,7 +6965,7 @@
     </p:spTree>
     <p:extLst>
       <p:ext uri="{BB962C8B-B14F-4D97-AF65-F5344CB8AC3E}">
-        <p14:creationId xmlns:p14="http://schemas.microsoft.com/office/powerpoint/2010/main" val="1949735008"/>
+        <p14:creationId xmlns:p14="http://schemas.microsoft.com/office/powerpoint/2010/main" val="2459115847"/>
       </p:ext>
     </p:extLst>
   </p:cSld>

--- a/Sessions/Security in Salesforce.pptx
+++ b/Sessions/Security in Salesforce.pptx
@@ -7,8 +7,15 @@
   <p:sldIdLst>
     <p:sldId id="256" r:id="rId2"/>
     <p:sldId id="257" r:id="rId3"/>
-    <p:sldId id="258" r:id="rId4"/>
-    <p:sldId id="259" r:id="rId5"/>
+    <p:sldId id="267" r:id="rId4"/>
+    <p:sldId id="258" r:id="rId5"/>
+    <p:sldId id="263" r:id="rId6"/>
+    <p:sldId id="259" r:id="rId7"/>
+    <p:sldId id="264" r:id="rId8"/>
+    <p:sldId id="268" r:id="rId9"/>
+    <p:sldId id="265" r:id="rId10"/>
+    <p:sldId id="261" r:id="rId11"/>
+    <p:sldId id="266" r:id="rId12"/>
   </p:sldIdLst>
   <p:sldSz cx="12192000" cy="6858000"/>
   <p:notesSz cx="6858000" cy="9144000"/>
@@ -116,15 +123,15 @@
 </file>
 
 <file path=ppt/diagrams/colors1.xml><?xml version="1.0" encoding="utf-8"?>
-<dgm:colorsDef xmlns:dgm="http://schemas.openxmlformats.org/drawingml/2006/diagram" xmlns:a="http://schemas.openxmlformats.org/drawingml/2006/main" uniqueId="urn:microsoft.com/office/officeart/2005/8/colors/colorful5">
+<dgm:colorsDef xmlns:dgm="http://schemas.openxmlformats.org/drawingml/2006/diagram" xmlns:a="http://schemas.openxmlformats.org/drawingml/2006/main" uniqueId="urn:microsoft.com/office/officeart/2005/8/colors/colorful2">
   <dgm:title val=""/>
   <dgm:desc val=""/>
   <dgm:catLst>
-    <dgm:cat type="colorful" pri="10500"/>
+    <dgm:cat type="colorful" pri="10200"/>
   </dgm:catLst>
   <dgm:styleLbl name="node0">
     <dgm:fillClrLst meth="repeat">
-      <a:schemeClr val="accent4"/>
+      <a:schemeClr val="accent1"/>
     </dgm:fillClrLst>
     <dgm:linClrLst meth="repeat">
       <a:schemeClr val="lt1"/>
@@ -136,8 +143,8 @@
   </dgm:styleLbl>
   <dgm:styleLbl name="node1">
     <dgm:fillClrLst>
-      <a:schemeClr val="accent5"/>
-      <a:schemeClr val="accent6"/>
+      <a:schemeClr val="accent2"/>
+      <a:schemeClr val="accent3"/>
     </dgm:fillClrLst>
     <dgm:linClrLst meth="repeat">
       <a:schemeClr val="lt1"/>
@@ -149,12 +156,12 @@
   </dgm:styleLbl>
   <dgm:styleLbl name="alignNode1">
     <dgm:fillClrLst>
-      <a:schemeClr val="accent5"/>
-      <a:schemeClr val="accent6"/>
+      <a:schemeClr val="accent2"/>
+      <a:schemeClr val="accent3"/>
     </dgm:fillClrLst>
     <dgm:linClrLst>
-      <a:schemeClr val="accent5"/>
-      <a:schemeClr val="accent6"/>
+      <a:schemeClr val="accent2"/>
+      <a:schemeClr val="accent3"/>
     </dgm:linClrLst>
     <dgm:effectClrLst/>
     <dgm:txLinClrLst/>
@@ -163,8 +170,8 @@
   </dgm:styleLbl>
   <dgm:styleLbl name="lnNode1">
     <dgm:fillClrLst>
-      <a:schemeClr val="accent5"/>
-      <a:schemeClr val="accent6"/>
+      <a:schemeClr val="accent2"/>
+      <a:schemeClr val="accent3"/>
     </dgm:fillClrLst>
     <dgm:linClrLst meth="repeat">
       <a:schemeClr val="lt1"/>
@@ -176,10 +183,10 @@
   </dgm:styleLbl>
   <dgm:styleLbl name="vennNode1">
     <dgm:fillClrLst>
-      <a:schemeClr val="accent5">
+      <a:schemeClr val="accent2">
         <a:alpha val="50000"/>
       </a:schemeClr>
-      <a:schemeClr val="accent6">
+      <a:schemeClr val="accent3">
         <a:alpha val="50000"/>
       </a:schemeClr>
     </dgm:fillClrLst>
@@ -193,7 +200,7 @@
   </dgm:styleLbl>
   <dgm:styleLbl name="node2">
     <dgm:fillClrLst>
-      <a:schemeClr val="accent6"/>
+      <a:schemeClr val="accent3"/>
     </dgm:fillClrLst>
     <dgm:linClrLst meth="repeat">
       <a:schemeClr val="lt1"/>
@@ -205,7 +212,7 @@
   </dgm:styleLbl>
   <dgm:styleLbl name="node3">
     <dgm:fillClrLst>
-      <a:schemeClr val="accent1"/>
+      <a:schemeClr val="accent4"/>
     </dgm:fillClrLst>
     <dgm:linClrLst meth="repeat">
       <a:schemeClr val="lt1"/>
@@ -217,7 +224,7 @@
   </dgm:styleLbl>
   <dgm:styleLbl name="node4">
     <dgm:fillClrLst>
-      <a:schemeClr val="accent2"/>
+      <a:schemeClr val="accent5"/>
     </dgm:fillClrLst>
     <dgm:linClrLst meth="repeat">
       <a:schemeClr val="lt1"/>
@@ -229,10 +236,10 @@
   </dgm:styleLbl>
   <dgm:styleLbl name="fgImgPlace1">
     <dgm:fillClrLst>
-      <a:schemeClr val="accent5">
+      <a:schemeClr val="accent2">
         <a:tint val="50000"/>
       </a:schemeClr>
-      <a:schemeClr val="accent6">
+      <a:schemeClr val="accent3">
         <a:tint val="50000"/>
       </a:schemeClr>
     </dgm:fillClrLst>
@@ -248,10 +255,10 @@
   </dgm:styleLbl>
   <dgm:styleLbl name="alignImgPlace1">
     <dgm:fillClrLst>
-      <a:schemeClr val="accent5">
+      <a:schemeClr val="accent2">
         <a:tint val="50000"/>
       </a:schemeClr>
-      <a:schemeClr val="accent6">
+      <a:schemeClr val="accent3">
         <a:tint val="20000"/>
       </a:schemeClr>
     </dgm:fillClrLst>
@@ -267,10 +274,10 @@
   </dgm:styleLbl>
   <dgm:styleLbl name="bgImgPlace1">
     <dgm:fillClrLst>
-      <a:schemeClr val="accent5">
+      <a:schemeClr val="accent2">
         <a:tint val="50000"/>
       </a:schemeClr>
-      <a:schemeClr val="accent6">
+      <a:schemeClr val="accent3">
         <a:tint val="20000"/>
       </a:schemeClr>
     </dgm:fillClrLst>
@@ -286,8 +293,8 @@
   </dgm:styleLbl>
   <dgm:styleLbl name="sibTrans2D1">
     <dgm:fillClrLst>
-      <a:schemeClr val="accent5"/>
-      <a:schemeClr val="accent6"/>
+      <a:schemeClr val="accent2"/>
+      <a:schemeClr val="accent3"/>
     </dgm:fillClrLst>
     <dgm:linClrLst meth="repeat">
       <a:schemeClr val="lt1"/>
@@ -299,8 +306,8 @@
   </dgm:styleLbl>
   <dgm:styleLbl name="fgSibTrans2D1">
     <dgm:fillClrLst>
-      <a:schemeClr val="accent5"/>
-      <a:schemeClr val="accent6"/>
+      <a:schemeClr val="accent2"/>
+      <a:schemeClr val="accent3"/>
     </dgm:fillClrLst>
     <dgm:linClrLst meth="repeat">
       <a:schemeClr val="lt1"/>
@@ -314,8 +321,8 @@
   </dgm:styleLbl>
   <dgm:styleLbl name="bgSibTrans2D1">
     <dgm:fillClrLst>
-      <a:schemeClr val="accent5"/>
-      <a:schemeClr val="accent6"/>
+      <a:schemeClr val="accent2"/>
+      <a:schemeClr val="accent3"/>
     </dgm:fillClrLst>
     <dgm:linClrLst meth="repeat">
       <a:schemeClr val="lt1"/>
@@ -330,8 +337,8 @@
   <dgm:styleLbl name="sibTrans1D1">
     <dgm:fillClrLst/>
     <dgm:linClrLst>
-      <a:schemeClr val="accent5"/>
-      <a:schemeClr val="accent6"/>
+      <a:schemeClr val="accent2"/>
+      <a:schemeClr val="accent3"/>
     </dgm:linClrLst>
     <dgm:effectClrLst/>
     <dgm:txLinClrLst/>
@@ -342,10 +349,10 @@
   </dgm:styleLbl>
   <dgm:styleLbl name="callout">
     <dgm:fillClrLst meth="repeat">
-      <a:schemeClr val="accent5"/>
+      <a:schemeClr val="accent2"/>
     </dgm:fillClrLst>
     <dgm:linClrLst meth="repeat">
-      <a:schemeClr val="accent5">
+      <a:schemeClr val="accent2">
         <a:tint val="50000"/>
       </a:schemeClr>
     </dgm:linClrLst>
@@ -358,7 +365,7 @@
   </dgm:styleLbl>
   <dgm:styleLbl name="asst0">
     <dgm:fillClrLst meth="repeat">
-      <a:schemeClr val="accent5"/>
+      <a:schemeClr val="accent2"/>
     </dgm:fillClrLst>
     <dgm:linClrLst meth="repeat">
       <a:schemeClr val="lt1">
@@ -372,7 +379,7 @@
   </dgm:styleLbl>
   <dgm:styleLbl name="asst1">
     <dgm:fillClrLst meth="repeat">
-      <a:schemeClr val="accent6"/>
+      <a:schemeClr val="accent3"/>
     </dgm:fillClrLst>
     <dgm:linClrLst meth="repeat">
       <a:schemeClr val="lt1">
@@ -386,7 +393,7 @@
   </dgm:styleLbl>
   <dgm:styleLbl name="asst2">
     <dgm:fillClrLst>
-      <a:schemeClr val="accent1"/>
+      <a:schemeClr val="accent4"/>
     </dgm:fillClrLst>
     <dgm:linClrLst meth="repeat">
       <a:schemeClr val="lt1"/>
@@ -398,7 +405,7 @@
   </dgm:styleLbl>
   <dgm:styleLbl name="asst3">
     <dgm:fillClrLst>
-      <a:schemeClr val="accent2"/>
+      <a:schemeClr val="accent5"/>
     </dgm:fillClrLst>
     <dgm:linClrLst meth="repeat">
       <a:schemeClr val="lt1"/>
@@ -410,6 +417,32 @@
   </dgm:styleLbl>
   <dgm:styleLbl name="asst4">
     <dgm:fillClrLst>
+      <a:schemeClr val="accent6"/>
+    </dgm:fillClrLst>
+    <dgm:linClrLst meth="repeat">
+      <a:schemeClr val="lt1"/>
+    </dgm:linClrLst>
+    <dgm:effectClrLst/>
+    <dgm:txLinClrLst/>
+    <dgm:txFillClrLst/>
+    <dgm:txEffectClrLst/>
+  </dgm:styleLbl>
+  <dgm:styleLbl name="parChTrans2D1">
+    <dgm:fillClrLst meth="repeat">
+      <a:schemeClr val="accent2"/>
+    </dgm:fillClrLst>
+    <dgm:linClrLst meth="repeat">
+      <a:schemeClr val="lt1"/>
+    </dgm:linClrLst>
+    <dgm:effectClrLst/>
+    <dgm:txLinClrLst/>
+    <dgm:txFillClrLst meth="repeat">
+      <a:schemeClr val="lt1"/>
+    </dgm:txFillClrLst>
+    <dgm:txEffectClrLst/>
+  </dgm:styleLbl>
+  <dgm:styleLbl name="parChTrans2D2">
+    <dgm:fillClrLst meth="repeat">
       <a:schemeClr val="accent3"/>
     </dgm:fillClrLst>
     <dgm:linClrLst meth="repeat">
@@ -420,7 +453,19 @@
     <dgm:txFillClrLst/>
     <dgm:txEffectClrLst/>
   </dgm:styleLbl>
-  <dgm:styleLbl name="parChTrans2D1">
+  <dgm:styleLbl name="parChTrans2D3">
+    <dgm:fillClrLst meth="repeat">
+      <a:schemeClr val="accent4"/>
+    </dgm:fillClrLst>
+    <dgm:linClrLst meth="repeat">
+      <a:schemeClr val="lt1"/>
+    </dgm:linClrLst>
+    <dgm:effectClrLst/>
+    <dgm:txLinClrLst/>
+    <dgm:txFillClrLst/>
+    <dgm:txEffectClrLst/>
+  </dgm:styleLbl>
+  <dgm:styleLbl name="parChTrans2D4">
     <dgm:fillClrLst meth="repeat">
       <a:schemeClr val="accent5"/>
     </dgm:fillClrLst>
@@ -434,50 +479,12 @@
     </dgm:txFillClrLst>
     <dgm:txEffectClrLst/>
   </dgm:styleLbl>
-  <dgm:styleLbl name="parChTrans2D2">
+  <dgm:styleLbl name="parChTrans1D1">
     <dgm:fillClrLst meth="repeat">
-      <a:schemeClr val="accent6"/>
+      <a:schemeClr val="accent2"/>
     </dgm:fillClrLst>
     <dgm:linClrLst meth="repeat">
-      <a:schemeClr val="lt1"/>
-    </dgm:linClrLst>
-    <dgm:effectClrLst/>
-    <dgm:txLinClrLst/>
-    <dgm:txFillClrLst/>
-    <dgm:txEffectClrLst/>
-  </dgm:styleLbl>
-  <dgm:styleLbl name="parChTrans2D3">
-    <dgm:fillClrLst meth="repeat">
-      <a:schemeClr val="accent6"/>
-    </dgm:fillClrLst>
-    <dgm:linClrLst meth="repeat">
-      <a:schemeClr val="lt1"/>
-    </dgm:linClrLst>
-    <dgm:effectClrLst/>
-    <dgm:txLinClrLst/>
-    <dgm:txFillClrLst/>
-    <dgm:txEffectClrLst/>
-  </dgm:styleLbl>
-  <dgm:styleLbl name="parChTrans2D4">
-    <dgm:fillClrLst meth="repeat">
-      <a:schemeClr val="accent1"/>
-    </dgm:fillClrLst>
-    <dgm:linClrLst meth="repeat">
-      <a:schemeClr val="lt1"/>
-    </dgm:linClrLst>
-    <dgm:effectClrLst/>
-    <dgm:txLinClrLst/>
-    <dgm:txFillClrLst meth="repeat">
-      <a:schemeClr val="lt1"/>
-    </dgm:txFillClrLst>
-    <dgm:txEffectClrLst/>
-  </dgm:styleLbl>
-  <dgm:styleLbl name="parChTrans1D1">
-    <dgm:fillClrLst meth="repeat">
-      <a:schemeClr val="accent5"/>
-    </dgm:fillClrLst>
-    <dgm:linClrLst meth="repeat">
-      <a:schemeClr val="accent5"/>
+      <a:schemeClr val="accent2"/>
     </dgm:linClrLst>
     <dgm:effectClrLst/>
     <dgm:txLinClrLst/>
@@ -488,12 +495,12 @@
   </dgm:styleLbl>
   <dgm:styleLbl name="parChTrans1D2">
     <dgm:fillClrLst meth="repeat">
-      <a:schemeClr val="accent6">
+      <a:schemeClr val="accent2">
         <a:tint val="90000"/>
       </a:schemeClr>
     </dgm:fillClrLst>
     <dgm:linClrLst meth="repeat">
-      <a:schemeClr val="accent6"/>
+      <a:schemeClr val="accent3"/>
     </dgm:linClrLst>
     <dgm:effectClrLst/>
     <dgm:txLinClrLst/>
@@ -504,12 +511,12 @@
   </dgm:styleLbl>
   <dgm:styleLbl name="parChTrans1D3">
     <dgm:fillClrLst meth="repeat">
-      <a:schemeClr val="accent6">
+      <a:schemeClr val="accent2">
         <a:tint val="70000"/>
       </a:schemeClr>
     </dgm:fillClrLst>
     <dgm:linClrLst meth="repeat">
-      <a:schemeClr val="accent1"/>
+      <a:schemeClr val="accent4"/>
     </dgm:linClrLst>
     <dgm:effectClrLst/>
     <dgm:txLinClrLst/>
@@ -520,12 +527,12 @@
   </dgm:styleLbl>
   <dgm:styleLbl name="parChTrans1D4">
     <dgm:fillClrLst meth="repeat">
-      <a:schemeClr val="accent6">
+      <a:schemeClr val="accent2">
         <a:tint val="50000"/>
       </a:schemeClr>
     </dgm:fillClrLst>
     <dgm:linClrLst meth="repeat">
-      <a:schemeClr val="accent2"/>
+      <a:schemeClr val="accent5"/>
     </dgm:linClrLst>
     <dgm:effectClrLst/>
     <dgm:txLinClrLst/>
@@ -541,8 +548,8 @@
       </a:schemeClr>
     </dgm:fillClrLst>
     <dgm:linClrLst>
-      <a:schemeClr val="accent5"/>
-      <a:schemeClr val="accent6"/>
+      <a:schemeClr val="accent2"/>
+      <a:schemeClr val="accent3"/>
     </dgm:linClrLst>
     <dgm:effectClrLst/>
     <dgm:txLinClrLst/>
@@ -558,8 +565,8 @@
       </a:schemeClr>
     </dgm:fillClrLst>
     <dgm:linClrLst>
-      <a:schemeClr val="accent5"/>
-      <a:schemeClr val="accent6"/>
+      <a:schemeClr val="accent2"/>
+      <a:schemeClr val="accent3"/>
     </dgm:linClrLst>
     <dgm:effectClrLst/>
     <dgm:txLinClrLst/>
@@ -575,8 +582,8 @@
       </a:schemeClr>
     </dgm:fillClrLst>
     <dgm:linClrLst>
-      <a:schemeClr val="accent5"/>
-      <a:schemeClr val="accent6"/>
+      <a:schemeClr val="accent2"/>
+      <a:schemeClr val="accent3"/>
     </dgm:linClrLst>
     <dgm:effectClrLst/>
     <dgm:txLinClrLst/>
@@ -592,7 +599,7 @@
       </a:schemeClr>
     </dgm:fillClrLst>
     <dgm:linClrLst meth="repeat">
-      <a:schemeClr val="accent5"/>
+      <a:schemeClr val="accent2"/>
     </dgm:linClrLst>
     <dgm:effectClrLst/>
     <dgm:txLinClrLst/>
@@ -608,8 +615,8 @@
       </a:schemeClr>
     </dgm:fillClrLst>
     <dgm:linClrLst>
-      <a:schemeClr val="accent5"/>
-      <a:schemeClr val="accent6"/>
+      <a:schemeClr val="accent2"/>
+      <a:schemeClr val="accent3"/>
     </dgm:linClrLst>
     <dgm:effectClrLst/>
     <dgm:txLinClrLst/>
@@ -623,8 +630,8 @@
       <a:schemeClr val="lt1"/>
     </dgm:fillClrLst>
     <dgm:linClrLst>
-      <a:schemeClr val="accent5"/>
-      <a:schemeClr val="accent6"/>
+      <a:schemeClr val="accent2"/>
+      <a:schemeClr val="accent3"/>
     </dgm:linClrLst>
     <dgm:effectClrLst/>
     <dgm:txLinClrLst/>
@@ -638,8 +645,8 @@
       <a:schemeClr val="lt1"/>
     </dgm:fillClrLst>
     <dgm:linClrLst>
-      <a:schemeClr val="accent5"/>
-      <a:schemeClr val="accent6"/>
+      <a:schemeClr val="accent2"/>
+      <a:schemeClr val="accent3"/>
     </dgm:linClrLst>
     <dgm:effectClrLst/>
     <dgm:txLinClrLst/>
@@ -653,8 +660,8 @@
       <a:schemeClr val="lt1"/>
     </dgm:fillClrLst>
     <dgm:linClrLst>
-      <a:schemeClr val="accent5"/>
-      <a:schemeClr val="accent6"/>
+      <a:schemeClr val="accent2"/>
+      <a:schemeClr val="accent3"/>
     </dgm:linClrLst>
     <dgm:effectClrLst/>
     <dgm:txLinClrLst/>
@@ -665,21 +672,21 @@
   </dgm:styleLbl>
   <dgm:styleLbl name="fgAccFollowNode1">
     <dgm:fillClrLst>
-      <a:schemeClr val="accent5">
+      <a:schemeClr val="accent2">
         <a:tint val="40000"/>
         <a:alpha val="90000"/>
       </a:schemeClr>
-      <a:schemeClr val="accent6">
+      <a:schemeClr val="accent3">
         <a:tint val="40000"/>
         <a:alpha val="90000"/>
       </a:schemeClr>
     </dgm:fillClrLst>
     <dgm:linClrLst>
-      <a:schemeClr val="accent5">
+      <a:schemeClr val="accent2">
         <a:tint val="40000"/>
         <a:alpha val="90000"/>
       </a:schemeClr>
-      <a:schemeClr val="accent5">
+      <a:schemeClr val="accent3">
         <a:tint val="40000"/>
         <a:alpha val="90000"/>
       </a:schemeClr>
@@ -693,21 +700,21 @@
   </dgm:styleLbl>
   <dgm:styleLbl name="alignAccFollowNode1">
     <dgm:fillClrLst>
-      <a:schemeClr val="accent5">
+      <a:schemeClr val="accent2">
         <a:tint val="40000"/>
         <a:alpha val="90000"/>
       </a:schemeClr>
-      <a:schemeClr val="accent6">
+      <a:schemeClr val="accent3">
         <a:tint val="40000"/>
         <a:alpha val="90000"/>
       </a:schemeClr>
     </dgm:fillClrLst>
     <dgm:linClrLst>
-      <a:schemeClr val="accent5">
+      <a:schemeClr val="accent2">
         <a:tint val="40000"/>
         <a:alpha val="90000"/>
       </a:schemeClr>
-      <a:schemeClr val="accent6">
+      <a:schemeClr val="accent3">
         <a:tint val="40000"/>
         <a:alpha val="90000"/>
       </a:schemeClr>
@@ -721,21 +728,21 @@
   </dgm:styleLbl>
   <dgm:styleLbl name="bgAccFollowNode1">
     <dgm:fillClrLst>
-      <a:schemeClr val="accent5">
+      <a:schemeClr val="accent2">
         <a:tint val="40000"/>
         <a:alpha val="90000"/>
       </a:schemeClr>
-      <a:schemeClr val="accent6">
+      <a:schemeClr val="accent3">
         <a:tint val="40000"/>
         <a:alpha val="90000"/>
       </a:schemeClr>
     </dgm:fillClrLst>
     <dgm:linClrLst>
-      <a:schemeClr val="accent5">
+      <a:schemeClr val="accent2">
         <a:tint val="40000"/>
         <a:alpha val="90000"/>
       </a:schemeClr>
-      <a:schemeClr val="accent6">
+      <a:schemeClr val="accent3">
         <a:tint val="40000"/>
         <a:alpha val="90000"/>
       </a:schemeClr>
@@ -754,7 +761,7 @@
       </a:schemeClr>
     </dgm:fillClrLst>
     <dgm:linClrLst>
-      <a:schemeClr val="accent4"/>
+      <a:schemeClr val="accent1"/>
     </dgm:linClrLst>
     <dgm:effectClrLst/>
     <dgm:txLinClrLst/>
@@ -770,7 +777,7 @@
       </a:schemeClr>
     </dgm:fillClrLst>
     <dgm:linClrLst>
-      <a:schemeClr val="accent6"/>
+      <a:schemeClr val="accent3"/>
     </dgm:linClrLst>
     <dgm:effectClrLst/>
     <dgm:txLinClrLst/>
@@ -786,7 +793,7 @@
       </a:schemeClr>
     </dgm:fillClrLst>
     <dgm:linClrLst>
-      <a:schemeClr val="accent1"/>
+      <a:schemeClr val="accent4"/>
     </dgm:linClrLst>
     <dgm:effectClrLst/>
     <dgm:txLinClrLst/>
@@ -802,7 +809,7 @@
       </a:schemeClr>
     </dgm:fillClrLst>
     <dgm:linClrLst>
-      <a:schemeClr val="accent2"/>
+      <a:schemeClr val="accent5"/>
     </dgm:linClrLst>
     <dgm:effectClrLst/>
     <dgm:txLinClrLst/>
@@ -813,7 +820,7 @@
   </dgm:styleLbl>
   <dgm:styleLbl name="bgShp">
     <dgm:fillClrLst meth="repeat">
-      <a:schemeClr val="accent5">
+      <a:schemeClr val="accent2">
         <a:tint val="40000"/>
       </a:schemeClr>
     </dgm:fillClrLst>
@@ -829,7 +836,7 @@
   </dgm:styleLbl>
   <dgm:styleLbl name="dkBgShp">
     <dgm:fillClrLst meth="repeat">
-      <a:schemeClr val="accent5">
+      <a:schemeClr val="accent2">
         <a:shade val="90000"/>
       </a:schemeClr>
     </dgm:fillClrLst>
@@ -845,13 +852,13 @@
   </dgm:styleLbl>
   <dgm:styleLbl name="trBgShp">
     <dgm:fillClrLst meth="repeat">
-      <a:schemeClr val="accent5">
+      <a:schemeClr val="accent2">
         <a:tint val="50000"/>
         <a:alpha val="40000"/>
       </a:schemeClr>
     </dgm:fillClrLst>
     <dgm:linClrLst meth="repeat">
-      <a:schemeClr val="accent5"/>
+      <a:schemeClr val="accent2"/>
     </dgm:linClrLst>
     <dgm:effectClrLst/>
     <dgm:txLinClrLst/>
@@ -862,7 +869,7 @@
   </dgm:styleLbl>
   <dgm:styleLbl name="fgShp">
     <dgm:fillClrLst meth="repeat">
-      <a:schemeClr val="accent5">
+      <a:schemeClr val="accent2">
         <a:tint val="40000"/>
       </a:schemeClr>
     </dgm:fillClrLst>
@@ -901,7 +908,7 @@
 <dgm:dataModel xmlns:dgm="http://schemas.openxmlformats.org/drawingml/2006/diagram" xmlns:a="http://schemas.openxmlformats.org/drawingml/2006/main">
   <dgm:ptLst>
     <dgm:pt modelId="{3BB5D025-BCAF-4CF5-AD80-97D5CA03F85C}" type="doc">
-      <dgm:prSet loTypeId="urn:microsoft.com/office/officeart/2005/8/layout/vList2" loCatId="list" qsTypeId="urn:microsoft.com/office/officeart/2005/8/quickstyle/simple1" qsCatId="simple" csTypeId="urn:microsoft.com/office/officeart/2005/8/colors/colorful5" csCatId="colorful"/>
+      <dgm:prSet loTypeId="urn:microsoft.com/office/officeart/2005/8/layout/vProcess5" loCatId="process" qsTypeId="urn:microsoft.com/office/officeart/2005/8/quickstyle/simple1" qsCatId="simple" csTypeId="urn:microsoft.com/office/officeart/2005/8/colors/colorful2" csCatId="colorful"/>
       <dgm:spPr/>
       <dgm:t>
         <a:bodyPr/>
@@ -1055,58 +1062,105 @@
         </a:p>
       </dgm:t>
     </dgm:pt>
-    <dgm:pt modelId="{C6A787E7-F2EE-4D8E-B066-530D7984B439}" type="pres">
-      <dgm:prSet presAssocID="{3BB5D025-BCAF-4CF5-AD80-97D5CA03F85C}" presName="linear" presStyleCnt="0">
+    <dgm:pt modelId="{9DADE078-D6B4-4A45-BEAE-AE1911422380}" type="pres">
+      <dgm:prSet presAssocID="{3BB5D025-BCAF-4CF5-AD80-97D5CA03F85C}" presName="outerComposite" presStyleCnt="0">
         <dgm:presLayoutVars>
-          <dgm:animLvl val="lvl"/>
+          <dgm:chMax val="5"/>
+          <dgm:dir/>
           <dgm:resizeHandles val="exact"/>
         </dgm:presLayoutVars>
       </dgm:prSet>
       <dgm:spPr/>
     </dgm:pt>
-    <dgm:pt modelId="{6DFFBECF-9E5D-475C-8240-E3C3D9C6D77C}" type="pres">
-      <dgm:prSet presAssocID="{57B3C781-1B41-4BF4-9314-EEEA68B22681}" presName="parentText" presStyleLbl="node1" presStyleIdx="0" presStyleCnt="4">
+    <dgm:pt modelId="{7AB79E03-20D7-408A-88C3-36EC418260BB}" type="pres">
+      <dgm:prSet presAssocID="{3BB5D025-BCAF-4CF5-AD80-97D5CA03F85C}" presName="dummyMaxCanvas" presStyleCnt="0">
+        <dgm:presLayoutVars/>
+      </dgm:prSet>
+      <dgm:spPr/>
+    </dgm:pt>
+    <dgm:pt modelId="{294422C2-65D5-4C2E-9128-4E8D826C4EE8}" type="pres">
+      <dgm:prSet presAssocID="{3BB5D025-BCAF-4CF5-AD80-97D5CA03F85C}" presName="FourNodes_1" presStyleLbl="node1" presStyleIdx="0" presStyleCnt="4">
         <dgm:presLayoutVars>
-          <dgm:chMax val="0"/>
           <dgm:bulletEnabled val="1"/>
         </dgm:presLayoutVars>
       </dgm:prSet>
       <dgm:spPr/>
     </dgm:pt>
-    <dgm:pt modelId="{6CDB69E0-1107-4802-9E46-607D3505013B}" type="pres">
-      <dgm:prSet presAssocID="{E0DF6B20-2A21-41F0-BC0F-13BB6432AC51}" presName="spacer" presStyleCnt="0"/>
-      <dgm:spPr/>
-    </dgm:pt>
-    <dgm:pt modelId="{DD94CB2E-75AC-43F1-A11F-B360763757B3}" type="pres">
-      <dgm:prSet presAssocID="{2C6B1B2F-23F6-4309-88FD-8FA5CE09C2ED}" presName="parentText" presStyleLbl="node1" presStyleIdx="1" presStyleCnt="4">
+    <dgm:pt modelId="{FD1D0DEE-4F8A-4FCB-98F4-8F99645D13EF}" type="pres">
+      <dgm:prSet presAssocID="{3BB5D025-BCAF-4CF5-AD80-97D5CA03F85C}" presName="FourNodes_2" presStyleLbl="node1" presStyleIdx="1" presStyleCnt="4">
         <dgm:presLayoutVars>
-          <dgm:chMax val="0"/>
           <dgm:bulletEnabled val="1"/>
         </dgm:presLayoutVars>
       </dgm:prSet>
       <dgm:spPr/>
     </dgm:pt>
-    <dgm:pt modelId="{8587DAA6-209D-4DD7-87CE-2E2E147F085A}" type="pres">
-      <dgm:prSet presAssocID="{7CB11C7C-D80C-4B12-8A06-91002D0453C5}" presName="spacer" presStyleCnt="0"/>
-      <dgm:spPr/>
-    </dgm:pt>
-    <dgm:pt modelId="{22E41C85-3E36-4576-93EC-6C01EB313B8B}" type="pres">
-      <dgm:prSet presAssocID="{F8FC0C42-3B98-49D8-8D5E-69908AD716FB}" presName="parentText" presStyleLbl="node1" presStyleIdx="2" presStyleCnt="4">
+    <dgm:pt modelId="{EBB1213F-CD89-4CE7-B379-EEE2F8330F5E}" type="pres">
+      <dgm:prSet presAssocID="{3BB5D025-BCAF-4CF5-AD80-97D5CA03F85C}" presName="FourNodes_3" presStyleLbl="node1" presStyleIdx="2" presStyleCnt="4">
         <dgm:presLayoutVars>
-          <dgm:chMax val="0"/>
           <dgm:bulletEnabled val="1"/>
         </dgm:presLayoutVars>
       </dgm:prSet>
       <dgm:spPr/>
     </dgm:pt>
-    <dgm:pt modelId="{A61CBF94-2CA2-4095-9DF0-4F308F93623F}" type="pres">
-      <dgm:prSet presAssocID="{9670AC24-93D4-418C-9676-5867FF7389BE}" presName="spacer" presStyleCnt="0"/>
+    <dgm:pt modelId="{C70D1362-4553-4F29-9246-6F8A7122E81A}" type="pres">
+      <dgm:prSet presAssocID="{3BB5D025-BCAF-4CF5-AD80-97D5CA03F85C}" presName="FourNodes_4" presStyleLbl="node1" presStyleIdx="3" presStyleCnt="4">
+        <dgm:presLayoutVars>
+          <dgm:bulletEnabled val="1"/>
+        </dgm:presLayoutVars>
+      </dgm:prSet>
       <dgm:spPr/>
     </dgm:pt>
-    <dgm:pt modelId="{4799EEB8-17E3-4361-AC6C-6BCE690D8280}" type="pres">
-      <dgm:prSet presAssocID="{076FF47F-854F-4917-9459-8623A43C99A4}" presName="parentText" presStyleLbl="node1" presStyleIdx="3" presStyleCnt="4">
+    <dgm:pt modelId="{DEC5B58E-4A98-47C4-B87D-8E972CD42138}" type="pres">
+      <dgm:prSet presAssocID="{3BB5D025-BCAF-4CF5-AD80-97D5CA03F85C}" presName="FourConn_1-2" presStyleLbl="fgAccFollowNode1" presStyleIdx="0" presStyleCnt="3">
         <dgm:presLayoutVars>
-          <dgm:chMax val="0"/>
+          <dgm:bulletEnabled val="1"/>
+        </dgm:presLayoutVars>
+      </dgm:prSet>
+      <dgm:spPr/>
+    </dgm:pt>
+    <dgm:pt modelId="{17E50E30-8550-4FD1-B755-430F799AC497}" type="pres">
+      <dgm:prSet presAssocID="{3BB5D025-BCAF-4CF5-AD80-97D5CA03F85C}" presName="FourConn_2-3" presStyleLbl="fgAccFollowNode1" presStyleIdx="1" presStyleCnt="3">
+        <dgm:presLayoutVars>
+          <dgm:bulletEnabled val="1"/>
+        </dgm:presLayoutVars>
+      </dgm:prSet>
+      <dgm:spPr/>
+    </dgm:pt>
+    <dgm:pt modelId="{21A4AEF1-7C21-4C63-B3AE-67C04C02EF37}" type="pres">
+      <dgm:prSet presAssocID="{3BB5D025-BCAF-4CF5-AD80-97D5CA03F85C}" presName="FourConn_3-4" presStyleLbl="fgAccFollowNode1" presStyleIdx="2" presStyleCnt="3">
+        <dgm:presLayoutVars>
+          <dgm:bulletEnabled val="1"/>
+        </dgm:presLayoutVars>
+      </dgm:prSet>
+      <dgm:spPr/>
+    </dgm:pt>
+    <dgm:pt modelId="{A7814CDE-6189-461A-9D98-BB45FEC9B75F}" type="pres">
+      <dgm:prSet presAssocID="{3BB5D025-BCAF-4CF5-AD80-97D5CA03F85C}" presName="FourNodes_1_text" presStyleLbl="node1" presStyleIdx="3" presStyleCnt="4">
+        <dgm:presLayoutVars>
+          <dgm:bulletEnabled val="1"/>
+        </dgm:presLayoutVars>
+      </dgm:prSet>
+      <dgm:spPr/>
+    </dgm:pt>
+    <dgm:pt modelId="{81AE37FE-35BA-46F7-A383-71C571D05E9A}" type="pres">
+      <dgm:prSet presAssocID="{3BB5D025-BCAF-4CF5-AD80-97D5CA03F85C}" presName="FourNodes_2_text" presStyleLbl="node1" presStyleIdx="3" presStyleCnt="4">
+        <dgm:presLayoutVars>
+          <dgm:bulletEnabled val="1"/>
+        </dgm:presLayoutVars>
+      </dgm:prSet>
+      <dgm:spPr/>
+    </dgm:pt>
+    <dgm:pt modelId="{96173BEB-796B-40CC-83F5-06ADABB92193}" type="pres">
+      <dgm:prSet presAssocID="{3BB5D025-BCAF-4CF5-AD80-97D5CA03F85C}" presName="FourNodes_3_text" presStyleLbl="node1" presStyleIdx="3" presStyleCnt="4">
+        <dgm:presLayoutVars>
+          <dgm:bulletEnabled val="1"/>
+        </dgm:presLayoutVars>
+      </dgm:prSet>
+      <dgm:spPr/>
+    </dgm:pt>
+    <dgm:pt modelId="{97FBB7B1-EC88-47AD-96C3-758F6D5305A6}" type="pres">
+      <dgm:prSet presAssocID="{3BB5D025-BCAF-4CF5-AD80-97D5CA03F85C}" presName="FourNodes_4_text" presStyleLbl="node1" presStyleIdx="3" presStyleCnt="4">
+        <dgm:presLayoutVars>
           <dgm:bulletEnabled val="1"/>
         </dgm:presLayoutVars>
       </dgm:prSet>
@@ -1114,22 +1168,34 @@
     </dgm:pt>
   </dgm:ptLst>
   <dgm:cxnLst>
-    <dgm:cxn modelId="{15027123-6EB9-4585-A484-33DBFDB4B06A}" type="presOf" srcId="{076FF47F-854F-4917-9459-8623A43C99A4}" destId="{4799EEB8-17E3-4361-AC6C-6BCE690D8280}" srcOrd="0" destOrd="0" presId="urn:microsoft.com/office/officeart/2005/8/layout/vList2"/>
+    <dgm:cxn modelId="{8EAF3304-0F94-4FFE-8857-1908537A0994}" type="presOf" srcId="{9670AC24-93D4-418C-9676-5867FF7389BE}" destId="{21A4AEF1-7C21-4C63-B3AE-67C04C02EF37}" srcOrd="0" destOrd="0" presId="urn:microsoft.com/office/officeart/2005/8/layout/vProcess5"/>
+    <dgm:cxn modelId="{0F849805-5A4A-4F32-B36F-6BC89451EB70}" type="presOf" srcId="{3BB5D025-BCAF-4CF5-AD80-97D5CA03F85C}" destId="{9DADE078-D6B4-4A45-BEAE-AE1911422380}" srcOrd="0" destOrd="0" presId="urn:microsoft.com/office/officeart/2005/8/layout/vProcess5"/>
+    <dgm:cxn modelId="{1C805D0C-0CFB-44BB-9B5A-5F6996E08044}" type="presOf" srcId="{E0DF6B20-2A21-41F0-BC0F-13BB6432AC51}" destId="{DEC5B58E-4A98-47C4-B87D-8E972CD42138}" srcOrd="0" destOrd="0" presId="urn:microsoft.com/office/officeart/2005/8/layout/vProcess5"/>
+    <dgm:cxn modelId="{F6804E20-5F96-4226-985B-77C9A17C26C5}" type="presOf" srcId="{F8FC0C42-3B98-49D8-8D5E-69908AD716FB}" destId="{96173BEB-796B-40CC-83F5-06ADABB92193}" srcOrd="1" destOrd="0" presId="urn:microsoft.com/office/officeart/2005/8/layout/vProcess5"/>
+    <dgm:cxn modelId="{D761972D-16F7-49E8-A0C2-37D40A97A145}" type="presOf" srcId="{076FF47F-854F-4917-9459-8623A43C99A4}" destId="{97FBB7B1-EC88-47AD-96C3-758F6D5305A6}" srcOrd="1" destOrd="0" presId="urn:microsoft.com/office/officeart/2005/8/layout/vProcess5"/>
     <dgm:cxn modelId="{A8484736-9051-4AAC-A32E-EBB5628EFCC4}" srcId="{3BB5D025-BCAF-4CF5-AD80-97D5CA03F85C}" destId="{2C6B1B2F-23F6-4309-88FD-8FA5CE09C2ED}" srcOrd="1" destOrd="0" parTransId="{5C836FBE-4BEE-4738-AE4D-3ECED336E3BC}" sibTransId="{7CB11C7C-D80C-4B12-8A06-91002D0453C5}"/>
     <dgm:cxn modelId="{B706FD38-FA63-4337-827C-63B9AD044E7C}" srcId="{3BB5D025-BCAF-4CF5-AD80-97D5CA03F85C}" destId="{076FF47F-854F-4917-9459-8623A43C99A4}" srcOrd="3" destOrd="0" parTransId="{26E4E3A2-D772-45DE-8292-1B4645416902}" sibTransId="{6552271F-9342-4002-87A1-F19365217A07}"/>
-    <dgm:cxn modelId="{BEF18B3D-D0D1-4B29-80EB-2685ED6C1125}" type="presOf" srcId="{F8FC0C42-3B98-49D8-8D5E-69908AD716FB}" destId="{22E41C85-3E36-4576-93EC-6C01EB313B8B}" srcOrd="0" destOrd="0" presId="urn:microsoft.com/office/officeart/2005/8/layout/vList2"/>
+    <dgm:cxn modelId="{50F7FA61-29B2-44FD-9E2F-2B8C1A0E0572}" type="presOf" srcId="{57B3C781-1B41-4BF4-9314-EEEA68B22681}" destId="{A7814CDE-6189-461A-9D98-BB45FEC9B75F}" srcOrd="1" destOrd="0" presId="urn:microsoft.com/office/officeart/2005/8/layout/vProcess5"/>
+    <dgm:cxn modelId="{9088174B-36FB-4AC7-872D-E45E0B24C018}" type="presOf" srcId="{57B3C781-1B41-4BF4-9314-EEEA68B22681}" destId="{294422C2-65D5-4C2E-9128-4E8D826C4EE8}" srcOrd="0" destOrd="0" presId="urn:microsoft.com/office/officeart/2005/8/layout/vProcess5"/>
+    <dgm:cxn modelId="{B79BA087-1133-49FA-91CE-96D6D45F19A1}" type="presOf" srcId="{F8FC0C42-3B98-49D8-8D5E-69908AD716FB}" destId="{EBB1213F-CD89-4CE7-B379-EEE2F8330F5E}" srcOrd="0" destOrd="0" presId="urn:microsoft.com/office/officeart/2005/8/layout/vProcess5"/>
+    <dgm:cxn modelId="{AB344F8D-0DFA-4F94-BE47-2344261F34F4}" type="presOf" srcId="{2C6B1B2F-23F6-4309-88FD-8FA5CE09C2ED}" destId="{FD1D0DEE-4F8A-4FCB-98F4-8F99645D13EF}" srcOrd="0" destOrd="0" presId="urn:microsoft.com/office/officeart/2005/8/layout/vProcess5"/>
     <dgm:cxn modelId="{6B9CD3A3-B3F2-4762-AA6C-C1D3FC7BAFC1}" srcId="{3BB5D025-BCAF-4CF5-AD80-97D5CA03F85C}" destId="{57B3C781-1B41-4BF4-9314-EEEA68B22681}" srcOrd="0" destOrd="0" parTransId="{A26D30AC-21DA-444D-8297-6ED57A90D94C}" sibTransId="{E0DF6B20-2A21-41F0-BC0F-13BB6432AC51}"/>
-    <dgm:cxn modelId="{3D600DB5-A253-44BC-ABCA-77CC4214FB2B}" type="presOf" srcId="{3BB5D025-BCAF-4CF5-AD80-97D5CA03F85C}" destId="{C6A787E7-F2EE-4D8E-B066-530D7984B439}" srcOrd="0" destOrd="0" presId="urn:microsoft.com/office/officeart/2005/8/layout/vList2"/>
-    <dgm:cxn modelId="{7B271EB5-ABB7-483C-8C0E-5A8A5BB4C886}" type="presOf" srcId="{57B3C781-1B41-4BF4-9314-EEEA68B22681}" destId="{6DFFBECF-9E5D-475C-8240-E3C3D9C6D77C}" srcOrd="0" destOrd="0" presId="urn:microsoft.com/office/officeart/2005/8/layout/vList2"/>
     <dgm:cxn modelId="{FD4E29B8-0D29-468E-8062-477D7C60CF49}" srcId="{3BB5D025-BCAF-4CF5-AD80-97D5CA03F85C}" destId="{F8FC0C42-3B98-49D8-8D5E-69908AD716FB}" srcOrd="2" destOrd="0" parTransId="{EBCA0BB2-2081-4F7D-88DF-C5C996AD5C8C}" sibTransId="{9670AC24-93D4-418C-9676-5867FF7389BE}"/>
-    <dgm:cxn modelId="{494868F2-64B8-40CA-A6BF-237229EB7412}" type="presOf" srcId="{2C6B1B2F-23F6-4309-88FD-8FA5CE09C2ED}" destId="{DD94CB2E-75AC-43F1-A11F-B360763757B3}" srcOrd="0" destOrd="0" presId="urn:microsoft.com/office/officeart/2005/8/layout/vList2"/>
-    <dgm:cxn modelId="{7130F51A-B573-4C36-99A9-C9571C81A923}" type="presParOf" srcId="{C6A787E7-F2EE-4D8E-B066-530D7984B439}" destId="{6DFFBECF-9E5D-475C-8240-E3C3D9C6D77C}" srcOrd="0" destOrd="0" presId="urn:microsoft.com/office/officeart/2005/8/layout/vList2"/>
-    <dgm:cxn modelId="{13898F00-676C-48F0-B53C-B488FC9E0191}" type="presParOf" srcId="{C6A787E7-F2EE-4D8E-B066-530D7984B439}" destId="{6CDB69E0-1107-4802-9E46-607D3505013B}" srcOrd="1" destOrd="0" presId="urn:microsoft.com/office/officeart/2005/8/layout/vList2"/>
-    <dgm:cxn modelId="{D136AE1B-6A35-4F9F-B398-1B7EDBA66D9D}" type="presParOf" srcId="{C6A787E7-F2EE-4D8E-B066-530D7984B439}" destId="{DD94CB2E-75AC-43F1-A11F-B360763757B3}" srcOrd="2" destOrd="0" presId="urn:microsoft.com/office/officeart/2005/8/layout/vList2"/>
-    <dgm:cxn modelId="{96AAF6CE-A44F-4711-B4EA-19E1523A219A}" type="presParOf" srcId="{C6A787E7-F2EE-4D8E-B066-530D7984B439}" destId="{8587DAA6-209D-4DD7-87CE-2E2E147F085A}" srcOrd="3" destOrd="0" presId="urn:microsoft.com/office/officeart/2005/8/layout/vList2"/>
-    <dgm:cxn modelId="{DA6CE1C8-DE29-4FB4-8857-8FFB7E2A65B6}" type="presParOf" srcId="{C6A787E7-F2EE-4D8E-B066-530D7984B439}" destId="{22E41C85-3E36-4576-93EC-6C01EB313B8B}" srcOrd="4" destOrd="0" presId="urn:microsoft.com/office/officeart/2005/8/layout/vList2"/>
-    <dgm:cxn modelId="{BA480F98-00AB-48DD-8F1C-230CF986FB63}" type="presParOf" srcId="{C6A787E7-F2EE-4D8E-B066-530D7984B439}" destId="{A61CBF94-2CA2-4095-9DF0-4F308F93623F}" srcOrd="5" destOrd="0" presId="urn:microsoft.com/office/officeart/2005/8/layout/vList2"/>
-    <dgm:cxn modelId="{7EF40D7A-5257-4D3A-A179-F6DCDEB38E5B}" type="presParOf" srcId="{C6A787E7-F2EE-4D8E-B066-530D7984B439}" destId="{4799EEB8-17E3-4361-AC6C-6BCE690D8280}" srcOrd="6" destOrd="0" presId="urn:microsoft.com/office/officeart/2005/8/layout/vList2"/>
+    <dgm:cxn modelId="{D8E25BE2-C308-4BCE-89ED-50A84F8D9296}" type="presOf" srcId="{076FF47F-854F-4917-9459-8623A43C99A4}" destId="{C70D1362-4553-4F29-9246-6F8A7122E81A}" srcOrd="0" destOrd="0" presId="urn:microsoft.com/office/officeart/2005/8/layout/vProcess5"/>
+    <dgm:cxn modelId="{CC8596EE-A130-4F0D-9461-AC2D48DF168D}" type="presOf" srcId="{7CB11C7C-D80C-4B12-8A06-91002D0453C5}" destId="{17E50E30-8550-4FD1-B755-430F799AC497}" srcOrd="0" destOrd="0" presId="urn:microsoft.com/office/officeart/2005/8/layout/vProcess5"/>
+    <dgm:cxn modelId="{DDEA95FC-291E-44D5-A206-30F2E0878B77}" type="presOf" srcId="{2C6B1B2F-23F6-4309-88FD-8FA5CE09C2ED}" destId="{81AE37FE-35BA-46F7-A383-71C571D05E9A}" srcOrd="1" destOrd="0" presId="urn:microsoft.com/office/officeart/2005/8/layout/vProcess5"/>
+    <dgm:cxn modelId="{E2171C2B-6D79-4DC8-A07B-E6ABBC2096C9}" type="presParOf" srcId="{9DADE078-D6B4-4A45-BEAE-AE1911422380}" destId="{7AB79E03-20D7-408A-88C3-36EC418260BB}" srcOrd="0" destOrd="0" presId="urn:microsoft.com/office/officeart/2005/8/layout/vProcess5"/>
+    <dgm:cxn modelId="{29D93052-B5B0-4BD2-BB59-5540147ADB29}" type="presParOf" srcId="{9DADE078-D6B4-4A45-BEAE-AE1911422380}" destId="{294422C2-65D5-4C2E-9128-4E8D826C4EE8}" srcOrd="1" destOrd="0" presId="urn:microsoft.com/office/officeart/2005/8/layout/vProcess5"/>
+    <dgm:cxn modelId="{84BB79F9-6326-4C5E-AA8D-16A93998F701}" type="presParOf" srcId="{9DADE078-D6B4-4A45-BEAE-AE1911422380}" destId="{FD1D0DEE-4F8A-4FCB-98F4-8F99645D13EF}" srcOrd="2" destOrd="0" presId="urn:microsoft.com/office/officeart/2005/8/layout/vProcess5"/>
+    <dgm:cxn modelId="{849063D0-DB87-423B-92B1-24F68583EA83}" type="presParOf" srcId="{9DADE078-D6B4-4A45-BEAE-AE1911422380}" destId="{EBB1213F-CD89-4CE7-B379-EEE2F8330F5E}" srcOrd="3" destOrd="0" presId="urn:microsoft.com/office/officeart/2005/8/layout/vProcess5"/>
+    <dgm:cxn modelId="{27A54386-EBA4-4BFB-ACD3-B34AF06CEB46}" type="presParOf" srcId="{9DADE078-D6B4-4A45-BEAE-AE1911422380}" destId="{C70D1362-4553-4F29-9246-6F8A7122E81A}" srcOrd="4" destOrd="0" presId="urn:microsoft.com/office/officeart/2005/8/layout/vProcess5"/>
+    <dgm:cxn modelId="{8FDB3AFD-30A8-4712-9F2F-0E98D049CB8A}" type="presParOf" srcId="{9DADE078-D6B4-4A45-BEAE-AE1911422380}" destId="{DEC5B58E-4A98-47C4-B87D-8E972CD42138}" srcOrd="5" destOrd="0" presId="urn:microsoft.com/office/officeart/2005/8/layout/vProcess5"/>
+    <dgm:cxn modelId="{A8966A04-AAC8-4D4F-AB2D-AE4E013093AF}" type="presParOf" srcId="{9DADE078-D6B4-4A45-BEAE-AE1911422380}" destId="{17E50E30-8550-4FD1-B755-430F799AC497}" srcOrd="6" destOrd="0" presId="urn:microsoft.com/office/officeart/2005/8/layout/vProcess5"/>
+    <dgm:cxn modelId="{C9097030-DDBE-48AE-A2D8-C5A076590AA2}" type="presParOf" srcId="{9DADE078-D6B4-4A45-BEAE-AE1911422380}" destId="{21A4AEF1-7C21-4C63-B3AE-67C04C02EF37}" srcOrd="7" destOrd="0" presId="urn:microsoft.com/office/officeart/2005/8/layout/vProcess5"/>
+    <dgm:cxn modelId="{0C33E111-7A11-4071-AE0B-A9DA5709E4CA}" type="presParOf" srcId="{9DADE078-D6B4-4A45-BEAE-AE1911422380}" destId="{A7814CDE-6189-461A-9D98-BB45FEC9B75F}" srcOrd="8" destOrd="0" presId="urn:microsoft.com/office/officeart/2005/8/layout/vProcess5"/>
+    <dgm:cxn modelId="{B95AAAB8-B708-4100-8CD1-73228BAB5A20}" type="presParOf" srcId="{9DADE078-D6B4-4A45-BEAE-AE1911422380}" destId="{81AE37FE-35BA-46F7-A383-71C571D05E9A}" srcOrd="9" destOrd="0" presId="urn:microsoft.com/office/officeart/2005/8/layout/vProcess5"/>
+    <dgm:cxn modelId="{C25CA20B-F5AE-4C25-AA05-EDCDD6B905C5}" type="presParOf" srcId="{9DADE078-D6B4-4A45-BEAE-AE1911422380}" destId="{96173BEB-796B-40CC-83F5-06ADABB92193}" srcOrd="10" destOrd="0" presId="urn:microsoft.com/office/officeart/2005/8/layout/vProcess5"/>
+    <dgm:cxn modelId="{70E1B065-3843-439A-B222-134388A40769}" type="presParOf" srcId="{9DADE078-D6B4-4A45-BEAE-AE1911422380}" destId="{97FBB7B1-EC88-47AD-96C3-758F6D5305A6}" srcOrd="11" destOrd="0" presId="urn:microsoft.com/office/officeart/2005/8/layout/vProcess5"/>
   </dgm:cxnLst>
   <dgm:bg/>
   <dgm:whole/>
@@ -1149,21 +1215,23 @@
       <dsp:cNvGrpSpPr/>
     </dsp:nvGrpSpPr>
     <dsp:grpSpPr/>
-    <dsp:sp modelId="{6DFFBECF-9E5D-475C-8240-E3C3D9C6D77C}">
+    <dsp:sp modelId="{294422C2-65D5-4C2E-9128-4E8D826C4EE8}">
       <dsp:nvSpPr>
         <dsp:cNvPr id="0" name=""/>
         <dsp:cNvSpPr/>
       </dsp:nvSpPr>
       <dsp:spPr>
         <a:xfrm>
-          <a:off x="0" y="223632"/>
-          <a:ext cx="6513603" cy="1247220"/>
+          <a:off x="0" y="0"/>
+          <a:ext cx="5504265" cy="1222169"/>
         </a:xfrm>
         <a:prstGeom prst="roundRect">
-          <a:avLst/>
+          <a:avLst>
+            <a:gd name="adj" fmla="val 10000"/>
+          </a:avLst>
         </a:prstGeom>
         <a:solidFill>
-          <a:schemeClr val="accent5">
+          <a:schemeClr val="accent2">
             <a:hueOff val="0"/>
             <a:satOff val="0"/>
             <a:lumOff val="0"/>
@@ -1199,12 +1267,12 @@
         </a:fontRef>
       </dsp:style>
       <dsp:txBody>
-        <a:bodyPr spcFirstLastPara="0" vert="horz" wrap="square" lIns="198120" tIns="198120" rIns="198120" bIns="198120" numCol="1" spcCol="1270" anchor="ctr" anchorCtr="0">
+        <a:bodyPr spcFirstLastPara="0" vert="horz" wrap="square" lIns="129540" tIns="129540" rIns="129540" bIns="129540" numCol="1" spcCol="1270" anchor="ctr" anchorCtr="0">
           <a:noAutofit/>
         </a:bodyPr>
         <a:lstStyle/>
         <a:p>
-          <a:pPr marL="0" lvl="0" indent="0" algn="l" defTabSz="2311400">
+          <a:pPr marL="0" lvl="0" indent="0" algn="l" defTabSz="1511300">
             <a:lnSpc>
               <a:spcPct val="90000"/>
             </a:lnSpc>
@@ -1217,34 +1285,36 @@
             <a:buNone/>
           </a:pPr>
           <a:r>
-            <a:rPr lang="en-US" sz="5200" kern="1200"/>
+            <a:rPr lang="en-US" sz="3400" kern="1200"/>
             <a:t>Org level access</a:t>
           </a:r>
         </a:p>
       </dsp:txBody>
       <dsp:txXfrm>
-        <a:off x="60884" y="284516"/>
-        <a:ext cx="6391835" cy="1125452"/>
+        <a:off x="35796" y="35796"/>
+        <a:ext cx="4082176" cy="1150577"/>
       </dsp:txXfrm>
     </dsp:sp>
-    <dsp:sp modelId="{DD94CB2E-75AC-43F1-A11F-B360763757B3}">
+    <dsp:sp modelId="{FD1D0DEE-4F8A-4FCB-98F4-8F99645D13EF}">
       <dsp:nvSpPr>
         <dsp:cNvPr id="0" name=""/>
         <dsp:cNvSpPr/>
       </dsp:nvSpPr>
       <dsp:spPr>
         <a:xfrm>
-          <a:off x="0" y="1620613"/>
-          <a:ext cx="6513603" cy="1247220"/>
+          <a:off x="460982" y="1444381"/>
+          <a:ext cx="5504265" cy="1222169"/>
         </a:xfrm>
         <a:prstGeom prst="roundRect">
-          <a:avLst/>
+          <a:avLst>
+            <a:gd name="adj" fmla="val 10000"/>
+          </a:avLst>
         </a:prstGeom>
         <a:solidFill>
-          <a:schemeClr val="accent5">
-            <a:hueOff val="-2252848"/>
-            <a:satOff val="-5806"/>
-            <a:lumOff val="-3922"/>
+          <a:schemeClr val="accent2">
+            <a:hueOff val="-485121"/>
+            <a:satOff val="-27976"/>
+            <a:lumOff val="2876"/>
             <a:alphaOff val="0"/>
           </a:schemeClr>
         </a:solidFill>
@@ -1277,12 +1347,12 @@
         </a:fontRef>
       </dsp:style>
       <dsp:txBody>
-        <a:bodyPr spcFirstLastPara="0" vert="horz" wrap="square" lIns="198120" tIns="198120" rIns="198120" bIns="198120" numCol="1" spcCol="1270" anchor="ctr" anchorCtr="0">
+        <a:bodyPr spcFirstLastPara="0" vert="horz" wrap="square" lIns="129540" tIns="129540" rIns="129540" bIns="129540" numCol="1" spcCol="1270" anchor="ctr" anchorCtr="0">
           <a:noAutofit/>
         </a:bodyPr>
         <a:lstStyle/>
         <a:p>
-          <a:pPr marL="0" lvl="0" indent="0" algn="l" defTabSz="2311400">
+          <a:pPr marL="0" lvl="0" indent="0" algn="l" defTabSz="1511300">
             <a:lnSpc>
               <a:spcPct val="90000"/>
             </a:lnSpc>
@@ -1295,34 +1365,36 @@
             <a:buNone/>
           </a:pPr>
           <a:r>
-            <a:rPr lang="en-US" sz="5200" kern="1200"/>
+            <a:rPr lang="en-US" sz="3400" kern="1200"/>
             <a:t>Object Level ( Profile )</a:t>
           </a:r>
         </a:p>
       </dsp:txBody>
       <dsp:txXfrm>
-        <a:off x="60884" y="1681497"/>
-        <a:ext cx="6391835" cy="1125452"/>
+        <a:off x="496778" y="1480177"/>
+        <a:ext cx="4177281" cy="1150577"/>
       </dsp:txXfrm>
     </dsp:sp>
-    <dsp:sp modelId="{22E41C85-3E36-4576-93EC-6C01EB313B8B}">
+    <dsp:sp modelId="{EBB1213F-CD89-4CE7-B379-EEE2F8330F5E}">
       <dsp:nvSpPr>
         <dsp:cNvPr id="0" name=""/>
         <dsp:cNvSpPr/>
       </dsp:nvSpPr>
       <dsp:spPr>
         <a:xfrm>
-          <a:off x="0" y="3017593"/>
-          <a:ext cx="6513603" cy="1247220"/>
+          <a:off x="915084" y="2888763"/>
+          <a:ext cx="5504265" cy="1222169"/>
         </a:xfrm>
         <a:prstGeom prst="roundRect">
-          <a:avLst/>
+          <a:avLst>
+            <a:gd name="adj" fmla="val 10000"/>
+          </a:avLst>
         </a:prstGeom>
         <a:solidFill>
-          <a:schemeClr val="accent5">
-            <a:hueOff val="-4505695"/>
-            <a:satOff val="-11613"/>
-            <a:lumOff val="-7843"/>
+          <a:schemeClr val="accent2">
+            <a:hueOff val="-970242"/>
+            <a:satOff val="-55952"/>
+            <a:lumOff val="5752"/>
             <a:alphaOff val="0"/>
           </a:schemeClr>
         </a:solidFill>
@@ -1355,12 +1427,12 @@
         </a:fontRef>
       </dsp:style>
       <dsp:txBody>
-        <a:bodyPr spcFirstLastPara="0" vert="horz" wrap="square" lIns="198120" tIns="198120" rIns="198120" bIns="198120" numCol="1" spcCol="1270" anchor="ctr" anchorCtr="0">
+        <a:bodyPr spcFirstLastPara="0" vert="horz" wrap="square" lIns="129540" tIns="129540" rIns="129540" bIns="129540" numCol="1" spcCol="1270" anchor="ctr" anchorCtr="0">
           <a:noAutofit/>
         </a:bodyPr>
         <a:lstStyle/>
         <a:p>
-          <a:pPr marL="0" lvl="0" indent="0" algn="l" defTabSz="2311400">
+          <a:pPr marL="0" lvl="0" indent="0" algn="l" defTabSz="1511300">
             <a:lnSpc>
               <a:spcPct val="90000"/>
             </a:lnSpc>
@@ -1373,34 +1445,36 @@
             <a:buNone/>
           </a:pPr>
           <a:r>
-            <a:rPr lang="en-US" sz="5200" kern="1200"/>
+            <a:rPr lang="en-US" sz="3400" kern="1200"/>
             <a:t>Record Level Access</a:t>
           </a:r>
         </a:p>
       </dsp:txBody>
       <dsp:txXfrm>
-        <a:off x="60884" y="3078477"/>
-        <a:ext cx="6391835" cy="1125452"/>
+        <a:off x="950880" y="2924559"/>
+        <a:ext cx="4184161" cy="1150577"/>
       </dsp:txXfrm>
     </dsp:sp>
-    <dsp:sp modelId="{4799EEB8-17E3-4361-AC6C-6BCE690D8280}">
+    <dsp:sp modelId="{C70D1362-4553-4F29-9246-6F8A7122E81A}">
       <dsp:nvSpPr>
         <dsp:cNvPr id="0" name=""/>
         <dsp:cNvSpPr/>
       </dsp:nvSpPr>
       <dsp:spPr>
         <a:xfrm>
-          <a:off x="0" y="4414573"/>
-          <a:ext cx="6513603" cy="1247220"/>
+          <a:off x="1376066" y="4333144"/>
+          <a:ext cx="5504265" cy="1222169"/>
         </a:xfrm>
         <a:prstGeom prst="roundRect">
-          <a:avLst/>
+          <a:avLst>
+            <a:gd name="adj" fmla="val 10000"/>
+          </a:avLst>
         </a:prstGeom>
         <a:solidFill>
-          <a:schemeClr val="accent5">
-            <a:hueOff val="-6758543"/>
-            <a:satOff val="-17419"/>
-            <a:lumOff val="-11765"/>
+          <a:schemeClr val="accent2">
+            <a:hueOff val="-1455363"/>
+            <a:satOff val="-83928"/>
+            <a:lumOff val="8628"/>
             <a:alphaOff val="0"/>
           </a:schemeClr>
         </a:solidFill>
@@ -1433,12 +1507,12 @@
         </a:fontRef>
       </dsp:style>
       <dsp:txBody>
-        <a:bodyPr spcFirstLastPara="0" vert="horz" wrap="square" lIns="198120" tIns="198120" rIns="198120" bIns="198120" numCol="1" spcCol="1270" anchor="ctr" anchorCtr="0">
+        <a:bodyPr spcFirstLastPara="0" vert="horz" wrap="square" lIns="129540" tIns="129540" rIns="129540" bIns="129540" numCol="1" spcCol="1270" anchor="ctr" anchorCtr="0">
           <a:noAutofit/>
         </a:bodyPr>
         <a:lstStyle/>
         <a:p>
-          <a:pPr marL="0" lvl="0" indent="0" algn="l" defTabSz="2311400">
+          <a:pPr marL="0" lvl="0" indent="0" algn="l" defTabSz="1511300">
             <a:lnSpc>
               <a:spcPct val="90000"/>
             </a:lnSpc>
@@ -1451,14 +1525,254 @@
             <a:buNone/>
           </a:pPr>
           <a:r>
-            <a:rPr lang="en-US" sz="5200" kern="1200"/>
+            <a:rPr lang="en-US" sz="3400" kern="1200"/>
             <a:t>Field Level Access</a:t>
           </a:r>
         </a:p>
       </dsp:txBody>
       <dsp:txXfrm>
-        <a:off x="60884" y="4475457"/>
-        <a:ext cx="6391835" cy="1125452"/>
+        <a:off x="1411862" y="4368940"/>
+        <a:ext cx="4177281" cy="1150577"/>
+      </dsp:txXfrm>
+    </dsp:sp>
+    <dsp:sp modelId="{DEC5B58E-4A98-47C4-B87D-8E972CD42138}">
+      <dsp:nvSpPr>
+        <dsp:cNvPr id="0" name=""/>
+        <dsp:cNvSpPr/>
+      </dsp:nvSpPr>
+      <dsp:spPr>
+        <a:xfrm>
+          <a:off x="4709855" y="936070"/>
+          <a:ext cx="794409" cy="794409"/>
+        </a:xfrm>
+        <a:prstGeom prst="downArrow">
+          <a:avLst>
+            <a:gd name="adj1" fmla="val 55000"/>
+            <a:gd name="adj2" fmla="val 45000"/>
+          </a:avLst>
+        </a:prstGeom>
+        <a:solidFill>
+          <a:schemeClr val="accent2">
+            <a:tint val="40000"/>
+            <a:alpha val="90000"/>
+            <a:hueOff val="0"/>
+            <a:satOff val="0"/>
+            <a:lumOff val="0"/>
+            <a:alphaOff val="0"/>
+          </a:schemeClr>
+        </a:solidFill>
+        <a:ln w="12700" cap="flat" cmpd="sng" algn="ctr">
+          <a:solidFill>
+            <a:schemeClr val="accent2">
+              <a:tint val="40000"/>
+              <a:alpha val="90000"/>
+              <a:hueOff val="0"/>
+              <a:satOff val="0"/>
+              <a:lumOff val="0"/>
+              <a:alphaOff val="0"/>
+            </a:schemeClr>
+          </a:solidFill>
+          <a:prstDash val="solid"/>
+          <a:miter lim="800000"/>
+        </a:ln>
+        <a:effectLst/>
+      </dsp:spPr>
+      <dsp:style>
+        <a:lnRef idx="2">
+          <a:scrgbClr r="0" g="0" b="0"/>
+        </a:lnRef>
+        <a:fillRef idx="1">
+          <a:scrgbClr r="0" g="0" b="0"/>
+        </a:fillRef>
+        <a:effectRef idx="0">
+          <a:scrgbClr r="0" g="0" b="0"/>
+        </a:effectRef>
+        <a:fontRef idx="minor"/>
+      </dsp:style>
+      <dsp:txBody>
+        <a:bodyPr spcFirstLastPara="0" vert="horz" wrap="square" lIns="45720" tIns="45720" rIns="45720" bIns="45720" numCol="1" spcCol="1270" anchor="ctr" anchorCtr="0">
+          <a:noAutofit/>
+        </a:bodyPr>
+        <a:lstStyle/>
+        <a:p>
+          <a:pPr marL="0" lvl="0" indent="0" algn="ctr" defTabSz="1600200">
+            <a:lnSpc>
+              <a:spcPct val="90000"/>
+            </a:lnSpc>
+            <a:spcBef>
+              <a:spcPct val="0"/>
+            </a:spcBef>
+            <a:spcAft>
+              <a:spcPct val="35000"/>
+            </a:spcAft>
+            <a:buNone/>
+          </a:pPr>
+          <a:endParaRPr lang="en-US" sz="3600" kern="1200"/>
+        </a:p>
+      </dsp:txBody>
+      <dsp:txXfrm>
+        <a:off x="4888597" y="936070"/>
+        <a:ext cx="436925" cy="597793"/>
+      </dsp:txXfrm>
+    </dsp:sp>
+    <dsp:sp modelId="{17E50E30-8550-4FD1-B755-430F799AC497}">
+      <dsp:nvSpPr>
+        <dsp:cNvPr id="0" name=""/>
+        <dsp:cNvSpPr/>
+      </dsp:nvSpPr>
+      <dsp:spPr>
+        <a:xfrm>
+          <a:off x="5170837" y="2380452"/>
+          <a:ext cx="794409" cy="794409"/>
+        </a:xfrm>
+        <a:prstGeom prst="downArrow">
+          <a:avLst>
+            <a:gd name="adj1" fmla="val 55000"/>
+            <a:gd name="adj2" fmla="val 45000"/>
+          </a:avLst>
+        </a:prstGeom>
+        <a:solidFill>
+          <a:schemeClr val="accent2">
+            <a:tint val="40000"/>
+            <a:alpha val="90000"/>
+            <a:hueOff val="-424613"/>
+            <a:satOff val="-37673"/>
+            <a:lumOff val="-385"/>
+            <a:alphaOff val="0"/>
+          </a:schemeClr>
+        </a:solidFill>
+        <a:ln w="12700" cap="flat" cmpd="sng" algn="ctr">
+          <a:solidFill>
+            <a:schemeClr val="accent2">
+              <a:tint val="40000"/>
+              <a:alpha val="90000"/>
+              <a:hueOff val="-424613"/>
+              <a:satOff val="-37673"/>
+              <a:lumOff val="-385"/>
+              <a:alphaOff val="0"/>
+            </a:schemeClr>
+          </a:solidFill>
+          <a:prstDash val="solid"/>
+          <a:miter lim="800000"/>
+        </a:ln>
+        <a:effectLst/>
+      </dsp:spPr>
+      <dsp:style>
+        <a:lnRef idx="2">
+          <a:scrgbClr r="0" g="0" b="0"/>
+        </a:lnRef>
+        <a:fillRef idx="1">
+          <a:scrgbClr r="0" g="0" b="0"/>
+        </a:fillRef>
+        <a:effectRef idx="0">
+          <a:scrgbClr r="0" g="0" b="0"/>
+        </a:effectRef>
+        <a:fontRef idx="minor"/>
+      </dsp:style>
+      <dsp:txBody>
+        <a:bodyPr spcFirstLastPara="0" vert="horz" wrap="square" lIns="45720" tIns="45720" rIns="45720" bIns="45720" numCol="1" spcCol="1270" anchor="ctr" anchorCtr="0">
+          <a:noAutofit/>
+        </a:bodyPr>
+        <a:lstStyle/>
+        <a:p>
+          <a:pPr marL="0" lvl="0" indent="0" algn="ctr" defTabSz="1600200">
+            <a:lnSpc>
+              <a:spcPct val="90000"/>
+            </a:lnSpc>
+            <a:spcBef>
+              <a:spcPct val="0"/>
+            </a:spcBef>
+            <a:spcAft>
+              <a:spcPct val="35000"/>
+            </a:spcAft>
+            <a:buNone/>
+          </a:pPr>
+          <a:endParaRPr lang="en-US" sz="3600" kern="1200"/>
+        </a:p>
+      </dsp:txBody>
+      <dsp:txXfrm>
+        <a:off x="5349579" y="2380452"/>
+        <a:ext cx="436925" cy="597793"/>
+      </dsp:txXfrm>
+    </dsp:sp>
+    <dsp:sp modelId="{21A4AEF1-7C21-4C63-B3AE-67C04C02EF37}">
+      <dsp:nvSpPr>
+        <dsp:cNvPr id="0" name=""/>
+        <dsp:cNvSpPr/>
+      </dsp:nvSpPr>
+      <dsp:spPr>
+        <a:xfrm>
+          <a:off x="5624939" y="3824833"/>
+          <a:ext cx="794409" cy="794409"/>
+        </a:xfrm>
+        <a:prstGeom prst="downArrow">
+          <a:avLst>
+            <a:gd name="adj1" fmla="val 55000"/>
+            <a:gd name="adj2" fmla="val 45000"/>
+          </a:avLst>
+        </a:prstGeom>
+        <a:solidFill>
+          <a:schemeClr val="accent2">
+            <a:tint val="40000"/>
+            <a:alpha val="90000"/>
+            <a:hueOff val="-849226"/>
+            <a:satOff val="-75346"/>
+            <a:lumOff val="-769"/>
+            <a:alphaOff val="0"/>
+          </a:schemeClr>
+        </a:solidFill>
+        <a:ln w="12700" cap="flat" cmpd="sng" algn="ctr">
+          <a:solidFill>
+            <a:schemeClr val="accent2">
+              <a:tint val="40000"/>
+              <a:alpha val="90000"/>
+              <a:hueOff val="-849226"/>
+              <a:satOff val="-75346"/>
+              <a:lumOff val="-769"/>
+              <a:alphaOff val="0"/>
+            </a:schemeClr>
+          </a:solidFill>
+          <a:prstDash val="solid"/>
+          <a:miter lim="800000"/>
+        </a:ln>
+        <a:effectLst/>
+      </dsp:spPr>
+      <dsp:style>
+        <a:lnRef idx="2">
+          <a:scrgbClr r="0" g="0" b="0"/>
+        </a:lnRef>
+        <a:fillRef idx="1">
+          <a:scrgbClr r="0" g="0" b="0"/>
+        </a:fillRef>
+        <a:effectRef idx="0">
+          <a:scrgbClr r="0" g="0" b="0"/>
+        </a:effectRef>
+        <a:fontRef idx="minor"/>
+      </dsp:style>
+      <dsp:txBody>
+        <a:bodyPr spcFirstLastPara="0" vert="horz" wrap="square" lIns="45720" tIns="45720" rIns="45720" bIns="45720" numCol="1" spcCol="1270" anchor="ctr" anchorCtr="0">
+          <a:noAutofit/>
+        </a:bodyPr>
+        <a:lstStyle/>
+        <a:p>
+          <a:pPr marL="0" lvl="0" indent="0" algn="ctr" defTabSz="1600200">
+            <a:lnSpc>
+              <a:spcPct val="90000"/>
+            </a:lnSpc>
+            <a:spcBef>
+              <a:spcPct val="0"/>
+            </a:spcBef>
+            <a:spcAft>
+              <a:spcPct val="35000"/>
+            </a:spcAft>
+            <a:buNone/>
+          </a:pPr>
+          <a:endParaRPr lang="en-US" sz="3600" kern="1200"/>
+        </a:p>
+      </dsp:txBody>
+      <dsp:txXfrm>
+        <a:off x="5803681" y="3824833"/>
+        <a:ext cx="436925" cy="597793"/>
       </dsp:txXfrm>
     </dsp:sp>
   </dsp:spTree>
@@ -1466,12 +1780,11 @@
 </file>
 
 <file path=ppt/diagrams/layout1.xml><?xml version="1.0" encoding="utf-8"?>
-<dgm:layoutDef xmlns:dgm="http://schemas.openxmlformats.org/drawingml/2006/diagram" xmlns:a="http://schemas.openxmlformats.org/drawingml/2006/main" uniqueId="urn:microsoft.com/office/officeart/2005/8/layout/vList2">
+<dgm:layoutDef xmlns:dgm="http://schemas.openxmlformats.org/drawingml/2006/diagram" xmlns:a="http://schemas.openxmlformats.org/drawingml/2006/main" uniqueId="urn:microsoft.com/office/officeart/2005/8/layout/vProcess5">
   <dgm:title val=""/>
   <dgm:desc val=""/>
   <dgm:catLst>
-    <dgm:cat type="list" pri="3000"/>
-    <dgm:cat type="convert" pri="1000"/>
+    <dgm:cat type="process" pri="14000"/>
   </dgm:catLst>
   <dgm:sampData>
     <dgm:dataModel>
@@ -1480,21 +1793,17 @@
         <dgm:pt modelId="1">
           <dgm:prSet phldr="1"/>
         </dgm:pt>
-        <dgm:pt modelId="11">
-          <dgm:prSet phldr="1"/>
-        </dgm:pt>
         <dgm:pt modelId="2">
           <dgm:prSet phldr="1"/>
         </dgm:pt>
-        <dgm:pt modelId="21">
+        <dgm:pt modelId="3">
           <dgm:prSet phldr="1"/>
         </dgm:pt>
       </dgm:ptLst>
       <dgm:cxnLst>
-        <dgm:cxn modelId="4" srcId="0" destId="1" srcOrd="0" destOrd="0"/>
-        <dgm:cxn modelId="5" srcId="0" destId="2" srcOrd="1" destOrd="0"/>
-        <dgm:cxn modelId="12" srcId="1" destId="11" srcOrd="0" destOrd="0"/>
-        <dgm:cxn modelId="23" srcId="2" destId="21" srcOrd="0" destOrd="0"/>
+        <dgm:cxn modelId="5" srcId="0" destId="1" srcOrd="0" destOrd="0"/>
+        <dgm:cxn modelId="6" srcId="0" destId="2" srcOrd="1" destOrd="0"/>
+        <dgm:cxn modelId="7" srcId="0" destId="3" srcOrd="2" destOrd="0"/>
       </dgm:cxnLst>
       <dgm:bg/>
       <dgm:whole/>
@@ -1525,109 +1834,1173 @@
         <dgm:pt modelId="4"/>
       </dgm:ptLst>
       <dgm:cxnLst>
-        <dgm:cxn modelId="5" srcId="0" destId="1" srcOrd="0" destOrd="0"/>
-        <dgm:cxn modelId="6" srcId="0" destId="2" srcOrd="1" destOrd="0"/>
-        <dgm:cxn modelId="7" srcId="0" destId="3" srcOrd="2" destOrd="0"/>
-        <dgm:cxn modelId="8" srcId="0" destId="4" srcOrd="3" destOrd="0"/>
+        <dgm:cxn modelId="6" srcId="0" destId="1" srcOrd="0" destOrd="0"/>
+        <dgm:cxn modelId="7" srcId="0" destId="2" srcOrd="1" destOrd="0"/>
+        <dgm:cxn modelId="8" srcId="0" destId="3" srcOrd="2" destOrd="0"/>
+        <dgm:cxn modelId="9" srcId="0" destId="4" srcOrd="3" destOrd="0"/>
       </dgm:cxnLst>
       <dgm:bg/>
       <dgm:whole/>
     </dgm:dataModel>
   </dgm:clrData>
-  <dgm:layoutNode name="linear">
+  <dgm:layoutNode name="outerComposite">
     <dgm:varLst>
-      <dgm:animLvl val="lvl"/>
+      <dgm:chMax val="5"/>
+      <dgm:dir/>
       <dgm:resizeHandles val="exact"/>
     </dgm:varLst>
-    <dgm:alg type="lin">
-      <dgm:param type="linDir" val="fromT"/>
-      <dgm:param type="vertAlign" val="mid"/>
-    </dgm:alg>
+    <dgm:alg type="composite"/>
     <dgm:shape xmlns:r="http://schemas.openxmlformats.org/officeDocument/2006/relationships" r:blip="">
       <dgm:adjLst/>
     </dgm:shape>
     <dgm:presOf/>
-    <dgm:constrLst>
-      <dgm:constr type="w" for="ch" forName="parentText" refType="w"/>
-      <dgm:constr type="h" for="ch" forName="parentText" refType="primFontSz" refFor="ch" refForName="parentText" fact="0.52"/>
-      <dgm:constr type="w" for="ch" forName="childText" refType="w"/>
-      <dgm:constr type="h" for="ch" forName="childText" refType="primFontSz" refFor="ch" refForName="parentText" fact="0.46"/>
-      <dgm:constr type="h" for="ch" forName="parentText" op="equ"/>
-      <dgm:constr type="primFontSz" for="ch" forName="parentText" op="equ" val="65"/>
-      <dgm:constr type="primFontSz" for="ch" forName="childText" refType="primFontSz" refFor="ch" refForName="parentText" op="equ"/>
-      <dgm:constr type="h" for="ch" forName="spacer" refType="primFontSz" refFor="ch" refForName="parentText" fact="0.08"/>
-    </dgm:constrLst>
-    <dgm:ruleLst>
-      <dgm:rule type="primFontSz" for="ch" forName="parentText" val="5" fact="NaN" max="NaN"/>
-    </dgm:ruleLst>
-    <dgm:forEach name="Name0" axis="ch" ptType="node">
-      <dgm:layoutNode name="parentText" styleLbl="node1">
-        <dgm:varLst>
-          <dgm:chMax val="0"/>
-          <dgm:bulletEnabled val="1"/>
-        </dgm:varLst>
-        <dgm:alg type="tx">
-          <dgm:param type="parTxLTRAlign" val="l"/>
-          <dgm:param type="parTxRTLAlign" val="r"/>
-        </dgm:alg>
-        <dgm:shape xmlns:r="http://schemas.openxmlformats.org/officeDocument/2006/relationships" type="roundRect" r:blip="">
-          <dgm:adjLst/>
-        </dgm:shape>
-        <dgm:presOf axis="self"/>
+    <dgm:choose name="Name0">
+      <dgm:if name="Name1" func="var" arg="dir" op="equ" val="norm">
         <dgm:constrLst>
-          <dgm:constr type="tMarg" refType="primFontSz" fact="0.3"/>
-          <dgm:constr type="bMarg" refType="primFontSz" fact="0.3"/>
-          <dgm:constr type="lMarg" refType="primFontSz" fact="0.3"/>
-          <dgm:constr type="rMarg" refType="primFontSz" fact="0.3"/>
+          <dgm:constr type="primFontSz" for="ch" ptType="node" op="equ" val="65"/>
+          <dgm:constr type="w" for="ch" forName="dummyMaxCanvas" refType="w"/>
+          <dgm:constr type="h" for="ch" forName="dummyMaxCanvas" refType="h"/>
+          <dgm:constr type="w" for="ch" forName="OneNode_1" refType="w"/>
+          <dgm:constr type="h" for="ch" forName="OneNode_1" refType="h" fact="0.5"/>
+          <dgm:constr type="ctrY" for="ch" forName="OneNode_1" refType="h" fact="0.5"/>
+          <dgm:constr type="w" for="ch" forName="TwoNodes_1" refType="w" fact="0.85"/>
+          <dgm:constr type="h" for="ch" forName="TwoNodes_1" refType="h" fact="0.45"/>
+          <dgm:constr type="t" for="ch" forName="TwoNodes_1"/>
+          <dgm:constr type="l" for="ch" forName="TwoNodes_1"/>
+          <dgm:constr type="w" for="ch" forName="TwoNodes_2" refType="w" fact="0.85"/>
+          <dgm:constr type="h" for="ch" forName="TwoNodes_2" refType="h" fact="0.45"/>
+          <dgm:constr type="b" for="ch" forName="TwoNodes_2" refType="h"/>
+          <dgm:constr type="r" for="ch" forName="TwoNodes_2" refType="w"/>
+          <dgm:constr type="w" for="ch" forName="TwoConn_1-2" refType="h" refFor="ch" refForName="TwoNodes_1" fact="0.65"/>
+          <dgm:constr type="h" for="ch" forName="TwoConn_1-2" refType="h" refFor="ch" refForName="TwoNodes_1" fact="0.65"/>
+          <dgm:constr type="ctrY" for="ch" forName="TwoConn_1-2" refType="h" fact="0.5"/>
+          <dgm:constr type="r" for="ch" forName="TwoConn_1-2" refType="r" refFor="ch" refForName="TwoNodes_1"/>
+          <dgm:constr type="r" for="ch" forName="TwoNodes_1_text" refType="l" refFor="ch" refForName="TwoConn_1-2"/>
+          <dgm:constr type="rOff" for="ch" forName="TwoNodes_1_text" refType="w" refFor="ch" refForName="TwoConn_1-2" fact="-0.5"/>
+          <dgm:constr type="t" for="ch" forName="TwoNodes_1_text" refType="t" refFor="ch" refForName="TwoNodes_1"/>
+          <dgm:constr type="b" for="ch" forName="TwoNodes_1_text" refType="b" refFor="ch" refForName="TwoNodes_1"/>
+          <dgm:constr type="l" for="ch" forName="TwoNodes_1_text" refType="l" refFor="ch" refForName="TwoNodes_1"/>
+          <dgm:constr type="r" for="ch" forName="TwoNodes_2_text" refType="l" refFor="ch" refForName="TwoConn_1-2"/>
+          <dgm:constr type="t" for="ch" forName="TwoNodes_2_text" refType="t" refFor="ch" refForName="TwoNodes_2"/>
+          <dgm:constr type="b" for="ch" forName="TwoNodes_2_text" refType="b" refFor="ch" refForName="TwoNodes_2"/>
+          <dgm:constr type="l" for="ch" forName="TwoNodes_2_text" refType="l" refFor="ch" refForName="TwoNodes_2"/>
+          <dgm:constr type="w" for="ch" forName="ThreeNodes_1" refType="w" fact="0.85"/>
+          <dgm:constr type="h" for="ch" forName="ThreeNodes_1" refType="h" fact="0.3"/>
+          <dgm:constr type="t" for="ch" forName="ThreeNodes_1"/>
+          <dgm:constr type="l" for="ch" forName="ThreeNodes_1"/>
+          <dgm:constr type="w" for="ch" forName="ThreeNodes_2" refType="w" fact="0.85"/>
+          <dgm:constr type="h" for="ch" forName="ThreeNodes_2" refType="h" fact="0.3"/>
+          <dgm:constr type="ctrY" for="ch" forName="ThreeNodes_2" refType="h" fact="0.5"/>
+          <dgm:constr type="ctrX" for="ch" forName="ThreeNodes_2" refType="w" fact="0.5"/>
+          <dgm:constr type="w" for="ch" forName="ThreeNodes_3" refType="w" fact="0.85"/>
+          <dgm:constr type="h" for="ch" forName="ThreeNodes_3" refType="h" fact="0.3"/>
+          <dgm:constr type="b" for="ch" forName="ThreeNodes_3" refType="h"/>
+          <dgm:constr type="r" for="ch" forName="ThreeNodes_3" refType="w"/>
+          <dgm:constr type="w" for="ch" forName="ThreeConn_1-2" refType="h" refFor="ch" refForName="ThreeNodes_1" fact="0.65"/>
+          <dgm:constr type="h" for="ch" forName="ThreeConn_1-2" refType="h" refFor="ch" refForName="ThreeNodes_1" fact="0.65"/>
+          <dgm:constr type="ctrY" for="ch" forName="ThreeConn_1-2" refType="h" fact="0.325"/>
+          <dgm:constr type="r" for="ch" forName="ThreeConn_1-2" refType="r" refFor="ch" refForName="ThreeNodes_1"/>
+          <dgm:constr type="w" for="ch" forName="ThreeConn_2-3" refType="h" refFor="ch" refForName="ThreeNodes_2" fact="0.65"/>
+          <dgm:constr type="h" for="ch" forName="ThreeConn_2-3" refType="h" refFor="ch" refForName="ThreeNodes_2" fact="0.65"/>
+          <dgm:constr type="ctrY" for="ch" forName="ThreeConn_2-3" refType="h" fact="0.673"/>
+          <dgm:constr type="r" for="ch" forName="ThreeConn_2-3" refType="r" refFor="ch" refForName="ThreeNodes_2"/>
+          <dgm:constr type="r" for="ch" forName="ThreeNodes_1_text" refType="l" refFor="ch" refForName="ThreeConn_1-2"/>
+          <dgm:constr type="rOff" for="ch" forName="ThreeNodes_1_text" refType="w" refFor="ch" refForName="ThreeConn_1-2" fact="-0.57"/>
+          <dgm:constr type="t" for="ch" forName="ThreeNodes_1_text" refType="t" refFor="ch" refForName="ThreeNodes_1"/>
+          <dgm:constr type="b" for="ch" forName="ThreeNodes_1_text" refType="b" refFor="ch" refForName="ThreeNodes_1"/>
+          <dgm:constr type="l" for="ch" forName="ThreeNodes_1_text" refType="l" refFor="ch" refForName="ThreeNodes_1"/>
+          <dgm:constr type="r" for="ch" forName="ThreeNodes_2_text" refType="l" refFor="ch" refForName="ThreeConn_1-2"/>
+          <dgm:constr type="t" for="ch" forName="ThreeNodes_2_text" refType="t" refFor="ch" refForName="ThreeNodes_2"/>
+          <dgm:constr type="b" for="ch" forName="ThreeNodes_2_text" refType="b" refFor="ch" refForName="ThreeNodes_2"/>
+          <dgm:constr type="l" for="ch" forName="ThreeNodes_2_text" refType="l" refFor="ch" refForName="ThreeNodes_2"/>
+          <dgm:constr type="r" for="ch" forName="ThreeNodes_3_text" refType="l" refFor="ch" refForName="ThreeConn_2-3"/>
+          <dgm:constr type="t" for="ch" forName="ThreeNodes_3_text" refType="t" refFor="ch" refForName="ThreeNodes_3"/>
+          <dgm:constr type="b" for="ch" forName="ThreeNodes_3_text" refType="b" refFor="ch" refForName="ThreeNodes_3"/>
+          <dgm:constr type="l" for="ch" forName="ThreeNodes_3_text" refType="l" refFor="ch" refForName="ThreeNodes_3"/>
+          <dgm:constr type="w" for="ch" forName="FourNodes_1" refType="w" fact="0.8"/>
+          <dgm:constr type="h" for="ch" forName="FourNodes_1" refType="h" fact="0.22"/>
+          <dgm:constr type="t" for="ch" forName="FourNodes_1"/>
+          <dgm:constr type="l" for="ch" forName="FourNodes_1"/>
+          <dgm:constr type="w" for="ch" forName="FourNodes_2" refType="w" fact="0.8"/>
+          <dgm:constr type="h" for="ch" forName="FourNodes_2" refType="h" fact="0.22"/>
+          <dgm:constr type="ctrY" for="ch" forName="FourNodes_2" refType="h" fact="0.37"/>
+          <dgm:constr type="ctrX" for="ch" forName="FourNodes_2" refType="w" fact="0.467"/>
+          <dgm:constr type="w" for="ch" forName="FourNodes_3" refType="w" fact="0.8"/>
+          <dgm:constr type="h" for="ch" forName="FourNodes_3" refType="h" fact="0.22"/>
+          <dgm:constr type="ctrY" for="ch" forName="FourNodes_3" refType="h" fact="0.63"/>
+          <dgm:constr type="ctrX" for="ch" forName="FourNodes_3" refType="w" fact="0.533"/>
+          <dgm:constr type="w" for="ch" forName="FourNodes_4" refType="w" fact="0.8"/>
+          <dgm:constr type="h" for="ch" forName="FourNodes_4" refType="h" fact="0.22"/>
+          <dgm:constr type="b" for="ch" forName="FourNodes_4" refType="h"/>
+          <dgm:constr type="r" for="ch" forName="FourNodes_4" refType="w"/>
+          <dgm:constr type="w" for="ch" forName="FourConn_1-2" refType="h" refFor="ch" refForName="FourNodes_1" fact="0.65"/>
+          <dgm:constr type="h" for="ch" forName="FourConn_1-2" refType="h" refFor="ch" refForName="FourNodes_1" fact="0.65"/>
+          <dgm:constr type="ctrY" for="ch" forName="FourConn_1-2" refType="h" fact="0.24"/>
+          <dgm:constr type="r" for="ch" forName="FourConn_1-2" refType="r" refFor="ch" refForName="FourNodes_1"/>
+          <dgm:constr type="w" for="ch" forName="FourConn_2-3" refType="h" refFor="ch" refForName="FourNodes_2" fact="0.65"/>
+          <dgm:constr type="h" for="ch" forName="FourConn_2-3" refType="h" refFor="ch" refForName="FourNodes_2" fact="0.65"/>
+          <dgm:constr type="ctrY" for="ch" forName="FourConn_2-3" refType="h" fact="0.5"/>
+          <dgm:constr type="r" for="ch" forName="FourConn_2-3" refType="r" refFor="ch" refForName="FourNodes_2"/>
+          <dgm:constr type="w" for="ch" forName="FourConn_3-4" refType="h" refFor="ch" refForName="FourNodes_3" fact="0.65"/>
+          <dgm:constr type="h" for="ch" forName="FourConn_3-4" refType="h" refFor="ch" refForName="FourNodes_3" fact="0.65"/>
+          <dgm:constr type="ctrY" for="ch" forName="FourConn_3-4" refType="h" fact="0.76"/>
+          <dgm:constr type="r" for="ch" forName="FourConn_3-4" refType="r" refFor="ch" refForName="FourNodes_3"/>
+          <dgm:constr type="r" for="ch" forName="FourNodes_1_text" refType="l" refFor="ch" refForName="FourConn_1-2"/>
+          <dgm:constr type="rOff" for="ch" forName="FourNodes_1_text" refType="w" refFor="ch" refForName="FourConn_1-2" fact="-0.7"/>
+          <dgm:constr type="t" for="ch" forName="FourNodes_1_text" refType="t" refFor="ch" refForName="FourNodes_1"/>
+          <dgm:constr type="b" for="ch" forName="FourNodes_1_text" refType="b" refFor="ch" refForName="FourNodes_1"/>
+          <dgm:constr type="l" for="ch" forName="FourNodes_1_text" refType="l" refFor="ch" refForName="FourNodes_1"/>
+          <dgm:constr type="r" for="ch" forName="FourNodes_2_text" refType="l" refFor="ch" refForName="FourConn_1-2"/>
+          <dgm:constr type="t" for="ch" forName="FourNodes_2_text" refType="t" refFor="ch" refForName="FourNodes_2"/>
+          <dgm:constr type="b" for="ch" forName="FourNodes_2_text" refType="b" refFor="ch" refForName="FourNodes_2"/>
+          <dgm:constr type="l" for="ch" forName="FourNodes_2_text" refType="l" refFor="ch" refForName="FourNodes_2"/>
+          <dgm:constr type="r" for="ch" forName="FourNodes_3_text" refType="l" refFor="ch" refForName="FourConn_2-3"/>
+          <dgm:constr type="t" for="ch" forName="FourNodes_3_text" refType="t" refFor="ch" refForName="FourNodes_3"/>
+          <dgm:constr type="b" for="ch" forName="FourNodes_3_text" refType="b" refFor="ch" refForName="FourNodes_3"/>
+          <dgm:constr type="l" for="ch" forName="FourNodes_3_text" refType="l" refFor="ch" refForName="FourNodes_3"/>
+          <dgm:constr type="r" for="ch" forName="FourNodes_4_text" refType="l" refFor="ch" refForName="FourConn_3-4"/>
+          <dgm:constr type="t" for="ch" forName="FourNodes_4_text" refType="t" refFor="ch" refForName="FourNodes_4"/>
+          <dgm:constr type="b" for="ch" forName="FourNodes_4_text" refType="b" refFor="ch" refForName="FourNodes_4"/>
+          <dgm:constr type="l" for="ch" forName="FourNodes_4_text" refType="l" refFor="ch" refForName="FourNodes_4"/>
+          <dgm:constr type="w" for="ch" forName="FiveNodes_1" refType="w" fact="0.77"/>
+          <dgm:constr type="h" for="ch" forName="FiveNodes_1" refType="h" fact="0.18"/>
+          <dgm:constr type="t" for="ch" forName="FiveNodes_1"/>
+          <dgm:constr type="l" for="ch" forName="FiveNodes_1"/>
+          <dgm:constr type="w" for="ch" forName="FiveNodes_2" refType="w" fact="0.77"/>
+          <dgm:constr type="h" for="ch" forName="FiveNodes_2" refType="h" fact="0.18"/>
+          <dgm:constr type="ctrY" for="ch" forName="FiveNodes_2" refType="h" fact="0.295"/>
+          <dgm:constr type="ctrX" for="ch" forName="FiveNodes_2" refType="w" fact="0.4425"/>
+          <dgm:constr type="w" for="ch" forName="FiveNodes_3" refType="w" fact="0.77"/>
+          <dgm:constr type="h" for="ch" forName="FiveNodes_3" refType="h" fact="0.18"/>
+          <dgm:constr type="ctrY" for="ch" forName="FiveNodes_3" refType="h" fact="0.5"/>
+          <dgm:constr type="ctrX" for="ch" forName="FiveNodes_3" refType="w" fact="0.5"/>
+          <dgm:constr type="w" for="ch" forName="FiveNodes_4" refType="w" fact="0.77"/>
+          <dgm:constr type="h" for="ch" forName="FiveNodes_4" refType="h" fact="0.18"/>
+          <dgm:constr type="ctrY" for="ch" forName="FiveNodes_4" refType="h" fact="0.705"/>
+          <dgm:constr type="ctrX" for="ch" forName="FiveNodes_4" refType="w" fact="0.5575"/>
+          <dgm:constr type="w" for="ch" forName="FiveNodes_5" refType="w" fact="0.77"/>
+          <dgm:constr type="h" for="ch" forName="FiveNodes_5" refType="h" fact="0.18"/>
+          <dgm:constr type="b" for="ch" forName="FiveNodes_5" refType="h"/>
+          <dgm:constr type="r" for="ch" forName="FiveNodes_5" refType="w"/>
+          <dgm:constr type="w" for="ch" forName="FiveConn_1-2" refType="h" refFor="ch" refForName="FiveNodes_1" fact="0.65"/>
+          <dgm:constr type="h" for="ch" forName="FiveConn_1-2" refType="h" refFor="ch" refForName="FiveNodes_1" fact="0.65"/>
+          <dgm:constr type="ctrY" for="ch" forName="FiveConn_1-2" refType="h" fact="0.19"/>
+          <dgm:constr type="r" for="ch" forName="FiveConn_1-2" refType="r" refFor="ch" refForName="FiveNodes_1"/>
+          <dgm:constr type="w" for="ch" forName="FiveConn_2-3" refType="h" refFor="ch" refForName="FiveNodes_2" fact="0.65"/>
+          <dgm:constr type="h" for="ch" forName="FiveConn_2-3" refType="h" refFor="ch" refForName="FiveNodes_2" fact="0.65"/>
+          <dgm:constr type="ctrY" for="ch" forName="FiveConn_2-3" refType="h" fact="0.395"/>
+          <dgm:constr type="r" for="ch" forName="FiveConn_2-3" refType="r" refFor="ch" refForName="FiveNodes_2"/>
+          <dgm:constr type="w" for="ch" forName="FiveConn_3-4" refType="h" refFor="ch" refForName="FiveNodes_3" fact="0.65"/>
+          <dgm:constr type="h" for="ch" forName="FiveConn_3-4" refType="h" refFor="ch" refForName="FiveNodes_3" fact="0.65"/>
+          <dgm:constr type="ctrY" for="ch" forName="FiveConn_3-4" refType="h" fact="0.597"/>
+          <dgm:constr type="r" for="ch" forName="FiveConn_3-4" refType="r" refFor="ch" refForName="FiveNodes_3"/>
+          <dgm:constr type="w" for="ch" forName="FiveConn_4-5" refType="h" refFor="ch" refForName="FiveNodes_4" fact="0.65"/>
+          <dgm:constr type="h" for="ch" forName="FiveConn_4-5" refType="h" refFor="ch" refForName="FiveNodes_4" fact="0.65"/>
+          <dgm:constr type="ctrY" for="ch" forName="FiveConn_4-5" refType="h" fact="0.804"/>
+          <dgm:constr type="r" for="ch" forName="FiveConn_4-5" refType="r" refFor="ch" refForName="FiveNodes_4"/>
+          <dgm:constr type="r" for="ch" forName="FiveNodes_1_text" refType="l" refFor="ch" refForName="FiveConn_1-2"/>
+          <dgm:constr type="rOff" for="ch" forName="FiveNodes_1_text" refType="w" refFor="ch" refForName="FiveConn_1-2" fact="-0.75"/>
+          <dgm:constr type="t" for="ch" forName="FiveNodes_1_text" refType="t" refFor="ch" refForName="FiveNodes_1"/>
+          <dgm:constr type="b" for="ch" forName="FiveNodes_1_text" refType="b" refFor="ch" refForName="FiveNodes_1"/>
+          <dgm:constr type="l" for="ch" forName="FiveNodes_1_text" refType="l" refFor="ch" refForName="FiveNodes_1"/>
+          <dgm:constr type="r" for="ch" forName="FiveNodes_2_text" refType="l" refFor="ch" refForName="FiveConn_1-2"/>
+          <dgm:constr type="t" for="ch" forName="FiveNodes_2_text" refType="t" refFor="ch" refForName="FiveNodes_2"/>
+          <dgm:constr type="b" for="ch" forName="FiveNodes_2_text" refType="b" refFor="ch" refForName="FiveNodes_2"/>
+          <dgm:constr type="l" for="ch" forName="FiveNodes_2_text" refType="l" refFor="ch" refForName="FiveNodes_2"/>
+          <dgm:constr type="r" for="ch" forName="FiveNodes_3_text" refType="l" refFor="ch" refForName="FiveConn_2-3"/>
+          <dgm:constr type="t" for="ch" forName="FiveNodes_3_text" refType="t" refFor="ch" refForName="FiveNodes_3"/>
+          <dgm:constr type="b" for="ch" forName="FiveNodes_3_text" refType="b" refFor="ch" refForName="FiveNodes_3"/>
+          <dgm:constr type="l" for="ch" forName="FiveNodes_3_text" refType="l" refFor="ch" refForName="FiveNodes_3"/>
+          <dgm:constr type="r" for="ch" forName="FiveNodes_4_text" refType="l" refFor="ch" refForName="FiveConn_3-4"/>
+          <dgm:constr type="t" for="ch" forName="FiveNodes_4_text" refType="t" refFor="ch" refForName="FiveNodes_4"/>
+          <dgm:constr type="b" for="ch" forName="FiveNodes_4_text" refType="b" refFor="ch" refForName="FiveNodes_4"/>
+          <dgm:constr type="l" for="ch" forName="FiveNodes_4_text" refType="l" refFor="ch" refForName="FiveNodes_4"/>
+          <dgm:constr type="r" for="ch" forName="FiveNodes_5_text" refType="l" refFor="ch" refForName="FiveConn_4-5"/>
+          <dgm:constr type="t" for="ch" forName="FiveNodes_5_text" refType="t" refFor="ch" refForName="FiveNodes_5"/>
+          <dgm:constr type="b" for="ch" forName="FiveNodes_5_text" refType="b" refFor="ch" refForName="FiveNodes_5"/>
+          <dgm:constr type="l" for="ch" forName="FiveNodes_5_text" refType="l" refFor="ch" refForName="FiveNodes_5"/>
         </dgm:constrLst>
-        <dgm:ruleLst>
-          <dgm:rule type="h" val="INF" fact="NaN" max="NaN"/>
-        </dgm:ruleLst>
-      </dgm:layoutNode>
-      <dgm:choose name="Name1">
-        <dgm:if name="Name2" axis="ch" ptType="node" func="cnt" op="gte" val="1">
-          <dgm:layoutNode name="childText" styleLbl="revTx">
-            <dgm:varLst>
-              <dgm:bulletEnabled val="1"/>
-            </dgm:varLst>
-            <dgm:alg type="tx">
-              <dgm:param type="stBulletLvl" val="1"/>
-              <dgm:param type="lnSpAfChP" val="20"/>
-            </dgm:alg>
-            <dgm:shape xmlns:r="http://schemas.openxmlformats.org/officeDocument/2006/relationships" type="rect" r:blip="">
-              <dgm:adjLst/>
-            </dgm:shape>
-            <dgm:presOf axis="des" ptType="node"/>
-            <dgm:constrLst>
-              <dgm:constr type="tMarg" refType="primFontSz" fact="0.1"/>
-              <dgm:constr type="bMarg" refType="primFontSz" fact="0.1"/>
-              <dgm:constr type="lMarg" refType="w" fact="0.09"/>
-            </dgm:constrLst>
-            <dgm:ruleLst>
-              <dgm:rule type="h" val="INF" fact="NaN" max="NaN"/>
-            </dgm:ruleLst>
-          </dgm:layoutNode>
-        </dgm:if>
-        <dgm:else name="Name3">
-          <dgm:choose name="Name4">
-            <dgm:if name="Name5" axis="par ch" ptType="doc node" func="cnt" op="gte" val="2">
-              <dgm:forEach name="Name6" axis="followSib" ptType="sibTrans" cnt="1">
-                <dgm:layoutNode name="spacer">
+      </dgm:if>
+      <dgm:else name="Name2">
+        <dgm:constrLst>
+          <dgm:constr type="primFontSz" for="ch" ptType="node" op="equ" val="65"/>
+          <dgm:constr type="w" for="ch" forName="dummyMaxCanvas" refType="w"/>
+          <dgm:constr type="h" for="ch" forName="dummyMaxCanvas" refType="h"/>
+          <dgm:constr type="w" for="ch" forName="OneNode_1" refType="w"/>
+          <dgm:constr type="h" for="ch" forName="OneNode_1" refType="h" fact="0.5"/>
+          <dgm:constr type="ctrY" for="ch" forName="OneNode_1" refType="h" fact="0.5"/>
+          <dgm:constr type="w" for="ch" forName="TwoNodes_1" refType="w" fact="0.85"/>
+          <dgm:constr type="h" for="ch" forName="TwoNodes_1" refType="h" fact="0.45"/>
+          <dgm:constr type="t" for="ch" forName="TwoNodes_1"/>
+          <dgm:constr type="r" for="ch" forName="TwoNodes_1" refType="w"/>
+          <dgm:constr type="w" for="ch" forName="TwoNodes_2" refType="w" fact="0.85"/>
+          <dgm:constr type="h" for="ch" forName="TwoNodes_2" refType="h" fact="0.45"/>
+          <dgm:constr type="b" for="ch" forName="TwoNodes_2" refType="h"/>
+          <dgm:constr type="l" for="ch" forName="TwoNodes_2"/>
+          <dgm:constr type="w" for="ch" forName="TwoConn_1-2" refType="h" refFor="ch" refForName="TwoNodes_1" fact="0.65"/>
+          <dgm:constr type="h" for="ch" forName="TwoConn_1-2" refType="h" refFor="ch" refForName="TwoNodes_1" fact="0.65"/>
+          <dgm:constr type="ctrY" for="ch" forName="TwoConn_1-2" refType="h" fact="0.5"/>
+          <dgm:constr type="l" for="ch" forName="TwoConn_1-2" refType="l" refFor="ch" refForName="TwoNodes_1"/>
+          <dgm:constr type="l" for="ch" forName="TwoNodes_1_text" refType="r" refFor="ch" refForName="TwoConn_1-2"/>
+          <dgm:constr type="lOff" for="ch" forName="TwoNodes_1_text" refType="w" refFor="ch" refForName="TwoConn_1-2" fact="0.5"/>
+          <dgm:constr type="t" for="ch" forName="TwoNodes_1_text" refType="t" refFor="ch" refForName="TwoNodes_1"/>
+          <dgm:constr type="b" for="ch" forName="TwoNodes_1_text" refType="b" refFor="ch" refForName="TwoNodes_1"/>
+          <dgm:constr type="r" for="ch" forName="TwoNodes_1_text" refType="r" refFor="ch" refForName="TwoNodes_1"/>
+          <dgm:constr type="l" for="ch" forName="TwoNodes_2_text" refType="r" refFor="ch" refForName="TwoConn_1-2"/>
+          <dgm:constr type="t" for="ch" forName="TwoNodes_2_text" refType="t" refFor="ch" refForName="TwoNodes_2"/>
+          <dgm:constr type="b" for="ch" forName="TwoNodes_2_text" refType="b" refFor="ch" refForName="TwoNodes_2"/>
+          <dgm:constr type="r" for="ch" forName="TwoNodes_2_text" refType="r" refFor="ch" refForName="TwoNodes_2"/>
+          <dgm:constr type="w" for="ch" forName="ThreeNodes_1" refType="w" fact="0.85"/>
+          <dgm:constr type="h" for="ch" forName="ThreeNodes_1" refType="h" fact="0.3"/>
+          <dgm:constr type="t" for="ch" forName="ThreeNodes_1"/>
+          <dgm:constr type="r" for="ch" forName="ThreeNodes_1" refType="w"/>
+          <dgm:constr type="w" for="ch" forName="ThreeNodes_2" refType="w" fact="0.85"/>
+          <dgm:constr type="h" for="ch" forName="ThreeNodes_2" refType="h" fact="0.3"/>
+          <dgm:constr type="ctrY" for="ch" forName="ThreeNodes_2" refType="h" fact="0.5"/>
+          <dgm:constr type="ctrX" for="ch" forName="ThreeNodes_2" refType="w" fact="0.5"/>
+          <dgm:constr type="w" for="ch" forName="ThreeNodes_3" refType="w" fact="0.85"/>
+          <dgm:constr type="h" for="ch" forName="ThreeNodes_3" refType="h" fact="0.3"/>
+          <dgm:constr type="b" for="ch" forName="ThreeNodes_3" refType="h"/>
+          <dgm:constr type="l" for="ch" forName="ThreeNodes_3"/>
+          <dgm:constr type="w" for="ch" forName="ThreeConn_1-2" refType="h" refFor="ch" refForName="ThreeNodes_1" fact="0.65"/>
+          <dgm:constr type="h" for="ch" forName="ThreeConn_1-2" refType="h" refFor="ch" refForName="ThreeNodes_1" fact="0.65"/>
+          <dgm:constr type="ctrY" for="ch" forName="ThreeConn_1-2" refType="h" fact="0.325"/>
+          <dgm:constr type="l" for="ch" forName="ThreeConn_1-2" refType="l" refFor="ch" refForName="ThreeNodes_1"/>
+          <dgm:constr type="w" for="ch" forName="ThreeConn_2-3" refType="h" refFor="ch" refForName="ThreeNodes_2" fact="0.65"/>
+          <dgm:constr type="h" for="ch" forName="ThreeConn_2-3" refType="h" refFor="ch" refForName="ThreeNodes_2" fact="0.65"/>
+          <dgm:constr type="ctrY" for="ch" forName="ThreeConn_2-3" refType="h" fact="0.673"/>
+          <dgm:constr type="l" for="ch" forName="ThreeConn_2-3" refType="l" refFor="ch" refForName="ThreeNodes_2"/>
+          <dgm:constr type="l" for="ch" forName="ThreeNodes_1_text" refType="r" refFor="ch" refForName="ThreeConn_1-2"/>
+          <dgm:constr type="lOff" for="ch" forName="ThreeNodes_1_text" refType="w" refFor="ch" refForName="ThreeConn_1-2" fact="0.55"/>
+          <dgm:constr type="t" for="ch" forName="ThreeNodes_1_text" refType="t" refFor="ch" refForName="ThreeNodes_1"/>
+          <dgm:constr type="b" for="ch" forName="ThreeNodes_1_text" refType="b" refFor="ch" refForName="ThreeNodes_1"/>
+          <dgm:constr type="r" for="ch" forName="ThreeNodes_1_text" refType="r" refFor="ch" refForName="ThreeNodes_1"/>
+          <dgm:constr type="l" for="ch" forName="ThreeNodes_2_text" refType="r" refFor="ch" refForName="ThreeConn_1-2"/>
+          <dgm:constr type="t" for="ch" forName="ThreeNodes_2_text" refType="t" refFor="ch" refForName="ThreeNodes_2"/>
+          <dgm:constr type="b" for="ch" forName="ThreeNodes_2_text" refType="b" refFor="ch" refForName="ThreeNodes_2"/>
+          <dgm:constr type="r" for="ch" forName="ThreeNodes_2_text" refType="r" refFor="ch" refForName="ThreeNodes_2"/>
+          <dgm:constr type="l" for="ch" forName="ThreeNodes_3_text" refType="r" refFor="ch" refForName="ThreeConn_2-3"/>
+          <dgm:constr type="t" for="ch" forName="ThreeNodes_3_text" refType="t" refFor="ch" refForName="ThreeNodes_3"/>
+          <dgm:constr type="b" for="ch" forName="ThreeNodes_3_text" refType="b" refFor="ch" refForName="ThreeNodes_3"/>
+          <dgm:constr type="r" for="ch" forName="ThreeNodes_3_text" refType="r" refFor="ch" refForName="ThreeNodes_3"/>
+          <dgm:constr type="w" for="ch" forName="FourNodes_1" refType="w" fact="0.8"/>
+          <dgm:constr type="h" for="ch" forName="FourNodes_1" refType="h" fact="0.22"/>
+          <dgm:constr type="t" for="ch" forName="FourNodes_1"/>
+          <dgm:constr type="r" for="ch" forName="FourNodes_1" refType="w"/>
+          <dgm:constr type="w" for="ch" forName="FourNodes_2" refType="w" fact="0.8"/>
+          <dgm:constr type="h" for="ch" forName="FourNodes_2" refType="h" fact="0.22"/>
+          <dgm:constr type="ctrY" for="ch" forName="FourNodes_2" refType="h" fact="0.37"/>
+          <dgm:constr type="ctrX" for="ch" forName="FourNodes_2" refType="w" fact="0.533"/>
+          <dgm:constr type="w" for="ch" forName="FourNodes_3" refType="w" fact="0.8"/>
+          <dgm:constr type="h" for="ch" forName="FourNodes_3" refType="h" fact="0.22"/>
+          <dgm:constr type="ctrY" for="ch" forName="FourNodes_3" refType="h" fact="0.63"/>
+          <dgm:constr type="ctrX" for="ch" forName="FourNodes_3" refType="w" fact="0.467"/>
+          <dgm:constr type="w" for="ch" forName="FourNodes_4" refType="w" fact="0.8"/>
+          <dgm:constr type="h" for="ch" forName="FourNodes_4" refType="h" fact="0.22"/>
+          <dgm:constr type="b" for="ch" forName="FourNodes_4" refType="h"/>
+          <dgm:constr type="l" for="ch" forName="FourNodes_4"/>
+          <dgm:constr type="w" for="ch" forName="FourConn_1-2" refType="h" refFor="ch" refForName="FourNodes_1" fact="0.65"/>
+          <dgm:constr type="h" for="ch" forName="FourConn_1-2" refType="h" refFor="ch" refForName="FourNodes_1" fact="0.65"/>
+          <dgm:constr type="ctrY" for="ch" forName="FourConn_1-2" refType="h" fact="0.24"/>
+          <dgm:constr type="l" for="ch" forName="FourConn_1-2" refType="l" refFor="ch" refForName="FourNodes_1"/>
+          <dgm:constr type="w" for="ch" forName="FourConn_2-3" refType="h" refFor="ch" refForName="FourNodes_2" fact="0.65"/>
+          <dgm:constr type="h" for="ch" forName="FourConn_2-3" refType="h" refFor="ch" refForName="FourNodes_2" fact="0.65"/>
+          <dgm:constr type="ctrY" for="ch" forName="FourConn_2-3" refType="h" fact="0.5"/>
+          <dgm:constr type="l" for="ch" forName="FourConn_2-3" refType="l" refFor="ch" refForName="FourNodes_2"/>
+          <dgm:constr type="w" for="ch" forName="FourConn_3-4" refType="h" refFor="ch" refForName="FourNodes_3" fact="0.65"/>
+          <dgm:constr type="h" for="ch" forName="FourConn_3-4" refType="h" refFor="ch" refForName="FourNodes_3" fact="0.65"/>
+          <dgm:constr type="ctrY" for="ch" forName="FourConn_3-4" refType="h" fact="0.76"/>
+          <dgm:constr type="l" for="ch" forName="FourConn_3-4" refType="l" refFor="ch" refForName="FourNodes_3"/>
+          <dgm:constr type="l" for="ch" forName="FourNodes_1_text" refType="r" refFor="ch" refForName="FourConn_1-2"/>
+          <dgm:constr type="lOff" for="ch" forName="FourNodes_1_text" refType="w" refFor="ch" refForName="FourConn_1-2" fact="0.69"/>
+          <dgm:constr type="t" for="ch" forName="FourNodes_1_text" refType="t" refFor="ch" refForName="FourNodes_1"/>
+          <dgm:constr type="b" for="ch" forName="FourNodes_1_text" refType="b" refFor="ch" refForName="FourNodes_1"/>
+          <dgm:constr type="r" for="ch" forName="FourNodes_1_text" refType="r" refFor="ch" refForName="FourNodes_1"/>
+          <dgm:constr type="l" for="ch" forName="FourNodes_2_text" refType="r" refFor="ch" refForName="FourConn_1-2"/>
+          <dgm:constr type="t" for="ch" forName="FourNodes_2_text" refType="t" refFor="ch" refForName="FourNodes_2"/>
+          <dgm:constr type="b" for="ch" forName="FourNodes_2_text" refType="b" refFor="ch" refForName="FourNodes_2"/>
+          <dgm:constr type="r" for="ch" forName="FourNodes_2_text" refType="r" refFor="ch" refForName="FourNodes_2"/>
+          <dgm:constr type="l" for="ch" forName="FourNodes_3_text" refType="r" refFor="ch" refForName="FourConn_2-3"/>
+          <dgm:constr type="t" for="ch" forName="FourNodes_3_text" refType="t" refFor="ch" refForName="FourNodes_3"/>
+          <dgm:constr type="b" for="ch" forName="FourNodes_3_text" refType="b" refFor="ch" refForName="FourNodes_3"/>
+          <dgm:constr type="r" for="ch" forName="FourNodes_3_text" refType="r" refFor="ch" refForName="FourNodes_3"/>
+          <dgm:constr type="l" for="ch" forName="FourNodes_4_text" refType="r" refFor="ch" refForName="FourConn_3-4"/>
+          <dgm:constr type="t" for="ch" forName="FourNodes_4_text" refType="t" refFor="ch" refForName="FourNodes_4"/>
+          <dgm:constr type="b" for="ch" forName="FourNodes_4_text" refType="b" refFor="ch" refForName="FourNodes_4"/>
+          <dgm:constr type="r" for="ch" forName="FourNodes_4_text" refType="r" refFor="ch" refForName="FourNodes_4"/>
+          <dgm:constr type="w" for="ch" forName="FiveNodes_1" refType="w" fact="0.77"/>
+          <dgm:constr type="h" for="ch" forName="FiveNodes_1" refType="h" fact="0.18"/>
+          <dgm:constr type="t" for="ch" forName="FiveNodes_1"/>
+          <dgm:constr type="r" for="ch" forName="FiveNodes_1" refType="w"/>
+          <dgm:constr type="w" for="ch" forName="FiveNodes_2" refType="w" fact="0.77"/>
+          <dgm:constr type="h" for="ch" forName="FiveNodes_2" refType="h" fact="0.18"/>
+          <dgm:constr type="ctrY" for="ch" forName="FiveNodes_2" refType="h" fact="0.295"/>
+          <dgm:constr type="ctrX" for="ch" forName="FiveNodes_2" refType="w" fact="0.5575"/>
+          <dgm:constr type="w" for="ch" forName="FiveNodes_3" refType="w" fact="0.77"/>
+          <dgm:constr type="h" for="ch" forName="FiveNodes_3" refType="h" fact="0.18"/>
+          <dgm:constr type="ctrY" for="ch" forName="FiveNodes_3" refType="h" fact="0.5"/>
+          <dgm:constr type="ctrX" for="ch" forName="FiveNodes_3" refType="w" fact="0.5"/>
+          <dgm:constr type="w" for="ch" forName="FiveNodes_4" refType="w" fact="0.77"/>
+          <dgm:constr type="h" for="ch" forName="FiveNodes_4" refType="h" fact="0.18"/>
+          <dgm:constr type="ctrY" for="ch" forName="FiveNodes_4" refType="h" fact="0.705"/>
+          <dgm:constr type="ctrX" for="ch" forName="FiveNodes_4" refType="w" fact="0.4425"/>
+          <dgm:constr type="w" for="ch" forName="FiveNodes_5" refType="w" fact="0.77"/>
+          <dgm:constr type="h" for="ch" forName="FiveNodes_5" refType="h" fact="0.18"/>
+          <dgm:constr type="b" for="ch" forName="FiveNodes_5" refType="h"/>
+          <dgm:constr type="l" for="ch" forName="FiveNodes_5"/>
+          <dgm:constr type="w" for="ch" forName="FiveConn_1-2" refType="h" refFor="ch" refForName="FiveNodes_1" fact="0.65"/>
+          <dgm:constr type="h" for="ch" forName="FiveConn_1-2" refType="h" refFor="ch" refForName="FiveNodes_1" fact="0.65"/>
+          <dgm:constr type="ctrY" for="ch" forName="FiveConn_1-2" refType="h" fact="0.19"/>
+          <dgm:constr type="l" for="ch" forName="FiveConn_1-2" refType="l" refFor="ch" refForName="FiveNodes_1"/>
+          <dgm:constr type="w" for="ch" forName="FiveConn_2-3" refType="h" refFor="ch" refForName="FiveNodes_2" fact="0.65"/>
+          <dgm:constr type="h" for="ch" forName="FiveConn_2-3" refType="h" refFor="ch" refForName="FiveNodes_2" fact="0.65"/>
+          <dgm:constr type="ctrY" for="ch" forName="FiveConn_2-3" refType="h" fact="0.395"/>
+          <dgm:constr type="l" for="ch" forName="FiveConn_2-3" refType="l" refFor="ch" refForName="FiveNodes_2"/>
+          <dgm:constr type="w" for="ch" forName="FiveConn_3-4" refType="h" refFor="ch" refForName="FiveNodes_3" fact="0.65"/>
+          <dgm:constr type="h" for="ch" forName="FiveConn_3-4" refType="h" refFor="ch" refForName="FiveNodes_3" fact="0.65"/>
+          <dgm:constr type="ctrY" for="ch" forName="FiveConn_3-4" refType="h" fact="0.597"/>
+          <dgm:constr type="l" for="ch" forName="FiveConn_3-4" refType="l" refFor="ch" refForName="FiveNodes_3"/>
+          <dgm:constr type="w" for="ch" forName="FiveConn_4-5" refType="h" refFor="ch" refForName="FiveNodes_4" fact="0.65"/>
+          <dgm:constr type="h" for="ch" forName="FiveConn_4-5" refType="h" refFor="ch" refForName="FiveNodes_4" fact="0.65"/>
+          <dgm:constr type="ctrY" for="ch" forName="FiveConn_4-5" refType="h" fact="0.804"/>
+          <dgm:constr type="l" for="ch" forName="FiveConn_4-5" refType="l" refFor="ch" refForName="FiveNodes_4"/>
+          <dgm:constr type="l" for="ch" forName="FiveNodes_1_text" refType="r" refFor="ch" refForName="FiveConn_1-2"/>
+          <dgm:constr type="lOff" for="ch" forName="FiveNodes_1_text" refType="w" refFor="ch" refForName="FiveConn_1-2" fact="0.73"/>
+          <dgm:constr type="t" for="ch" forName="FiveNodes_1_text" refType="t" refFor="ch" refForName="FiveNodes_1"/>
+          <dgm:constr type="b" for="ch" forName="FiveNodes_1_text" refType="b" refFor="ch" refForName="FiveNodes_1"/>
+          <dgm:constr type="r" for="ch" forName="FiveNodes_1_text" refType="r" refFor="ch" refForName="FiveNodes_1"/>
+          <dgm:constr type="l" for="ch" forName="FiveNodes_2_text" refType="r" refFor="ch" refForName="FiveConn_1-2"/>
+          <dgm:constr type="t" for="ch" forName="FiveNodes_2_text" refType="t" refFor="ch" refForName="FiveNodes_2"/>
+          <dgm:constr type="b" for="ch" forName="FiveNodes_2_text" refType="b" refFor="ch" refForName="FiveNodes_2"/>
+          <dgm:constr type="r" for="ch" forName="FiveNodes_2_text" refType="r" refFor="ch" refForName="FiveNodes_2"/>
+          <dgm:constr type="l" for="ch" forName="FiveNodes_3_text" refType="r" refFor="ch" refForName="FiveConn_2-3"/>
+          <dgm:constr type="t" for="ch" forName="FiveNodes_3_text" refType="t" refFor="ch" refForName="FiveNodes_3"/>
+          <dgm:constr type="b" for="ch" forName="FiveNodes_3_text" refType="b" refFor="ch" refForName="FiveNodes_3"/>
+          <dgm:constr type="r" for="ch" forName="FiveNodes_3_text" refType="r" refFor="ch" refForName="FiveNodes_3"/>
+          <dgm:constr type="l" for="ch" forName="FiveNodes_4_text" refType="r" refFor="ch" refForName="FiveConn_3-4"/>
+          <dgm:constr type="t" for="ch" forName="FiveNodes_4_text" refType="t" refFor="ch" refForName="FiveNodes_4"/>
+          <dgm:constr type="b" for="ch" forName="FiveNodes_4_text" refType="b" refFor="ch" refForName="FiveNodes_4"/>
+          <dgm:constr type="r" for="ch" forName="FiveNodes_4_text" refType="r" refFor="ch" refForName="FiveNodes_4"/>
+          <dgm:constr type="l" for="ch" forName="FiveNodes_5_text" refType="r" refFor="ch" refForName="FiveConn_4-5"/>
+          <dgm:constr type="t" for="ch" forName="FiveNodes_5_text" refType="t" refFor="ch" refForName="FiveNodes_5"/>
+          <dgm:constr type="b" for="ch" forName="FiveNodes_5_text" refType="b" refFor="ch" refForName="FiveNodes_5"/>
+          <dgm:constr type="r" for="ch" forName="FiveNodes_5_text" refType="r" refFor="ch" refForName="FiveNodes_5"/>
+        </dgm:constrLst>
+      </dgm:else>
+    </dgm:choose>
+    <dgm:ruleLst/>
+    <dgm:layoutNode name="dummyMaxCanvas">
+      <dgm:varLst/>
+      <dgm:alg type="sp"/>
+      <dgm:shape xmlns:r="http://schemas.openxmlformats.org/officeDocument/2006/relationships" r:blip="">
+        <dgm:adjLst/>
+      </dgm:shape>
+      <dgm:presOf/>
+      <dgm:constrLst/>
+      <dgm:ruleLst/>
+    </dgm:layoutNode>
+    <dgm:choose name="Name3">
+      <dgm:if name="Name4" axis="ch" ptType="node" func="cnt" op="equ" val="1">
+        <dgm:layoutNode name="OneNode_1">
+          <dgm:varLst>
+            <dgm:bulletEnabled val="1"/>
+          </dgm:varLst>
+          <dgm:alg type="tx"/>
+          <dgm:shape xmlns:r="http://schemas.openxmlformats.org/officeDocument/2006/relationships" type="roundRect" r:blip="">
+            <dgm:adjLst>
+              <dgm:adj idx="1" val="0.1"/>
+            </dgm:adjLst>
+          </dgm:shape>
+          <dgm:presOf axis="ch desOrSelf" ptType="node node" st="1 1" cnt="1 0"/>
+          <dgm:constrLst>
+            <dgm:constr type="lMarg" refType="primFontSz" fact="0.3"/>
+            <dgm:constr type="rMarg" refType="primFontSz" fact="0.3"/>
+            <dgm:constr type="tMarg" refType="primFontSz" fact="0.3"/>
+            <dgm:constr type="bMarg" refType="primFontSz" fact="0.3"/>
+          </dgm:constrLst>
+          <dgm:ruleLst>
+            <dgm:rule type="primFontSz" val="5" fact="NaN" max="NaN"/>
+          </dgm:ruleLst>
+        </dgm:layoutNode>
+      </dgm:if>
+      <dgm:else name="Name5">
+        <dgm:choose name="Name6">
+          <dgm:if name="Name7" axis="ch" ptType="node" func="cnt" op="equ" val="2">
+            <dgm:layoutNode name="TwoNodes_1">
+              <dgm:varLst>
+                <dgm:bulletEnabled val="1"/>
+              </dgm:varLst>
+              <dgm:alg type="sp"/>
+              <dgm:shape xmlns:r="http://schemas.openxmlformats.org/officeDocument/2006/relationships" type="roundRect" r:blip="">
+                <dgm:adjLst>
+                  <dgm:adj idx="1" val="0.1"/>
+                </dgm:adjLst>
+              </dgm:shape>
+              <dgm:presOf axis="ch desOrSelf" ptType="node node" st="1 1" cnt="1 0"/>
+              <dgm:constrLst/>
+              <dgm:ruleLst/>
+            </dgm:layoutNode>
+            <dgm:layoutNode name="TwoNodes_2">
+              <dgm:varLst>
+                <dgm:bulletEnabled val="1"/>
+              </dgm:varLst>
+              <dgm:alg type="sp"/>
+              <dgm:shape xmlns:r="http://schemas.openxmlformats.org/officeDocument/2006/relationships" type="roundRect" r:blip="">
+                <dgm:adjLst>
+                  <dgm:adj idx="1" val="0.1"/>
+                </dgm:adjLst>
+              </dgm:shape>
+              <dgm:presOf axis="ch desOrSelf" ptType="node node" st="2 1" cnt="1 0"/>
+              <dgm:constrLst/>
+              <dgm:ruleLst/>
+            </dgm:layoutNode>
+            <dgm:layoutNode name="TwoConn_1-2" styleLbl="fgAccFollowNode1">
+              <dgm:varLst>
+                <dgm:bulletEnabled val="1"/>
+              </dgm:varLst>
+              <dgm:alg type="tx"/>
+              <dgm:shape xmlns:r="http://schemas.openxmlformats.org/officeDocument/2006/relationships" type="downArrow" r:blip="">
+                <dgm:adjLst>
+                  <dgm:adj idx="1" val="0.55"/>
+                  <dgm:adj idx="2" val="0.45"/>
+                </dgm:adjLst>
+              </dgm:shape>
+              <dgm:presOf axis="ch" ptType="sibTrans" cnt="1"/>
+              <dgm:constrLst>
+                <dgm:constr type="lMarg" refType="primFontSz" fact="0.1"/>
+                <dgm:constr type="rMarg" refType="primFontSz" fact="0.1"/>
+                <dgm:constr type="tMarg" refType="primFontSz" fact="0.1"/>
+                <dgm:constr type="bMarg" refType="primFontSz" fact="0.1"/>
+              </dgm:constrLst>
+              <dgm:ruleLst>
+                <dgm:rule type="primFontSz" val="5" fact="NaN" max="NaN"/>
+              </dgm:ruleLst>
+            </dgm:layoutNode>
+            <dgm:layoutNode name="TwoNodes_1_text">
+              <dgm:varLst>
+                <dgm:bulletEnabled val="1"/>
+              </dgm:varLst>
+              <dgm:alg type="tx">
+                <dgm:param type="parTxLTRAlign" val="l"/>
+                <dgm:param type="txAnchorVertCh" val="mid"/>
+              </dgm:alg>
+              <dgm:shape xmlns:r="http://schemas.openxmlformats.org/officeDocument/2006/relationships" type="roundRect" r:blip="" hideGeom="1">
+                <dgm:adjLst>
+                  <dgm:adj idx="1" val="0.1"/>
+                </dgm:adjLst>
+              </dgm:shape>
+              <dgm:presOf axis="ch desOrSelf" ptType="node node" st="1 1" cnt="1 0"/>
+              <dgm:constrLst>
+                <dgm:constr type="lMarg" refType="primFontSz" fact="0.3"/>
+                <dgm:constr type="rMarg" refType="primFontSz" fact="0.3"/>
+                <dgm:constr type="tMarg" refType="primFontSz" fact="0.3"/>
+                <dgm:constr type="bMarg" refType="primFontSz" fact="0.3"/>
+              </dgm:constrLst>
+              <dgm:ruleLst>
+                <dgm:rule type="primFontSz" val="5" fact="NaN" max="NaN"/>
+              </dgm:ruleLst>
+            </dgm:layoutNode>
+            <dgm:layoutNode name="TwoNodes_2_text">
+              <dgm:varLst>
+                <dgm:bulletEnabled val="1"/>
+              </dgm:varLst>
+              <dgm:alg type="tx">
+                <dgm:param type="parTxLTRAlign" val="l"/>
+                <dgm:param type="txAnchorVertCh" val="mid"/>
+              </dgm:alg>
+              <dgm:shape xmlns:r="http://schemas.openxmlformats.org/officeDocument/2006/relationships" type="roundRect" r:blip="" hideGeom="1">
+                <dgm:adjLst>
+                  <dgm:adj idx="1" val="0.1"/>
+                </dgm:adjLst>
+              </dgm:shape>
+              <dgm:presOf axis="ch desOrSelf" ptType="node node" st="2 1" cnt="1 0"/>
+              <dgm:constrLst>
+                <dgm:constr type="lMarg" refType="primFontSz" fact="0.3"/>
+                <dgm:constr type="rMarg" refType="primFontSz" fact="0.3"/>
+                <dgm:constr type="tMarg" refType="primFontSz" fact="0.3"/>
+                <dgm:constr type="bMarg" refType="primFontSz" fact="0.3"/>
+              </dgm:constrLst>
+              <dgm:ruleLst>
+                <dgm:rule type="primFontSz" val="5" fact="NaN" max="NaN"/>
+              </dgm:ruleLst>
+            </dgm:layoutNode>
+          </dgm:if>
+          <dgm:else name="Name8">
+            <dgm:choose name="Name9">
+              <dgm:if name="Name10" axis="ch" ptType="node" func="cnt" op="equ" val="3">
+                <dgm:layoutNode name="ThreeNodes_1">
+                  <dgm:varLst>
+                    <dgm:bulletEnabled val="1"/>
+                  </dgm:varLst>
                   <dgm:alg type="sp"/>
-                  <dgm:shape xmlns:r="http://schemas.openxmlformats.org/officeDocument/2006/relationships" r:blip="">
-                    <dgm:adjLst/>
+                  <dgm:shape xmlns:r="http://schemas.openxmlformats.org/officeDocument/2006/relationships" type="roundRect" r:blip="">
+                    <dgm:adjLst>
+                      <dgm:adj idx="1" val="0.1"/>
+                    </dgm:adjLst>
                   </dgm:shape>
-                  <dgm:presOf/>
+                  <dgm:presOf axis="ch desOrSelf" ptType="node node" st="1 1" cnt="1 0"/>
                   <dgm:constrLst/>
                   <dgm:ruleLst/>
                 </dgm:layoutNode>
-              </dgm:forEach>
-            </dgm:if>
-            <dgm:else name="Name7"/>
-          </dgm:choose>
-        </dgm:else>
-      </dgm:choose>
-    </dgm:forEach>
+                <dgm:layoutNode name="ThreeNodes_2">
+                  <dgm:varLst>
+                    <dgm:bulletEnabled val="1"/>
+                  </dgm:varLst>
+                  <dgm:alg type="sp"/>
+                  <dgm:shape xmlns:r="http://schemas.openxmlformats.org/officeDocument/2006/relationships" type="roundRect" r:blip="">
+                    <dgm:adjLst>
+                      <dgm:adj idx="1" val="0.1"/>
+                    </dgm:adjLst>
+                  </dgm:shape>
+                  <dgm:presOf axis="ch desOrSelf" ptType="node node" st="2 1" cnt="1 0"/>
+                  <dgm:constrLst/>
+                  <dgm:ruleLst/>
+                </dgm:layoutNode>
+                <dgm:layoutNode name="ThreeNodes_3">
+                  <dgm:varLst>
+                    <dgm:bulletEnabled val="1"/>
+                  </dgm:varLst>
+                  <dgm:alg type="sp"/>
+                  <dgm:shape xmlns:r="http://schemas.openxmlformats.org/officeDocument/2006/relationships" type="roundRect" r:blip="">
+                    <dgm:adjLst>
+                      <dgm:adj idx="1" val="0.1"/>
+                    </dgm:adjLst>
+                  </dgm:shape>
+                  <dgm:presOf axis="ch desOrSelf" ptType="node node" st="3 1" cnt="1 0"/>
+                  <dgm:constrLst/>
+                  <dgm:ruleLst/>
+                </dgm:layoutNode>
+                <dgm:layoutNode name="ThreeConn_1-2" styleLbl="fgAccFollowNode1">
+                  <dgm:varLst>
+                    <dgm:bulletEnabled val="1"/>
+                  </dgm:varLst>
+                  <dgm:alg type="tx"/>
+                  <dgm:shape xmlns:r="http://schemas.openxmlformats.org/officeDocument/2006/relationships" type="downArrow" r:blip="">
+                    <dgm:adjLst>
+                      <dgm:adj idx="1" val="0.55"/>
+                      <dgm:adj idx="2" val="0.45"/>
+                    </dgm:adjLst>
+                  </dgm:shape>
+                  <dgm:presOf axis="ch" ptType="sibTrans" cnt="1"/>
+                  <dgm:constrLst>
+                    <dgm:constr type="lMarg" refType="primFontSz" fact="0.1"/>
+                    <dgm:constr type="rMarg" refType="primFontSz" fact="0.1"/>
+                    <dgm:constr type="tMarg" refType="primFontSz" fact="0.1"/>
+                    <dgm:constr type="bMarg" refType="primFontSz" fact="0.1"/>
+                  </dgm:constrLst>
+                  <dgm:ruleLst>
+                    <dgm:rule type="primFontSz" val="5" fact="NaN" max="NaN"/>
+                  </dgm:ruleLst>
+                </dgm:layoutNode>
+                <dgm:layoutNode name="ThreeConn_2-3" styleLbl="fgAccFollowNode1">
+                  <dgm:varLst>
+                    <dgm:bulletEnabled val="1"/>
+                  </dgm:varLst>
+                  <dgm:alg type="tx"/>
+                  <dgm:shape xmlns:r="http://schemas.openxmlformats.org/officeDocument/2006/relationships" type="downArrow" r:blip="">
+                    <dgm:adjLst>
+                      <dgm:adj idx="1" val="0.55"/>
+                      <dgm:adj idx="2" val="0.45"/>
+                    </dgm:adjLst>
+                  </dgm:shape>
+                  <dgm:presOf axis="ch" ptType="sibTrans" st="2" cnt="1"/>
+                  <dgm:constrLst>
+                    <dgm:constr type="lMarg" refType="primFontSz" fact="0.1"/>
+                    <dgm:constr type="rMarg" refType="primFontSz" fact="0.1"/>
+                    <dgm:constr type="tMarg" refType="primFontSz" fact="0.1"/>
+                    <dgm:constr type="bMarg" refType="primFontSz" fact="0.1"/>
+                  </dgm:constrLst>
+                  <dgm:ruleLst>
+                    <dgm:rule type="primFontSz" val="5" fact="NaN" max="NaN"/>
+                  </dgm:ruleLst>
+                </dgm:layoutNode>
+                <dgm:layoutNode name="ThreeNodes_1_text">
+                  <dgm:varLst>
+                    <dgm:bulletEnabled val="1"/>
+                  </dgm:varLst>
+                  <dgm:alg type="tx">
+                    <dgm:param type="parTxLTRAlign" val="l"/>
+                    <dgm:param type="txAnchorVertCh" val="mid"/>
+                  </dgm:alg>
+                  <dgm:shape xmlns:r="http://schemas.openxmlformats.org/officeDocument/2006/relationships" type="roundRect" r:blip="" hideGeom="1">
+                    <dgm:adjLst>
+                      <dgm:adj idx="1" val="0.1"/>
+                    </dgm:adjLst>
+                  </dgm:shape>
+                  <dgm:presOf axis="ch desOrSelf" ptType="node node" st="1 1" cnt="1 0"/>
+                  <dgm:constrLst>
+                    <dgm:constr type="lMarg" refType="primFontSz" fact="0.3"/>
+                    <dgm:constr type="rMarg" refType="primFontSz" fact="0.3"/>
+                    <dgm:constr type="tMarg" refType="primFontSz" fact="0.3"/>
+                    <dgm:constr type="bMarg" refType="primFontSz" fact="0.3"/>
+                  </dgm:constrLst>
+                  <dgm:ruleLst>
+                    <dgm:rule type="primFontSz" val="5" fact="NaN" max="NaN"/>
+                  </dgm:ruleLst>
+                </dgm:layoutNode>
+                <dgm:layoutNode name="ThreeNodes_2_text">
+                  <dgm:varLst>
+                    <dgm:bulletEnabled val="1"/>
+                  </dgm:varLst>
+                  <dgm:alg type="tx">
+                    <dgm:param type="parTxLTRAlign" val="l"/>
+                    <dgm:param type="txAnchorVertCh" val="mid"/>
+                  </dgm:alg>
+                  <dgm:shape xmlns:r="http://schemas.openxmlformats.org/officeDocument/2006/relationships" type="roundRect" r:blip="" hideGeom="1">
+                    <dgm:adjLst>
+                      <dgm:adj idx="1" val="0.1"/>
+                    </dgm:adjLst>
+                  </dgm:shape>
+                  <dgm:presOf axis="ch desOrSelf" ptType="node node" st="2 1" cnt="1 0"/>
+                  <dgm:constrLst>
+                    <dgm:constr type="lMarg" refType="primFontSz" fact="0.3"/>
+                    <dgm:constr type="rMarg" refType="primFontSz" fact="0.3"/>
+                    <dgm:constr type="tMarg" refType="primFontSz" fact="0.3"/>
+                    <dgm:constr type="bMarg" refType="primFontSz" fact="0.3"/>
+                  </dgm:constrLst>
+                  <dgm:ruleLst>
+                    <dgm:rule type="primFontSz" val="5" fact="NaN" max="NaN"/>
+                  </dgm:ruleLst>
+                </dgm:layoutNode>
+                <dgm:layoutNode name="ThreeNodes_3_text">
+                  <dgm:varLst>
+                    <dgm:bulletEnabled val="1"/>
+                  </dgm:varLst>
+                  <dgm:alg type="tx">
+                    <dgm:param type="parTxLTRAlign" val="l"/>
+                    <dgm:param type="txAnchorVertCh" val="mid"/>
+                  </dgm:alg>
+                  <dgm:shape xmlns:r="http://schemas.openxmlformats.org/officeDocument/2006/relationships" type="roundRect" r:blip="" hideGeom="1">
+                    <dgm:adjLst>
+                      <dgm:adj idx="1" val="0.1"/>
+                    </dgm:adjLst>
+                  </dgm:shape>
+                  <dgm:presOf axis="ch desOrSelf" ptType="node node" st="3 1" cnt="1 0"/>
+                  <dgm:constrLst>
+                    <dgm:constr type="lMarg" refType="primFontSz" fact="0.3"/>
+                    <dgm:constr type="rMarg" refType="primFontSz" fact="0.3"/>
+                    <dgm:constr type="tMarg" refType="primFontSz" fact="0.3"/>
+                    <dgm:constr type="bMarg" refType="primFontSz" fact="0.3"/>
+                  </dgm:constrLst>
+                  <dgm:ruleLst>
+                    <dgm:rule type="primFontSz" val="5" fact="NaN" max="NaN"/>
+                  </dgm:ruleLst>
+                </dgm:layoutNode>
+              </dgm:if>
+              <dgm:else name="Name11">
+                <dgm:choose name="Name12">
+                  <dgm:if name="Name13" axis="ch" ptType="node" func="cnt" op="equ" val="4">
+                    <dgm:layoutNode name="FourNodes_1">
+                      <dgm:varLst>
+                        <dgm:bulletEnabled val="1"/>
+                      </dgm:varLst>
+                      <dgm:alg type="sp"/>
+                      <dgm:shape xmlns:r="http://schemas.openxmlformats.org/officeDocument/2006/relationships" type="roundRect" r:blip="">
+                        <dgm:adjLst>
+                          <dgm:adj idx="1" val="0.1"/>
+                        </dgm:adjLst>
+                      </dgm:shape>
+                      <dgm:presOf axis="ch desOrSelf" ptType="node node" st="1 1" cnt="1 0"/>
+                      <dgm:constrLst/>
+                      <dgm:ruleLst/>
+                    </dgm:layoutNode>
+                    <dgm:layoutNode name="FourNodes_2">
+                      <dgm:varLst>
+                        <dgm:bulletEnabled val="1"/>
+                      </dgm:varLst>
+                      <dgm:alg type="sp"/>
+                      <dgm:shape xmlns:r="http://schemas.openxmlformats.org/officeDocument/2006/relationships" type="roundRect" r:blip="">
+                        <dgm:adjLst>
+                          <dgm:adj idx="1" val="0.1"/>
+                        </dgm:adjLst>
+                      </dgm:shape>
+                      <dgm:presOf axis="ch desOrSelf" ptType="node node" st="2 1" cnt="1 0"/>
+                      <dgm:constrLst/>
+                      <dgm:ruleLst/>
+                    </dgm:layoutNode>
+                    <dgm:layoutNode name="FourNodes_3">
+                      <dgm:varLst>
+                        <dgm:bulletEnabled val="1"/>
+                      </dgm:varLst>
+                      <dgm:alg type="sp"/>
+                      <dgm:shape xmlns:r="http://schemas.openxmlformats.org/officeDocument/2006/relationships" type="roundRect" r:blip="">
+                        <dgm:adjLst>
+                          <dgm:adj idx="1" val="0.1"/>
+                        </dgm:adjLst>
+                      </dgm:shape>
+                      <dgm:presOf axis="ch desOrSelf" ptType="node node" st="3 1" cnt="1 0"/>
+                      <dgm:constrLst/>
+                      <dgm:ruleLst/>
+                    </dgm:layoutNode>
+                    <dgm:layoutNode name="FourNodes_4">
+                      <dgm:varLst>
+                        <dgm:bulletEnabled val="1"/>
+                      </dgm:varLst>
+                      <dgm:alg type="sp"/>
+                      <dgm:shape xmlns:r="http://schemas.openxmlformats.org/officeDocument/2006/relationships" type="roundRect" r:blip="">
+                        <dgm:adjLst>
+                          <dgm:adj idx="1" val="0.1"/>
+                        </dgm:adjLst>
+                      </dgm:shape>
+                      <dgm:presOf axis="ch desOrSelf" ptType="node node" st="4 1" cnt="1 0"/>
+                      <dgm:constrLst/>
+                      <dgm:ruleLst/>
+                    </dgm:layoutNode>
+                    <dgm:layoutNode name="FourConn_1-2" styleLbl="fgAccFollowNode1">
+                      <dgm:varLst>
+                        <dgm:bulletEnabled val="1"/>
+                      </dgm:varLst>
+                      <dgm:alg type="tx"/>
+                      <dgm:shape xmlns:r="http://schemas.openxmlformats.org/officeDocument/2006/relationships" type="downArrow" r:blip="">
+                        <dgm:adjLst>
+                          <dgm:adj idx="1" val="0.55"/>
+                          <dgm:adj idx="2" val="0.45"/>
+                        </dgm:adjLst>
+                      </dgm:shape>
+                      <dgm:presOf axis="ch" ptType="sibTrans" cnt="1"/>
+                      <dgm:constrLst>
+                        <dgm:constr type="lMarg" refType="primFontSz" fact="0.1"/>
+                        <dgm:constr type="rMarg" refType="primFontSz" fact="0.1"/>
+                        <dgm:constr type="tMarg" refType="primFontSz" fact="0.1"/>
+                        <dgm:constr type="bMarg" refType="primFontSz" fact="0.1"/>
+                      </dgm:constrLst>
+                      <dgm:ruleLst>
+                        <dgm:rule type="primFontSz" val="5" fact="NaN" max="NaN"/>
+                      </dgm:ruleLst>
+                    </dgm:layoutNode>
+                    <dgm:layoutNode name="FourConn_2-3" styleLbl="fgAccFollowNode1">
+                      <dgm:varLst>
+                        <dgm:bulletEnabled val="1"/>
+                      </dgm:varLst>
+                      <dgm:alg type="tx"/>
+                      <dgm:shape xmlns:r="http://schemas.openxmlformats.org/officeDocument/2006/relationships" type="downArrow" r:blip="">
+                        <dgm:adjLst>
+                          <dgm:adj idx="1" val="0.55"/>
+                          <dgm:adj idx="2" val="0.45"/>
+                        </dgm:adjLst>
+                      </dgm:shape>
+                      <dgm:presOf axis="ch" ptType="sibTrans" st="2" cnt="1"/>
+                      <dgm:constrLst>
+                        <dgm:constr type="lMarg" refType="primFontSz" fact="0.1"/>
+                        <dgm:constr type="rMarg" refType="primFontSz" fact="0.1"/>
+                        <dgm:constr type="tMarg" refType="primFontSz" fact="0.1"/>
+                        <dgm:constr type="bMarg" refType="primFontSz" fact="0.1"/>
+                      </dgm:constrLst>
+                      <dgm:ruleLst>
+                        <dgm:rule type="primFontSz" val="5" fact="NaN" max="NaN"/>
+                      </dgm:ruleLst>
+                    </dgm:layoutNode>
+                    <dgm:layoutNode name="FourConn_3-4" styleLbl="fgAccFollowNode1">
+                      <dgm:varLst>
+                        <dgm:bulletEnabled val="1"/>
+                      </dgm:varLst>
+                      <dgm:alg type="tx"/>
+                      <dgm:shape xmlns:r="http://schemas.openxmlformats.org/officeDocument/2006/relationships" type="downArrow" r:blip="">
+                        <dgm:adjLst>
+                          <dgm:adj idx="1" val="0.55"/>
+                          <dgm:adj idx="2" val="0.45"/>
+                        </dgm:adjLst>
+                      </dgm:shape>
+                      <dgm:presOf axis="ch" ptType="sibTrans" st="3" cnt="1"/>
+                      <dgm:constrLst>
+                        <dgm:constr type="lMarg" refType="primFontSz" fact="0.1"/>
+                        <dgm:constr type="rMarg" refType="primFontSz" fact="0.1"/>
+                        <dgm:constr type="tMarg" refType="primFontSz" fact="0.1"/>
+                        <dgm:constr type="bMarg" refType="primFontSz" fact="0.1"/>
+                      </dgm:constrLst>
+                      <dgm:ruleLst>
+                        <dgm:rule type="primFontSz" val="5" fact="NaN" max="NaN"/>
+                      </dgm:ruleLst>
+                    </dgm:layoutNode>
+                    <dgm:layoutNode name="FourNodes_1_text">
+                      <dgm:varLst>
+                        <dgm:bulletEnabled val="1"/>
+                      </dgm:varLst>
+                      <dgm:alg type="tx">
+                        <dgm:param type="parTxLTRAlign" val="l"/>
+                        <dgm:param type="txAnchorVertCh" val="mid"/>
+                      </dgm:alg>
+                      <dgm:shape xmlns:r="http://schemas.openxmlformats.org/officeDocument/2006/relationships" type="roundRect" r:blip="" hideGeom="1">
+                        <dgm:adjLst>
+                          <dgm:adj idx="1" val="0.1"/>
+                        </dgm:adjLst>
+                      </dgm:shape>
+                      <dgm:presOf axis="ch desOrSelf" ptType="node node" st="1 1" cnt="1 0"/>
+                      <dgm:constrLst>
+                        <dgm:constr type="lMarg" refType="primFontSz" fact="0.3"/>
+                        <dgm:constr type="rMarg" refType="primFontSz" fact="0.3"/>
+                        <dgm:constr type="tMarg" refType="primFontSz" fact="0.3"/>
+                        <dgm:constr type="bMarg" refType="primFontSz" fact="0.3"/>
+                      </dgm:constrLst>
+                      <dgm:ruleLst>
+                        <dgm:rule type="primFontSz" val="5" fact="NaN" max="NaN"/>
+                      </dgm:ruleLst>
+                    </dgm:layoutNode>
+                    <dgm:layoutNode name="FourNodes_2_text">
+                      <dgm:varLst>
+                        <dgm:bulletEnabled val="1"/>
+                      </dgm:varLst>
+                      <dgm:alg type="tx">
+                        <dgm:param type="parTxLTRAlign" val="l"/>
+                        <dgm:param type="txAnchorVertCh" val="mid"/>
+                      </dgm:alg>
+                      <dgm:shape xmlns:r="http://schemas.openxmlformats.org/officeDocument/2006/relationships" type="roundRect" r:blip="" hideGeom="1">
+                        <dgm:adjLst>
+                          <dgm:adj idx="1" val="0.1"/>
+                        </dgm:adjLst>
+                      </dgm:shape>
+                      <dgm:presOf axis="ch desOrSelf" ptType="node node" st="2 1" cnt="1 0"/>
+                      <dgm:constrLst>
+                        <dgm:constr type="lMarg" refType="primFontSz" fact="0.3"/>
+                        <dgm:constr type="rMarg" refType="primFontSz" fact="0.3"/>
+                        <dgm:constr type="tMarg" refType="primFontSz" fact="0.3"/>
+                        <dgm:constr type="bMarg" refType="primFontSz" fact="0.3"/>
+                      </dgm:constrLst>
+                      <dgm:ruleLst>
+                        <dgm:rule type="primFontSz" val="5" fact="NaN" max="NaN"/>
+                      </dgm:ruleLst>
+                    </dgm:layoutNode>
+                    <dgm:layoutNode name="FourNodes_3_text">
+                      <dgm:varLst>
+                        <dgm:bulletEnabled val="1"/>
+                      </dgm:varLst>
+                      <dgm:alg type="tx">
+                        <dgm:param type="parTxLTRAlign" val="l"/>
+                        <dgm:param type="txAnchorVertCh" val="mid"/>
+                      </dgm:alg>
+                      <dgm:shape xmlns:r="http://schemas.openxmlformats.org/officeDocument/2006/relationships" type="roundRect" r:blip="" hideGeom="1">
+                        <dgm:adjLst>
+                          <dgm:adj idx="1" val="0.1"/>
+                        </dgm:adjLst>
+                      </dgm:shape>
+                      <dgm:presOf axis="ch desOrSelf" ptType="node node" st="3 1" cnt="1 0"/>
+                      <dgm:constrLst>
+                        <dgm:constr type="lMarg" refType="primFontSz" fact="0.3"/>
+                        <dgm:constr type="rMarg" refType="primFontSz" fact="0.3"/>
+                        <dgm:constr type="tMarg" refType="primFontSz" fact="0.3"/>
+                        <dgm:constr type="bMarg" refType="primFontSz" fact="0.3"/>
+                      </dgm:constrLst>
+                      <dgm:ruleLst>
+                        <dgm:rule type="primFontSz" val="5" fact="NaN" max="NaN"/>
+                      </dgm:ruleLst>
+                    </dgm:layoutNode>
+                    <dgm:layoutNode name="FourNodes_4_text">
+                      <dgm:varLst>
+                        <dgm:bulletEnabled val="1"/>
+                      </dgm:varLst>
+                      <dgm:alg type="tx">
+                        <dgm:param type="parTxLTRAlign" val="l"/>
+                        <dgm:param type="txAnchorVertCh" val="mid"/>
+                      </dgm:alg>
+                      <dgm:shape xmlns:r="http://schemas.openxmlformats.org/officeDocument/2006/relationships" type="roundRect" r:blip="" hideGeom="1">
+                        <dgm:adjLst>
+                          <dgm:adj idx="1" val="0.1"/>
+                        </dgm:adjLst>
+                      </dgm:shape>
+                      <dgm:presOf axis="ch desOrSelf" ptType="node node" st="4 1" cnt="1 0"/>
+                      <dgm:constrLst>
+                        <dgm:constr type="lMarg" refType="primFontSz" fact="0.3"/>
+                        <dgm:constr type="rMarg" refType="primFontSz" fact="0.3"/>
+                        <dgm:constr type="tMarg" refType="primFontSz" fact="0.3"/>
+                        <dgm:constr type="bMarg" refType="primFontSz" fact="0.3"/>
+                      </dgm:constrLst>
+                      <dgm:ruleLst>
+                        <dgm:rule type="primFontSz" val="5" fact="NaN" max="NaN"/>
+                      </dgm:ruleLst>
+                    </dgm:layoutNode>
+                  </dgm:if>
+                  <dgm:else name="Name14">
+                    <dgm:choose name="Name15">
+                      <dgm:if name="Name16" axis="ch" ptType="node" func="cnt" op="gte" val="5">
+                        <dgm:layoutNode name="FiveNodes_1">
+                          <dgm:varLst>
+                            <dgm:bulletEnabled val="1"/>
+                          </dgm:varLst>
+                          <dgm:alg type="sp"/>
+                          <dgm:shape xmlns:r="http://schemas.openxmlformats.org/officeDocument/2006/relationships" type="roundRect" r:blip="">
+                            <dgm:adjLst>
+                              <dgm:adj idx="1" val="0.1"/>
+                            </dgm:adjLst>
+                          </dgm:shape>
+                          <dgm:presOf axis="ch desOrSelf" ptType="node node" st="1 1" cnt="1 0"/>
+                          <dgm:constrLst/>
+                          <dgm:ruleLst/>
+                        </dgm:layoutNode>
+                        <dgm:layoutNode name="FiveNodes_2">
+                          <dgm:varLst>
+                            <dgm:bulletEnabled val="1"/>
+                          </dgm:varLst>
+                          <dgm:alg type="sp"/>
+                          <dgm:shape xmlns:r="http://schemas.openxmlformats.org/officeDocument/2006/relationships" type="roundRect" r:blip="">
+                            <dgm:adjLst>
+                              <dgm:adj idx="1" val="0.1"/>
+                            </dgm:adjLst>
+                          </dgm:shape>
+                          <dgm:presOf axis="ch desOrSelf" ptType="node node" st="2 1" cnt="1 0"/>
+                          <dgm:constrLst/>
+                          <dgm:ruleLst/>
+                        </dgm:layoutNode>
+                        <dgm:layoutNode name="FiveNodes_3">
+                          <dgm:varLst>
+                            <dgm:bulletEnabled val="1"/>
+                          </dgm:varLst>
+                          <dgm:alg type="sp"/>
+                          <dgm:shape xmlns:r="http://schemas.openxmlformats.org/officeDocument/2006/relationships" type="roundRect" r:blip="">
+                            <dgm:adjLst>
+                              <dgm:adj idx="1" val="0.1"/>
+                            </dgm:adjLst>
+                          </dgm:shape>
+                          <dgm:presOf axis="ch desOrSelf" ptType="node node" st="3 1" cnt="1 0"/>
+                          <dgm:constrLst/>
+                          <dgm:ruleLst/>
+                        </dgm:layoutNode>
+                        <dgm:layoutNode name="FiveNodes_4">
+                          <dgm:varLst>
+                            <dgm:bulletEnabled val="1"/>
+                          </dgm:varLst>
+                          <dgm:alg type="sp"/>
+                          <dgm:shape xmlns:r="http://schemas.openxmlformats.org/officeDocument/2006/relationships" type="roundRect" r:blip="">
+                            <dgm:adjLst>
+                              <dgm:adj idx="1" val="0.1"/>
+                            </dgm:adjLst>
+                          </dgm:shape>
+                          <dgm:presOf axis="ch desOrSelf" ptType="node node" st="4 1" cnt="1 0"/>
+                          <dgm:constrLst/>
+                          <dgm:ruleLst/>
+                        </dgm:layoutNode>
+                        <dgm:layoutNode name="FiveNodes_5">
+                          <dgm:varLst>
+                            <dgm:bulletEnabled val="1"/>
+                          </dgm:varLst>
+                          <dgm:alg type="sp"/>
+                          <dgm:shape xmlns:r="http://schemas.openxmlformats.org/officeDocument/2006/relationships" type="roundRect" r:blip="">
+                            <dgm:adjLst>
+                              <dgm:adj idx="1" val="0.1"/>
+                            </dgm:adjLst>
+                          </dgm:shape>
+                          <dgm:presOf axis="ch desOrSelf" ptType="node node" st="5 1" cnt="1 0"/>
+                          <dgm:constrLst/>
+                          <dgm:ruleLst/>
+                        </dgm:layoutNode>
+                        <dgm:layoutNode name="FiveConn_1-2" styleLbl="fgAccFollowNode1">
+                          <dgm:varLst>
+                            <dgm:bulletEnabled val="1"/>
+                          </dgm:varLst>
+                          <dgm:alg type="tx"/>
+                          <dgm:shape xmlns:r="http://schemas.openxmlformats.org/officeDocument/2006/relationships" type="downArrow" r:blip="">
+                            <dgm:adjLst>
+                              <dgm:adj idx="1" val="0.55"/>
+                              <dgm:adj idx="2" val="0.45"/>
+                            </dgm:adjLst>
+                          </dgm:shape>
+                          <dgm:presOf axis="ch" ptType="sibTrans" cnt="1"/>
+                          <dgm:constrLst>
+                            <dgm:constr type="lMarg" refType="primFontSz" fact="0.1"/>
+                            <dgm:constr type="rMarg" refType="primFontSz" fact="0.1"/>
+                            <dgm:constr type="tMarg" refType="primFontSz" fact="0.1"/>
+                            <dgm:constr type="bMarg" refType="primFontSz" fact="0.1"/>
+                          </dgm:constrLst>
+                          <dgm:ruleLst>
+                            <dgm:rule type="primFontSz" val="5" fact="NaN" max="NaN"/>
+                          </dgm:ruleLst>
+                        </dgm:layoutNode>
+                        <dgm:layoutNode name="FiveConn_2-3" styleLbl="fgAccFollowNode1">
+                          <dgm:varLst>
+                            <dgm:bulletEnabled val="1"/>
+                          </dgm:varLst>
+                          <dgm:alg type="tx"/>
+                          <dgm:shape xmlns:r="http://schemas.openxmlformats.org/officeDocument/2006/relationships" type="downArrow" r:blip="">
+                            <dgm:adjLst>
+                              <dgm:adj idx="1" val="0.55"/>
+                              <dgm:adj idx="2" val="0.45"/>
+                            </dgm:adjLst>
+                          </dgm:shape>
+                          <dgm:presOf axis="ch" ptType="sibTrans" st="2" cnt="1"/>
+                          <dgm:constrLst>
+                            <dgm:constr type="lMarg" refType="primFontSz" fact="0.1"/>
+                            <dgm:constr type="rMarg" refType="primFontSz" fact="0.1"/>
+                            <dgm:constr type="tMarg" refType="primFontSz" fact="0.1"/>
+                            <dgm:constr type="bMarg" refType="primFontSz" fact="0.1"/>
+                          </dgm:constrLst>
+                          <dgm:ruleLst>
+                            <dgm:rule type="primFontSz" val="5" fact="NaN" max="NaN"/>
+                          </dgm:ruleLst>
+                        </dgm:layoutNode>
+                        <dgm:layoutNode name="FiveConn_3-4" styleLbl="fgAccFollowNode1">
+                          <dgm:varLst>
+                            <dgm:bulletEnabled val="1"/>
+                          </dgm:varLst>
+                          <dgm:alg type="tx"/>
+                          <dgm:shape xmlns:r="http://schemas.openxmlformats.org/officeDocument/2006/relationships" type="downArrow" r:blip="">
+                            <dgm:adjLst>
+                              <dgm:adj idx="1" val="0.55"/>
+                              <dgm:adj idx="2" val="0.45"/>
+                            </dgm:adjLst>
+                          </dgm:shape>
+                          <dgm:presOf axis="ch" ptType="sibTrans" st="3" cnt="1"/>
+                          <dgm:constrLst>
+                            <dgm:constr type="lMarg" refType="primFontSz" fact="0.1"/>
+                            <dgm:constr type="rMarg" refType="primFontSz" fact="0.1"/>
+                            <dgm:constr type="tMarg" refType="primFontSz" fact="0.1"/>
+                            <dgm:constr type="bMarg" refType="primFontSz" fact="0.1"/>
+                          </dgm:constrLst>
+                          <dgm:ruleLst>
+                            <dgm:rule type="primFontSz" val="5" fact="NaN" max="NaN"/>
+                          </dgm:ruleLst>
+                        </dgm:layoutNode>
+                        <dgm:layoutNode name="FiveConn_4-5" styleLbl="fgAccFollowNode1">
+                          <dgm:varLst>
+                            <dgm:bulletEnabled val="1"/>
+                          </dgm:varLst>
+                          <dgm:alg type="tx"/>
+                          <dgm:shape xmlns:r="http://schemas.openxmlformats.org/officeDocument/2006/relationships" type="downArrow" r:blip="">
+                            <dgm:adjLst>
+                              <dgm:adj idx="1" val="0.55"/>
+                              <dgm:adj idx="2" val="0.45"/>
+                            </dgm:adjLst>
+                          </dgm:shape>
+                          <dgm:presOf axis="ch" ptType="sibTrans" st="4" cnt="1"/>
+                          <dgm:constrLst>
+                            <dgm:constr type="lMarg" refType="primFontSz" fact="0.1"/>
+                            <dgm:constr type="rMarg" refType="primFontSz" fact="0.1"/>
+                            <dgm:constr type="tMarg" refType="primFontSz" fact="0.1"/>
+                            <dgm:constr type="bMarg" refType="primFontSz" fact="0.1"/>
+                          </dgm:constrLst>
+                          <dgm:ruleLst>
+                            <dgm:rule type="primFontSz" val="5" fact="NaN" max="NaN"/>
+                          </dgm:ruleLst>
+                        </dgm:layoutNode>
+                        <dgm:layoutNode name="FiveNodes_1_text">
+                          <dgm:varLst>
+                            <dgm:bulletEnabled val="1"/>
+                          </dgm:varLst>
+                          <dgm:alg type="tx">
+                            <dgm:param type="parTxLTRAlign" val="l"/>
+                            <dgm:param type="txAnchorVertCh" val="mid"/>
+                          </dgm:alg>
+                          <dgm:shape xmlns:r="http://schemas.openxmlformats.org/officeDocument/2006/relationships" type="roundRect" r:blip="" hideGeom="1">
+                            <dgm:adjLst>
+                              <dgm:adj idx="1" val="0.1"/>
+                            </dgm:adjLst>
+                          </dgm:shape>
+                          <dgm:presOf axis="ch desOrSelf" ptType="node node" st="1 1" cnt="1 0"/>
+                          <dgm:constrLst>
+                            <dgm:constr type="lMarg" refType="primFontSz" fact="0.3"/>
+                            <dgm:constr type="rMarg" refType="primFontSz" fact="0.3"/>
+                            <dgm:constr type="tMarg" refType="primFontSz" fact="0.3"/>
+                            <dgm:constr type="bMarg" refType="primFontSz" fact="0.3"/>
+                          </dgm:constrLst>
+                          <dgm:ruleLst>
+                            <dgm:rule type="primFontSz" val="5" fact="NaN" max="NaN"/>
+                          </dgm:ruleLst>
+                        </dgm:layoutNode>
+                        <dgm:layoutNode name="FiveNodes_2_text">
+                          <dgm:varLst>
+                            <dgm:bulletEnabled val="1"/>
+                          </dgm:varLst>
+                          <dgm:alg type="tx">
+                            <dgm:param type="parTxLTRAlign" val="l"/>
+                            <dgm:param type="txAnchorVertCh" val="mid"/>
+                          </dgm:alg>
+                          <dgm:shape xmlns:r="http://schemas.openxmlformats.org/officeDocument/2006/relationships" type="roundRect" r:blip="" hideGeom="1">
+                            <dgm:adjLst>
+                              <dgm:adj idx="1" val="0.1"/>
+                            </dgm:adjLst>
+                          </dgm:shape>
+                          <dgm:presOf axis="ch desOrSelf" ptType="node node" st="2 1" cnt="1 0"/>
+                          <dgm:constrLst>
+                            <dgm:constr type="lMarg" refType="primFontSz" fact="0.3"/>
+                            <dgm:constr type="rMarg" refType="primFontSz" fact="0.3"/>
+                            <dgm:constr type="tMarg" refType="primFontSz" fact="0.3"/>
+                            <dgm:constr type="bMarg" refType="primFontSz" fact="0.3"/>
+                          </dgm:constrLst>
+                          <dgm:ruleLst>
+                            <dgm:rule type="primFontSz" val="5" fact="NaN" max="NaN"/>
+                          </dgm:ruleLst>
+                        </dgm:layoutNode>
+                        <dgm:layoutNode name="FiveNodes_3_text">
+                          <dgm:varLst>
+                            <dgm:bulletEnabled val="1"/>
+                          </dgm:varLst>
+                          <dgm:alg type="tx">
+                            <dgm:param type="parTxLTRAlign" val="l"/>
+                            <dgm:param type="txAnchorVertCh" val="mid"/>
+                          </dgm:alg>
+                          <dgm:shape xmlns:r="http://schemas.openxmlformats.org/officeDocument/2006/relationships" type="roundRect" r:blip="" hideGeom="1">
+                            <dgm:adjLst>
+                              <dgm:adj idx="1" val="0.1"/>
+                            </dgm:adjLst>
+                          </dgm:shape>
+                          <dgm:presOf axis="ch desOrSelf" ptType="node node" st="3 1" cnt="1 0"/>
+                          <dgm:constrLst>
+                            <dgm:constr type="lMarg" refType="primFontSz" fact="0.3"/>
+                            <dgm:constr type="rMarg" refType="primFontSz" fact="0.3"/>
+                            <dgm:constr type="tMarg" refType="primFontSz" fact="0.3"/>
+                            <dgm:constr type="bMarg" refType="primFontSz" fact="0.3"/>
+                          </dgm:constrLst>
+                          <dgm:ruleLst>
+                            <dgm:rule type="primFontSz" val="5" fact="NaN" max="NaN"/>
+                          </dgm:ruleLst>
+                        </dgm:layoutNode>
+                        <dgm:layoutNode name="FiveNodes_4_text">
+                          <dgm:varLst>
+                            <dgm:bulletEnabled val="1"/>
+                          </dgm:varLst>
+                          <dgm:alg type="tx">
+                            <dgm:param type="parTxLTRAlign" val="l"/>
+                            <dgm:param type="txAnchorVertCh" val="mid"/>
+                          </dgm:alg>
+                          <dgm:shape xmlns:r="http://schemas.openxmlformats.org/officeDocument/2006/relationships" type="roundRect" r:blip="" hideGeom="1">
+                            <dgm:adjLst>
+                              <dgm:adj idx="1" val="0.1"/>
+                            </dgm:adjLst>
+                          </dgm:shape>
+                          <dgm:presOf axis="ch desOrSelf" ptType="node node" st="4 1" cnt="1 0"/>
+                          <dgm:constrLst>
+                            <dgm:constr type="lMarg" refType="primFontSz" fact="0.3"/>
+                            <dgm:constr type="rMarg" refType="primFontSz" fact="0.3"/>
+                            <dgm:constr type="tMarg" refType="primFontSz" fact="0.3"/>
+                            <dgm:constr type="bMarg" refType="primFontSz" fact="0.3"/>
+                          </dgm:constrLst>
+                          <dgm:ruleLst>
+                            <dgm:rule type="primFontSz" val="5" fact="NaN" max="NaN"/>
+                          </dgm:ruleLst>
+                        </dgm:layoutNode>
+                        <dgm:layoutNode name="FiveNodes_5_text">
+                          <dgm:varLst>
+                            <dgm:bulletEnabled val="1"/>
+                          </dgm:varLst>
+                          <dgm:alg type="tx">
+                            <dgm:param type="parTxLTRAlign" val="l"/>
+                            <dgm:param type="txAnchorVertCh" val="mid"/>
+                          </dgm:alg>
+                          <dgm:shape xmlns:r="http://schemas.openxmlformats.org/officeDocument/2006/relationships" type="roundRect" r:blip="" hideGeom="1">
+                            <dgm:adjLst>
+                              <dgm:adj idx="1" val="0.1"/>
+                            </dgm:adjLst>
+                          </dgm:shape>
+                          <dgm:presOf axis="ch desOrSelf" ptType="node node" st="5 1" cnt="1 0"/>
+                          <dgm:constrLst>
+                            <dgm:constr type="lMarg" refType="primFontSz" fact="0.3"/>
+                            <dgm:constr type="rMarg" refType="primFontSz" fact="0.3"/>
+                            <dgm:constr type="tMarg" refType="primFontSz" fact="0.3"/>
+                            <dgm:constr type="bMarg" refType="primFontSz" fact="0.3"/>
+                          </dgm:constrLst>
+                          <dgm:ruleLst>
+                            <dgm:rule type="primFontSz" val="5" fact="NaN" max="NaN"/>
+                          </dgm:ruleLst>
+                        </dgm:layoutNode>
+                      </dgm:if>
+                      <dgm:else name="Name17"/>
+                    </dgm:choose>
+                  </dgm:else>
+                </dgm:choose>
+              </dgm:else>
+            </dgm:choose>
+          </dgm:else>
+        </dgm:choose>
+      </dgm:else>
+    </dgm:choose>
   </dgm:layoutNode>
 </dgm:layoutDef>
 </file>
@@ -2813,7 +4186,7 @@
           <a:p>
             <a:fld id="{EEA6C532-38E3-415B-993D-5BB75B968365}" type="datetimeFigureOut">
               <a:rPr lang="en-US" smtClean="0"/>
-              <a:t>2/5/2020</a:t>
+              <a:t>2/6/2020</a:t>
             </a:fld>
             <a:endParaRPr lang="en-US"/>
           </a:p>
@@ -3011,7 +4384,7 @@
           <a:p>
             <a:fld id="{EEA6C532-38E3-415B-993D-5BB75B968365}" type="datetimeFigureOut">
               <a:rPr lang="en-US" smtClean="0"/>
-              <a:t>2/5/2020</a:t>
+              <a:t>2/6/2020</a:t>
             </a:fld>
             <a:endParaRPr lang="en-US"/>
           </a:p>
@@ -3219,7 +4592,7 @@
           <a:p>
             <a:fld id="{EEA6C532-38E3-415B-993D-5BB75B968365}" type="datetimeFigureOut">
               <a:rPr lang="en-US" smtClean="0"/>
-              <a:t>2/5/2020</a:t>
+              <a:t>2/6/2020</a:t>
             </a:fld>
             <a:endParaRPr lang="en-US"/>
           </a:p>
@@ -3417,7 +4790,7 @@
           <a:p>
             <a:fld id="{EEA6C532-38E3-415B-993D-5BB75B968365}" type="datetimeFigureOut">
               <a:rPr lang="en-US" smtClean="0"/>
-              <a:t>2/5/2020</a:t>
+              <a:t>2/6/2020</a:t>
             </a:fld>
             <a:endParaRPr lang="en-US"/>
           </a:p>
@@ -3692,7 +5065,7 @@
           <a:p>
             <a:fld id="{EEA6C532-38E3-415B-993D-5BB75B968365}" type="datetimeFigureOut">
               <a:rPr lang="en-US" smtClean="0"/>
-              <a:t>2/5/2020</a:t>
+              <a:t>2/6/2020</a:t>
             </a:fld>
             <a:endParaRPr lang="en-US"/>
           </a:p>
@@ -3957,7 +5330,7 @@
           <a:p>
             <a:fld id="{EEA6C532-38E3-415B-993D-5BB75B968365}" type="datetimeFigureOut">
               <a:rPr lang="en-US" smtClean="0"/>
-              <a:t>2/5/2020</a:t>
+              <a:t>2/6/2020</a:t>
             </a:fld>
             <a:endParaRPr lang="en-US"/>
           </a:p>
@@ -4369,7 +5742,7 @@
           <a:p>
             <a:fld id="{EEA6C532-38E3-415B-993D-5BB75B968365}" type="datetimeFigureOut">
               <a:rPr lang="en-US" smtClean="0"/>
-              <a:t>2/5/2020</a:t>
+              <a:t>2/6/2020</a:t>
             </a:fld>
             <a:endParaRPr lang="en-US"/>
           </a:p>
@@ -4510,7 +5883,7 @@
           <a:p>
             <a:fld id="{EEA6C532-38E3-415B-993D-5BB75B968365}" type="datetimeFigureOut">
               <a:rPr lang="en-US" smtClean="0"/>
-              <a:t>2/5/2020</a:t>
+              <a:t>2/6/2020</a:t>
             </a:fld>
             <a:endParaRPr lang="en-US"/>
           </a:p>
@@ -4623,7 +5996,7 @@
           <a:p>
             <a:fld id="{EEA6C532-38E3-415B-993D-5BB75B968365}" type="datetimeFigureOut">
               <a:rPr lang="en-US" smtClean="0"/>
-              <a:t>2/5/2020</a:t>
+              <a:t>2/6/2020</a:t>
             </a:fld>
             <a:endParaRPr lang="en-US"/>
           </a:p>
@@ -4934,7 +6307,7 @@
           <a:p>
             <a:fld id="{EEA6C532-38E3-415B-993D-5BB75B968365}" type="datetimeFigureOut">
               <a:rPr lang="en-US" smtClean="0"/>
-              <a:t>2/5/2020</a:t>
+              <a:t>2/6/2020</a:t>
             </a:fld>
             <a:endParaRPr lang="en-US"/>
           </a:p>
@@ -5222,7 +6595,7 @@
           <a:p>
             <a:fld id="{EEA6C532-38E3-415B-993D-5BB75B968365}" type="datetimeFigureOut">
               <a:rPr lang="en-US" smtClean="0"/>
-              <a:t>2/5/2020</a:t>
+              <a:t>2/6/2020</a:t>
             </a:fld>
             <a:endParaRPr lang="en-US"/>
           </a:p>
@@ -5463,7 +6836,7 @@
           <a:p>
             <a:fld id="{EEA6C532-38E3-415B-993D-5BB75B968365}" type="datetimeFigureOut">
               <a:rPr lang="en-US" smtClean="0"/>
-              <a:t>2/5/2020</a:t>
+              <a:t>2/6/2020</a:t>
             </a:fld>
             <a:endParaRPr lang="en-US"/>
           </a:p>
@@ -5890,10 +7263,315 @@
       </p:grpSpPr>
       <p:sp>
         <p:nvSpPr>
-          <p:cNvPr id="10" name="Rectangle 9">
+          <p:cNvPr id="17" name="Freeform 14">
             <a:extLst>
               <a:ext uri="{FF2B5EF4-FFF2-40B4-BE49-F238E27FC236}">
-                <a16:creationId xmlns:a16="http://schemas.microsoft.com/office/drawing/2014/main" id="{7905BA41-EE6E-4F80-8636-447F22DD729A}"/>
+                <a16:creationId xmlns:a16="http://schemas.microsoft.com/office/drawing/2014/main" id="{6FC11E2E-9797-4FEA-90FD-894E32A208B5}"/>
+              </a:ext>
+              <a:ext uri="{C183D7F6-B498-43B3-948B-1728B52AA6E4}">
+                <adec:decorative xmlns:adec="http://schemas.microsoft.com/office/drawing/2017/decorative" val="1"/>
+              </a:ext>
+            </a:extLst>
+          </p:cNvPr>
+          <p:cNvSpPr>
+            <a:spLocks noGrp="1" noRot="1" noChangeAspect="1" noMove="1" noResize="1" noEditPoints="1" noAdjustHandles="1" noChangeArrowheads="1" noChangeShapeType="1" noTextEdit="1"/>
+          </p:cNvSpPr>
+          <p:nvPr>
+            <p:extLst>
+              <p:ext uri="{386F3935-93C4-4BCD-93E2-E3B085C9AB24}">
+                <p16:designElem xmlns:p16="http://schemas.microsoft.com/office/powerpoint/2015/main" val="1"/>
+              </p:ext>
+            </p:extLst>
+          </p:nvPr>
+        </p:nvSpPr>
+        <p:spPr>
+          <a:xfrm>
+            <a:off x="0" y="5448626"/>
+            <a:ext cx="6738450" cy="1409374"/>
+          </a:xfrm>
+          <a:custGeom>
+            <a:avLst/>
+            <a:gdLst>
+              <a:gd name="connsiteX0" fmla="*/ 0 w 6738450"/>
+              <a:gd name="connsiteY0" fmla="*/ 0 h 1409374"/>
+              <a:gd name="connsiteX1" fmla="*/ 6738450 w 6738450"/>
+              <a:gd name="connsiteY1" fmla="*/ 0 h 1409374"/>
+              <a:gd name="connsiteX2" fmla="*/ 6085725 w 6738450"/>
+              <a:gd name="connsiteY2" fmla="*/ 1409374 h 1409374"/>
+              <a:gd name="connsiteX3" fmla="*/ 1524000 w 6738450"/>
+              <a:gd name="connsiteY3" fmla="*/ 1409374 h 1409374"/>
+              <a:gd name="connsiteX4" fmla="*/ 1200418 w 6738450"/>
+              <a:gd name="connsiteY4" fmla="*/ 1409374 h 1409374"/>
+              <a:gd name="connsiteX5" fmla="*/ 0 w 6738450"/>
+              <a:gd name="connsiteY5" fmla="*/ 1409374 h 1409374"/>
+            </a:gdLst>
+            <a:ahLst/>
+            <a:cxnLst>
+              <a:cxn ang="0">
+                <a:pos x="connsiteX0" y="connsiteY0"/>
+              </a:cxn>
+              <a:cxn ang="0">
+                <a:pos x="connsiteX1" y="connsiteY1"/>
+              </a:cxn>
+              <a:cxn ang="0">
+                <a:pos x="connsiteX2" y="connsiteY2"/>
+              </a:cxn>
+              <a:cxn ang="0">
+                <a:pos x="connsiteX3" y="connsiteY3"/>
+              </a:cxn>
+              <a:cxn ang="0">
+                <a:pos x="connsiteX4" y="connsiteY4"/>
+              </a:cxn>
+              <a:cxn ang="0">
+                <a:pos x="connsiteX5" y="connsiteY5"/>
+              </a:cxn>
+            </a:cxnLst>
+            <a:rect l="l" t="t" r="r" b="b"/>
+            <a:pathLst>
+              <a:path w="6738450" h="1409374">
+                <a:moveTo>
+                  <a:pt x="0" y="0"/>
+                </a:moveTo>
+                <a:lnTo>
+                  <a:pt x="6738450" y="0"/>
+                </a:lnTo>
+                <a:lnTo>
+                  <a:pt x="6085725" y="1409374"/>
+                </a:lnTo>
+                <a:lnTo>
+                  <a:pt x="1524000" y="1409374"/>
+                </a:lnTo>
+                <a:lnTo>
+                  <a:pt x="1200418" y="1409374"/>
+                </a:lnTo>
+                <a:lnTo>
+                  <a:pt x="0" y="1409374"/>
+                </a:lnTo>
+                <a:close/>
+              </a:path>
+            </a:pathLst>
+          </a:custGeom>
+          <a:solidFill>
+            <a:schemeClr val="tx1">
+              <a:lumMod val="50000"/>
+              <a:lumOff val="50000"/>
+              <a:alpha val="50000"/>
+            </a:schemeClr>
+          </a:solidFill>
+          <a:ln>
+            <a:noFill/>
+          </a:ln>
+        </p:spPr>
+        <p:style>
+          <a:lnRef idx="2">
+            <a:schemeClr val="accent1">
+              <a:shade val="50000"/>
+            </a:schemeClr>
+          </a:lnRef>
+          <a:fillRef idx="1">
+            <a:schemeClr val="accent1"/>
+          </a:fillRef>
+          <a:effectRef idx="0">
+            <a:schemeClr val="accent1"/>
+          </a:effectRef>
+          <a:fontRef idx="minor">
+            <a:schemeClr val="lt1"/>
+          </a:fontRef>
+        </p:style>
+        <p:txBody>
+          <a:bodyPr wrap="square" rtlCol="0" anchor="ctr">
+            <a:noAutofit/>
+          </a:bodyPr>
+          <a:lstStyle/>
+          <a:p>
+            <a:pPr algn="ctr"/>
+            <a:endParaRPr lang="en-US"/>
+          </a:p>
+        </p:txBody>
+      </p:sp>
+      <p:sp useBgFill="1">
+        <p:nvSpPr>
+          <p:cNvPr id="19" name="Freeform 33">
+            <a:extLst>
+              <a:ext uri="{FF2B5EF4-FFF2-40B4-BE49-F238E27FC236}">
+                <a16:creationId xmlns:a16="http://schemas.microsoft.com/office/drawing/2014/main" id="{F8828EFD-56F8-4B00-9A0D-B623CC074A0E}"/>
+              </a:ext>
+              <a:ext uri="{C183D7F6-B498-43B3-948B-1728B52AA6E4}">
+                <adec:decorative xmlns:adec="http://schemas.microsoft.com/office/drawing/2017/decorative" val="1"/>
+              </a:ext>
+            </a:extLst>
+          </p:cNvPr>
+          <p:cNvSpPr>
+            <a:spLocks noGrp="1" noRot="1" noChangeAspect="1" noMove="1" noResize="1" noEditPoints="1" noAdjustHandles="1" noChangeArrowheads="1" noChangeShapeType="1" noTextEdit="1"/>
+          </p:cNvSpPr>
+          <p:nvPr>
+            <p:extLst>
+              <p:ext uri="{386F3935-93C4-4BCD-93E2-E3B085C9AB24}">
+                <p16:designElem xmlns:p16="http://schemas.microsoft.com/office/powerpoint/2015/main" val="1"/>
+              </p:ext>
+            </p:extLst>
+          </p:nvPr>
+        </p:nvSpPr>
+        <p:spPr>
+          <a:xfrm flipH="1">
+            <a:off x="6102096" y="3608996"/>
+            <a:ext cx="4522796" cy="3249004"/>
+          </a:xfrm>
+          <a:custGeom>
+            <a:avLst/>
+            <a:gdLst>
+              <a:gd name="connsiteX0" fmla="*/ 3018081 w 4522796"/>
+              <a:gd name="connsiteY0" fmla="*/ 0 h 3249004"/>
+              <a:gd name="connsiteX1" fmla="*/ 0 w 4522796"/>
+              <a:gd name="connsiteY1" fmla="*/ 0 h 3249004"/>
+              <a:gd name="connsiteX2" fmla="*/ 0 w 4522796"/>
+              <a:gd name="connsiteY2" fmla="*/ 3249004 h 3249004"/>
+              <a:gd name="connsiteX3" fmla="*/ 4522796 w 4522796"/>
+              <a:gd name="connsiteY3" fmla="*/ 3249004 h 3249004"/>
+            </a:gdLst>
+            <a:ahLst/>
+            <a:cxnLst>
+              <a:cxn ang="0">
+                <a:pos x="connsiteX0" y="connsiteY0"/>
+              </a:cxn>
+              <a:cxn ang="0">
+                <a:pos x="connsiteX1" y="connsiteY1"/>
+              </a:cxn>
+              <a:cxn ang="0">
+                <a:pos x="connsiteX2" y="connsiteY2"/>
+              </a:cxn>
+              <a:cxn ang="0">
+                <a:pos x="connsiteX3" y="connsiteY3"/>
+              </a:cxn>
+            </a:cxnLst>
+            <a:rect l="l" t="t" r="r" b="b"/>
+            <a:pathLst>
+              <a:path w="4522796" h="3249004">
+                <a:moveTo>
+                  <a:pt x="3018081" y="0"/>
+                </a:moveTo>
+                <a:lnTo>
+                  <a:pt x="0" y="0"/>
+                </a:lnTo>
+                <a:lnTo>
+                  <a:pt x="0" y="3249004"/>
+                </a:lnTo>
+                <a:lnTo>
+                  <a:pt x="4522796" y="3249004"/>
+                </a:lnTo>
+                <a:close/>
+              </a:path>
+            </a:pathLst>
+          </a:custGeom>
+          <a:ln>
+            <a:noFill/>
+          </a:ln>
+        </p:spPr>
+        <p:style>
+          <a:lnRef idx="2">
+            <a:schemeClr val="accent1">
+              <a:shade val="50000"/>
+            </a:schemeClr>
+          </a:lnRef>
+          <a:fillRef idx="1">
+            <a:schemeClr val="accent1"/>
+          </a:fillRef>
+          <a:effectRef idx="0">
+            <a:schemeClr val="accent1"/>
+          </a:effectRef>
+          <a:fontRef idx="minor">
+            <a:schemeClr val="lt1"/>
+          </a:fontRef>
+        </p:style>
+        <p:txBody>
+          <a:bodyPr wrap="square" rtlCol="0" anchor="ctr">
+            <a:noAutofit/>
+          </a:bodyPr>
+          <a:lstStyle/>
+          <a:p>
+            <a:pPr algn="ctr"/>
+            <a:endParaRPr lang="en-US" b="1"/>
+          </a:p>
+        </p:txBody>
+      </p:sp>
+      <p:sp>
+        <p:nvSpPr>
+          <p:cNvPr id="2" name="Title 1">
+            <a:extLst>
+              <a:ext uri="{FF2B5EF4-FFF2-40B4-BE49-F238E27FC236}">
+                <a16:creationId xmlns:a16="http://schemas.microsoft.com/office/drawing/2014/main" id="{6632F58C-7BBA-4CDA-8C05-926B3CC6D997}"/>
+              </a:ext>
+            </a:extLst>
+          </p:cNvPr>
+          <p:cNvSpPr>
+            <a:spLocks noGrp="1"/>
+          </p:cNvSpPr>
+          <p:nvPr>
+            <p:ph type="ctrTitle"/>
+          </p:nvPr>
+        </p:nvSpPr>
+        <p:spPr>
+          <a:xfrm>
+            <a:off x="1524000" y="3011117"/>
+            <a:ext cx="6618051" cy="1355750"/>
+          </a:xfrm>
+        </p:spPr>
+        <p:txBody>
+          <a:bodyPr>
+            <a:normAutofit/>
+          </a:bodyPr>
+          <a:lstStyle/>
+          <a:p>
+            <a:pPr algn="l"/>
+            <a:r>
+              <a:rPr lang="en-US" sz="5400"/>
+              <a:t>Security in Salesforce</a:t>
+            </a:r>
+          </a:p>
+        </p:txBody>
+      </p:sp>
+      <p:sp>
+        <p:nvSpPr>
+          <p:cNvPr id="3" name="Subtitle 2">
+            <a:extLst>
+              <a:ext uri="{FF2B5EF4-FFF2-40B4-BE49-F238E27FC236}">
+                <a16:creationId xmlns:a16="http://schemas.microsoft.com/office/drawing/2014/main" id="{EFE1DF4A-B191-4F18-AD7F-842D87B998D8}"/>
+              </a:ext>
+            </a:extLst>
+          </p:cNvPr>
+          <p:cNvSpPr>
+            <a:spLocks noGrp="1"/>
+          </p:cNvSpPr>
+          <p:nvPr>
+            <p:ph type="subTitle" idx="1"/>
+          </p:nvPr>
+        </p:nvSpPr>
+        <p:spPr>
+          <a:xfrm>
+            <a:off x="1524000" y="4373823"/>
+            <a:ext cx="6618051" cy="911117"/>
+          </a:xfrm>
+        </p:spPr>
+        <p:txBody>
+          <a:bodyPr>
+            <a:normAutofit/>
+          </a:bodyPr>
+          <a:lstStyle/>
+          <a:p>
+            <a:pPr algn="l"/>
+            <a:r>
+              <a:rPr lang="en-US" sz="2000"/>
+              <a:t>How security works behind the scene</a:t>
+            </a:r>
+          </a:p>
+        </p:txBody>
+      </p:sp>
+      <p:sp>
+        <p:nvSpPr>
+          <p:cNvPr id="21" name="Freeform 24">
+            <a:extLst>
+              <a:ext uri="{FF2B5EF4-FFF2-40B4-BE49-F238E27FC236}">
+                <a16:creationId xmlns:a16="http://schemas.microsoft.com/office/drawing/2014/main" id="{3D4697C8-4A0D-4493-B526-7CC15E0EE557}"/>
               </a:ext>
               <a:ext uri="{C183D7F6-B498-43B3-948B-1728B52AA6E4}">
                 <adec:decorative xmlns:adec="http://schemas.microsoft.com/office/drawing/2017/decorative" val="1"/>
@@ -5914,13 +7592,88 @@
         <p:spPr>
           <a:xfrm>
             <a:off x="0" y="0"/>
-            <a:ext cx="12192000" cy="6858000"/>
+            <a:ext cx="5920618" cy="2896258"/>
           </a:xfrm>
-          <a:prstGeom prst="rect">
+          <a:custGeom>
             <a:avLst/>
-          </a:prstGeom>
+            <a:gdLst>
+              <a:gd name="connsiteX0" fmla="*/ 0 w 5920618"/>
+              <a:gd name="connsiteY0" fmla="*/ 0 h 2896258"/>
+              <a:gd name="connsiteX1" fmla="*/ 3191370 w 5920618"/>
+              <a:gd name="connsiteY1" fmla="*/ 0 h 2896258"/>
+              <a:gd name="connsiteX2" fmla="*/ 3346315 w 5920618"/>
+              <a:gd name="connsiteY2" fmla="*/ 0 h 2896258"/>
+              <a:gd name="connsiteX3" fmla="*/ 5920618 w 5920618"/>
+              <a:gd name="connsiteY3" fmla="*/ 0 h 2896258"/>
+              <a:gd name="connsiteX4" fmla="*/ 4583705 w 5920618"/>
+              <a:gd name="connsiteY4" fmla="*/ 2896258 h 2896258"/>
+              <a:gd name="connsiteX5" fmla="*/ 3346315 w 5920618"/>
+              <a:gd name="connsiteY5" fmla="*/ 2896258 h 2896258"/>
+              <a:gd name="connsiteX6" fmla="*/ 1854457 w 5920618"/>
+              <a:gd name="connsiteY6" fmla="*/ 2896258 h 2896258"/>
+              <a:gd name="connsiteX7" fmla="*/ 0 w 5920618"/>
+              <a:gd name="connsiteY7" fmla="*/ 2896258 h 2896258"/>
+            </a:gdLst>
+            <a:ahLst/>
+            <a:cxnLst>
+              <a:cxn ang="0">
+                <a:pos x="connsiteX0" y="connsiteY0"/>
+              </a:cxn>
+              <a:cxn ang="0">
+                <a:pos x="connsiteX1" y="connsiteY1"/>
+              </a:cxn>
+              <a:cxn ang="0">
+                <a:pos x="connsiteX2" y="connsiteY2"/>
+              </a:cxn>
+              <a:cxn ang="0">
+                <a:pos x="connsiteX3" y="connsiteY3"/>
+              </a:cxn>
+              <a:cxn ang="0">
+                <a:pos x="connsiteX4" y="connsiteY4"/>
+              </a:cxn>
+              <a:cxn ang="0">
+                <a:pos x="connsiteX5" y="connsiteY5"/>
+              </a:cxn>
+              <a:cxn ang="0">
+                <a:pos x="connsiteX6" y="connsiteY6"/>
+              </a:cxn>
+              <a:cxn ang="0">
+                <a:pos x="connsiteX7" y="connsiteY7"/>
+              </a:cxn>
+            </a:cxnLst>
+            <a:rect l="l" t="t" r="r" b="b"/>
+            <a:pathLst>
+              <a:path w="5920618" h="2896258">
+                <a:moveTo>
+                  <a:pt x="0" y="0"/>
+                </a:moveTo>
+                <a:lnTo>
+                  <a:pt x="3191370" y="0"/>
+                </a:lnTo>
+                <a:lnTo>
+                  <a:pt x="3346315" y="0"/>
+                </a:lnTo>
+                <a:lnTo>
+                  <a:pt x="5920618" y="0"/>
+                </a:lnTo>
+                <a:lnTo>
+                  <a:pt x="4583705" y="2896258"/>
+                </a:lnTo>
+                <a:lnTo>
+                  <a:pt x="3346315" y="2896258"/>
+                </a:lnTo>
+                <a:lnTo>
+                  <a:pt x="1854457" y="2896258"/>
+                </a:lnTo>
+                <a:lnTo>
+                  <a:pt x="0" y="2896258"/>
+                </a:lnTo>
+                <a:close/>
+              </a:path>
+            </a:pathLst>
+          </a:custGeom>
           <a:solidFill>
-            <a:schemeClr val="accent1"/>
+            <a:schemeClr val="accent4"/>
           </a:solidFill>
           <a:ln>
             <a:noFill/>
@@ -5946,124 +7699,56 @@
           <a:bodyPr rtlCol="0" anchor="ctr"/>
           <a:lstStyle/>
           <a:p>
-            <a:pPr marL="0" marR="0" lvl="0" indent="0" algn="ctr" defTabSz="914400" rtl="0" eaLnBrk="1" fontAlgn="auto" latinLnBrk="0" hangingPunct="1">
-              <a:lnSpc>
-                <a:spcPct val="100000"/>
-              </a:lnSpc>
-              <a:spcBef>
-                <a:spcPts val="0"/>
-              </a:spcBef>
-              <a:spcAft>
-                <a:spcPts val="0"/>
-              </a:spcAft>
-              <a:buClrTx/>
-              <a:buSzTx/>
-              <a:buFontTx/>
-              <a:buNone/>
-              <a:tabLst/>
-              <a:defRPr/>
-            </a:pPr>
-            <a:endParaRPr kumimoji="0" lang="en-US" sz="1800" b="0" i="0" u="none" strike="noStrike" kern="1200" cap="none" spc="0" normalizeH="0" baseline="0" noProof="0">
-              <a:ln>
-                <a:noFill/>
-              </a:ln>
-              <a:solidFill>
-                <a:prstClr val="white"/>
-              </a:solidFill>
-              <a:effectLst/>
-              <a:uLnTx/>
-              <a:uFillTx/>
-              <a:latin typeface="Calibri" panose="020F0502020204030204"/>
-              <a:ea typeface="+mn-ea"/>
-              <a:cs typeface="+mn-cs"/>
-            </a:endParaRPr>
+            <a:pPr algn="ctr"/>
+            <a:endParaRPr lang="en-US"/>
           </a:p>
         </p:txBody>
       </p:sp>
+      <p:pic>
+        <p:nvPicPr>
+          <p:cNvPr id="7" name="Graphic 6" descr="Lock">
+            <a:extLst>
+              <a:ext uri="{FF2B5EF4-FFF2-40B4-BE49-F238E27FC236}">
+                <a16:creationId xmlns:a16="http://schemas.microsoft.com/office/drawing/2014/main" id="{C82D09E0-1254-45D0-874E-E3395210D2D8}"/>
+              </a:ext>
+            </a:extLst>
+          </p:cNvPr>
+          <p:cNvPicPr>
+            <a:picLocks noChangeAspect="1"/>
+          </p:cNvPicPr>
+          <p:nvPr/>
+        </p:nvPicPr>
+        <p:blipFill>
+          <a:blip r:embed="rId2">
+            <a:extLst>
+              <a:ext uri="{28A0092B-C50C-407E-A947-70E740481C1C}">
+                <a14:useLocalDpi xmlns:a14="http://schemas.microsoft.com/office/drawing/2010/main" val="0"/>
+              </a:ext>
+              <a:ext uri="{96DAC541-7B7A-43D3-8B79-37D633B846F1}">
+                <asvg:svgBlip xmlns:asvg="http://schemas.microsoft.com/office/drawing/2016/SVG/main" r:embed="rId3"/>
+              </a:ext>
+            </a:extLst>
+          </a:blip>
+          <a:stretch>
+            <a:fillRect/>
+          </a:stretch>
+        </p:blipFill>
+        <p:spPr>
+          <a:xfrm>
+            <a:off x="8472791" y="1184748"/>
+            <a:ext cx="3079129" cy="3079129"/>
+          </a:xfrm>
+          <a:prstGeom prst="rect">
+            <a:avLst/>
+          </a:prstGeom>
+        </p:spPr>
+      </p:pic>
       <p:sp>
         <p:nvSpPr>
-          <p:cNvPr id="2" name="Title 1">
+          <p:cNvPr id="23" name="Freeform 15">
             <a:extLst>
               <a:ext uri="{FF2B5EF4-FFF2-40B4-BE49-F238E27FC236}">
-                <a16:creationId xmlns:a16="http://schemas.microsoft.com/office/drawing/2014/main" id="{6632F58C-7BBA-4CDA-8C05-926B3CC6D997}"/>
-              </a:ext>
-            </a:extLst>
-          </p:cNvPr>
-          <p:cNvSpPr>
-            <a:spLocks noGrp="1"/>
-          </p:cNvSpPr>
-          <p:nvPr>
-            <p:ph type="ctrTitle"/>
-          </p:nvPr>
-        </p:nvSpPr>
-        <p:spPr>
-          <a:xfrm>
-            <a:off x="1848465" y="3298722"/>
-            <a:ext cx="8495070" cy="1784402"/>
-          </a:xfrm>
-        </p:spPr>
-        <p:txBody>
-          <a:bodyPr anchor="b">
-            <a:normAutofit/>
-          </a:bodyPr>
-          <a:lstStyle/>
-          <a:p>
-            <a:r>
-              <a:rPr lang="en-US">
-                <a:solidFill>
-                  <a:srgbClr val="FFFFFF"/>
-                </a:solidFill>
-              </a:rPr>
-              <a:t>Security in Salesforce</a:t>
-            </a:r>
-          </a:p>
-        </p:txBody>
-      </p:sp>
-      <p:sp>
-        <p:nvSpPr>
-          <p:cNvPr id="3" name="Subtitle 2">
-            <a:extLst>
-              <a:ext uri="{FF2B5EF4-FFF2-40B4-BE49-F238E27FC236}">
-                <a16:creationId xmlns:a16="http://schemas.microsoft.com/office/drawing/2014/main" id="{EFE1DF4A-B191-4F18-AD7F-842D87B998D8}"/>
-              </a:ext>
-            </a:extLst>
-          </p:cNvPr>
-          <p:cNvSpPr>
-            <a:spLocks noGrp="1"/>
-          </p:cNvSpPr>
-          <p:nvPr>
-            <p:ph type="subTitle" idx="1"/>
-          </p:nvPr>
-        </p:nvSpPr>
-        <p:spPr>
-          <a:xfrm>
-            <a:off x="1848465" y="5258851"/>
-            <a:ext cx="8495070" cy="904005"/>
-          </a:xfrm>
-        </p:spPr>
-        <p:txBody>
-          <a:bodyPr>
-            <a:normAutofit/>
-          </a:bodyPr>
-          <a:lstStyle/>
-          <a:p>
-            <a:r>
-              <a:rPr lang="en-US">
-                <a:solidFill>
-                  <a:srgbClr val="FFFFFF"/>
-                </a:solidFill>
-              </a:rPr>
-              <a:t>How security works behind the scene</a:t>
-            </a:r>
-          </a:p>
-        </p:txBody>
-      </p:sp>
-      <p:sp>
-        <p:nvSpPr>
-          <p:cNvPr id="12" name="Oval 11">
-            <a:extLst>
-              <a:ext uri="{FF2B5EF4-FFF2-40B4-BE49-F238E27FC236}">
-                <a16:creationId xmlns:a16="http://schemas.microsoft.com/office/drawing/2014/main" id="{CD7549B2-EE05-4558-8C64-AC46755F2B25}"/>
+                <a16:creationId xmlns:a16="http://schemas.microsoft.com/office/drawing/2014/main" id="{A085B63A-2D2F-4B09-9BFB-E2080686CEE0}"/>
               </a:ext>
               <a:ext uri="{C183D7F6-B498-43B3-948B-1728B52AA6E4}">
                 <adec:decorative xmlns:adec="http://schemas.microsoft.com/office/drawing/2017/decorative" val="1"/>
@@ -6083,19 +7768,258 @@
         </p:nvSpPr>
         <p:spPr>
           <a:xfrm>
-            <a:off x="5025914" y="889251"/>
-            <a:ext cx="2140172" cy="2140172"/>
+            <a:off x="6266810" y="5448626"/>
+            <a:ext cx="5925190" cy="1409374"/>
           </a:xfrm>
-          <a:prstGeom prst="ellipse">
+          <a:custGeom>
+            <a:avLst/>
+            <a:gdLst>
+              <a:gd name="connsiteX0" fmla="*/ 652725 w 5925190"/>
+              <a:gd name="connsiteY0" fmla="*/ 0 h 1409374"/>
+              <a:gd name="connsiteX1" fmla="*/ 5925190 w 5925190"/>
+              <a:gd name="connsiteY1" fmla="*/ 0 h 1409374"/>
+              <a:gd name="connsiteX2" fmla="*/ 5925190 w 5925190"/>
+              <a:gd name="connsiteY2" fmla="*/ 1409374 h 1409374"/>
+              <a:gd name="connsiteX3" fmla="*/ 0 w 5925190"/>
+              <a:gd name="connsiteY3" fmla="*/ 1409374 h 1409374"/>
+            </a:gdLst>
+            <a:ahLst/>
+            <a:cxnLst>
+              <a:cxn ang="0">
+                <a:pos x="connsiteX0" y="connsiteY0"/>
+              </a:cxn>
+              <a:cxn ang="0">
+                <a:pos x="connsiteX1" y="connsiteY1"/>
+              </a:cxn>
+              <a:cxn ang="0">
+                <a:pos x="connsiteX2" y="connsiteY2"/>
+              </a:cxn>
+              <a:cxn ang="0">
+                <a:pos x="connsiteX3" y="connsiteY3"/>
+              </a:cxn>
+            </a:cxnLst>
+            <a:rect l="l" t="t" r="r" b="b"/>
+            <a:pathLst>
+              <a:path w="5925190" h="1409374">
+                <a:moveTo>
+                  <a:pt x="652725" y="0"/>
+                </a:moveTo>
+                <a:lnTo>
+                  <a:pt x="5925190" y="0"/>
+                </a:lnTo>
+                <a:lnTo>
+                  <a:pt x="5925190" y="1409374"/>
+                </a:lnTo>
+                <a:lnTo>
+                  <a:pt x="0" y="1409374"/>
+                </a:lnTo>
+                <a:close/>
+              </a:path>
+            </a:pathLst>
+          </a:custGeom>
+          <a:solidFill>
+            <a:srgbClr val="595959"/>
+          </a:solidFill>
+          <a:ln>
+            <a:noFill/>
+          </a:ln>
+        </p:spPr>
+        <p:style>
+          <a:lnRef idx="2">
+            <a:schemeClr val="accent1">
+              <a:shade val="50000"/>
+            </a:schemeClr>
+          </a:lnRef>
+          <a:fillRef idx="1">
+            <a:schemeClr val="accent1"/>
+          </a:fillRef>
+          <a:effectRef idx="0">
+            <a:schemeClr val="accent1"/>
+          </a:effectRef>
+          <a:fontRef idx="minor">
+            <a:schemeClr val="lt1"/>
+          </a:fontRef>
+        </p:style>
+        <p:txBody>
+          <a:bodyPr wrap="square" rtlCol="0" anchor="ctr">
+            <a:noAutofit/>
+          </a:bodyPr>
+          <a:lstStyle/>
+          <a:p>
+            <a:pPr algn="ctr"/>
+            <a:endParaRPr lang="en-US"/>
+          </a:p>
+        </p:txBody>
+      </p:sp>
+    </p:spTree>
+    <p:extLst>
+      <p:ext uri="{BB962C8B-B14F-4D97-AF65-F5344CB8AC3E}">
+        <p14:creationId xmlns:p14="http://schemas.microsoft.com/office/powerpoint/2010/main" val="2067447185"/>
+      </p:ext>
+    </p:extLst>
+  </p:cSld>
+  <p:clrMapOvr>
+    <a:masterClrMapping/>
+  </p:clrMapOvr>
+</p:sld>
+</file>
+
+<file path=ppt/slides/slide10.xml><?xml version="1.0" encoding="utf-8"?>
+<p:sld xmlns:a="http://schemas.openxmlformats.org/drawingml/2006/main" xmlns:r="http://schemas.openxmlformats.org/officeDocument/2006/relationships" xmlns:p="http://schemas.openxmlformats.org/presentationml/2006/main">
+  <p:cSld>
+    <p:bg>
+      <p:bgPr>
+        <a:solidFill>
+          <a:schemeClr val="bg1"/>
+        </a:solidFill>
+        <a:effectLst/>
+      </p:bgPr>
+    </p:bg>
+    <p:spTree>
+      <p:nvGrpSpPr>
+        <p:cNvPr id="1" name=""/>
+        <p:cNvGrpSpPr/>
+        <p:nvPr/>
+      </p:nvGrpSpPr>
+      <p:grpSpPr>
+        <a:xfrm>
+          <a:off x="0" y="0"/>
+          <a:ext cx="0" cy="0"/>
+          <a:chOff x="0" y="0"/>
+          <a:chExt cx="0" cy="0"/>
+        </a:xfrm>
+      </p:grpSpPr>
+      <p:pic>
+        <p:nvPicPr>
+          <p:cNvPr id="3" name="Picture 2">
+            <a:extLst>
+              <a:ext uri="{FF2B5EF4-FFF2-40B4-BE49-F238E27FC236}">
+                <a16:creationId xmlns:a16="http://schemas.microsoft.com/office/drawing/2014/main" id="{7BD51F45-CF39-4FED-AB4E-FB8B70049A24}"/>
+              </a:ext>
+            </a:extLst>
+          </p:cNvPr>
+          <p:cNvPicPr>
+            <a:picLocks noChangeAspect="1"/>
+          </p:cNvPicPr>
+          <p:nvPr/>
+        </p:nvPicPr>
+        <p:blipFill rotWithShape="1">
+          <a:blip r:embed="rId2">
+            <a:extLst>
+              <a:ext uri="{28A0092B-C50C-407E-A947-70E740481C1C}">
+                <a14:useLocalDpi xmlns:a14="http://schemas.microsoft.com/office/drawing/2010/main" val="0"/>
+              </a:ext>
+            </a:extLst>
+          </a:blip>
+          <a:srcRect r="444"/>
+          <a:stretch/>
+        </p:blipFill>
+        <p:spPr>
+          <a:xfrm>
+            <a:off x="20" y="10"/>
+            <a:ext cx="12191980" cy="6857990"/>
+          </a:xfrm>
+          <a:prstGeom prst="rect">
             <a:avLst/>
           </a:prstGeom>
-          <a:solidFill>
-            <a:srgbClr val="FFFFFF"/>
-          </a:solidFill>
-          <a:ln w="19050">
-            <a:solidFill>
-              <a:schemeClr val="accent1"/>
-            </a:solidFill>
+        </p:spPr>
+      </p:pic>
+    </p:spTree>
+    <p:extLst>
+      <p:ext uri="{BB962C8B-B14F-4D97-AF65-F5344CB8AC3E}">
+        <p14:creationId xmlns:p14="http://schemas.microsoft.com/office/powerpoint/2010/main" val="2151829983"/>
+      </p:ext>
+    </p:extLst>
+  </p:cSld>
+  <p:clrMapOvr>
+    <a:masterClrMapping/>
+  </p:clrMapOvr>
+</p:sld>
+</file>
+
+<file path=ppt/slides/slide11.xml><?xml version="1.0" encoding="utf-8"?>
+<p:sld xmlns:a="http://schemas.openxmlformats.org/drawingml/2006/main" xmlns:r="http://schemas.openxmlformats.org/officeDocument/2006/relationships" xmlns:p="http://schemas.openxmlformats.org/presentationml/2006/main">
+  <p:cSld>
+    <p:bg>
+      <p:bgPr>
+        <a:solidFill>
+          <a:schemeClr val="bg1"/>
+        </a:solidFill>
+        <a:effectLst/>
+      </p:bgPr>
+    </p:bg>
+    <p:spTree>
+      <p:nvGrpSpPr>
+        <p:cNvPr id="1" name=""/>
+        <p:cNvGrpSpPr/>
+        <p:nvPr/>
+      </p:nvGrpSpPr>
+      <p:grpSpPr>
+        <a:xfrm>
+          <a:off x="0" y="0"/>
+          <a:ext cx="0" cy="0"/>
+          <a:chOff x="0" y="0"/>
+          <a:chExt cx="0" cy="0"/>
+        </a:xfrm>
+      </p:grpSpPr>
+      <p:sp>
+        <p:nvSpPr>
+          <p:cNvPr id="7" name="Rectangle 6">
+            <a:extLst>
+              <a:ext uri="{FF2B5EF4-FFF2-40B4-BE49-F238E27FC236}">
+                <a16:creationId xmlns:a16="http://schemas.microsoft.com/office/drawing/2014/main" id="{23962611-DFD5-4092-AAFD-559E3DFCE2C9}"/>
+              </a:ext>
+              <a:ext uri="{C183D7F6-B498-43B3-948B-1728B52AA6E4}">
+                <adec:decorative xmlns:adec="http://schemas.microsoft.com/office/drawing/2017/decorative" val="1"/>
+              </a:ext>
+            </a:extLst>
+          </p:cNvPr>
+          <p:cNvSpPr>
+            <a:spLocks noGrp="1" noRot="1" noChangeAspect="1" noMove="1" noResize="1" noEditPoints="1" noAdjustHandles="1" noChangeArrowheads="1" noChangeShapeType="1" noTextEdit="1"/>
+          </p:cNvSpPr>
+          <p:nvPr>
+            <p:extLst>
+              <p:ext uri="{386F3935-93C4-4BCD-93E2-E3B085C9AB24}">
+                <p16:designElem xmlns:p16="http://schemas.microsoft.com/office/powerpoint/2015/main" val="1"/>
+              </p:ext>
+            </p:extLst>
+          </p:nvPr>
+        </p:nvSpPr>
+        <p:spPr>
+          <a:xfrm>
+            <a:off x="475488" y="0"/>
+            <a:ext cx="10910292" cy="6858000"/>
+          </a:xfrm>
+          <a:prstGeom prst="rect">
+            <a:avLst/>
+          </a:prstGeom>
+          <a:gradFill>
+            <a:gsLst>
+              <a:gs pos="0">
+                <a:schemeClr val="accent1">
+                  <a:lumMod val="90000"/>
+                </a:schemeClr>
+              </a:gs>
+              <a:gs pos="25000">
+                <a:schemeClr val="accent1">
+                  <a:lumMod val="90000"/>
+                </a:schemeClr>
+              </a:gs>
+              <a:gs pos="94000">
+                <a:schemeClr val="bg2">
+                  <a:lumMod val="25000"/>
+                </a:schemeClr>
+              </a:gs>
+              <a:gs pos="100000">
+                <a:schemeClr val="bg2">
+                  <a:lumMod val="25000"/>
+                </a:schemeClr>
+              </a:gs>
+            </a:gsLst>
+            <a:lin ang="4200000" scaled="0"/>
+          </a:gradFill>
+          <a:ln>
+            <a:noFill/>
           </a:ln>
         </p:spPr>
         <p:style>
@@ -6118,62 +8042,39 @@
           <a:bodyPr rtlCol="0" anchor="ctr"/>
           <a:lstStyle/>
           <a:p>
-            <a:pPr marL="0" marR="0" lvl="0" indent="0" algn="ctr" defTabSz="914400" rtl="0" eaLnBrk="1" fontAlgn="auto" latinLnBrk="0" hangingPunct="1">
-              <a:lnSpc>
-                <a:spcPct val="100000"/>
-              </a:lnSpc>
-              <a:spcBef>
-                <a:spcPts val="0"/>
-              </a:spcBef>
-              <a:spcAft>
-                <a:spcPts val="0"/>
-              </a:spcAft>
-              <a:buClrTx/>
-              <a:buSzTx/>
-              <a:buFontTx/>
-              <a:buNone/>
-              <a:tabLst/>
-              <a:defRPr/>
-            </a:pPr>
-            <a:endParaRPr kumimoji="0" lang="en-US" sz="1800" b="0" i="0" u="none" strike="noStrike" kern="1200" cap="none" spc="0" normalizeH="0" baseline="0" noProof="0">
-              <a:ln>
-                <a:noFill/>
-              </a:ln>
-              <a:solidFill>
-                <a:prstClr val="white"/>
-              </a:solidFill>
-              <a:effectLst/>
-              <a:uLnTx/>
-              <a:uFillTx/>
-              <a:latin typeface="Calibri" panose="020F0502020204030204"/>
-              <a:ea typeface="+mn-ea"/>
-              <a:cs typeface="+mn-cs"/>
-            </a:endParaRPr>
+            <a:pPr algn="ctr"/>
+            <a:endParaRPr lang="en-US"/>
           </a:p>
         </p:txBody>
       </p:sp>
       <p:pic>
         <p:nvPicPr>
-          <p:cNvPr id="7" name="Graphic 6" descr="Lock">
+          <p:cNvPr id="9" name="Picture 8">
             <a:extLst>
               <a:ext uri="{FF2B5EF4-FFF2-40B4-BE49-F238E27FC236}">
-                <a16:creationId xmlns:a16="http://schemas.microsoft.com/office/drawing/2014/main" id="{C82D09E0-1254-45D0-874E-E3395210D2D8}"/>
+                <a16:creationId xmlns:a16="http://schemas.microsoft.com/office/drawing/2014/main" id="{2270F1FA-0425-408F-9861-80BF5AFB276D}"/>
+              </a:ext>
+              <a:ext uri="{C183D7F6-B498-43B3-948B-1728B52AA6E4}">
+                <adec:decorative xmlns:adec="http://schemas.microsoft.com/office/drawing/2017/decorative" val="1"/>
               </a:ext>
             </a:extLst>
           </p:cNvPr>
           <p:cNvPicPr>
-            <a:picLocks noChangeAspect="1"/>
+            <a:picLocks noGrp="1" noRot="1" noChangeAspect="1" noMove="1" noResize="1" noEditPoints="1" noAdjustHandles="1" noChangeArrowheads="1" noChangeShapeType="1" noCrop="1"/>
           </p:cNvPicPr>
-          <p:nvPr/>
+          <p:nvPr>
+            <p:extLst>
+              <p:ext uri="{386F3935-93C4-4BCD-93E2-E3B085C9AB24}">
+                <p16:designElem xmlns:p16="http://schemas.microsoft.com/office/powerpoint/2015/main" val="1"/>
+              </p:ext>
+            </p:extLst>
+          </p:nvPr>
         </p:nvPicPr>
         <p:blipFill>
           <a:blip r:embed="rId2">
             <a:extLst>
               <a:ext uri="{28A0092B-C50C-407E-A947-70E740481C1C}">
                 <a14:useLocalDpi xmlns:a14="http://schemas.microsoft.com/office/drawing/2010/main" val="0"/>
-              </a:ext>
-              <a:ext uri="{96DAC541-7B7A-43D3-8B79-37D633B846F1}">
-                <asvg:svgBlip xmlns:asvg="http://schemas.microsoft.com/office/drawing/2016/SVG/main" r:embed="rId3"/>
               </a:ext>
             </a:extLst>
           </a:blip>
@@ -6183,18 +8084,61 @@
         </p:blipFill>
         <p:spPr>
           <a:xfrm>
-            <a:off x="5508264" y="1371601"/>
-            <a:ext cx="1175474" cy="1175474"/>
+            <a:off x="0" y="0"/>
+            <a:ext cx="12192000" cy="6858000"/>
           </a:xfrm>
           <a:prstGeom prst="rect">
             <a:avLst/>
           </a:prstGeom>
         </p:spPr>
       </p:pic>
+      <p:sp>
+        <p:nvSpPr>
+          <p:cNvPr id="2" name="Title 1">
+            <a:extLst>
+              <a:ext uri="{FF2B5EF4-FFF2-40B4-BE49-F238E27FC236}">
+                <a16:creationId xmlns:a16="http://schemas.microsoft.com/office/drawing/2014/main" id="{58926951-6805-4B09-92C7-8E644494A662}"/>
+              </a:ext>
+            </a:extLst>
+          </p:cNvPr>
+          <p:cNvSpPr>
+            <a:spLocks noGrp="1"/>
+          </p:cNvSpPr>
+          <p:nvPr>
+            <p:ph type="title"/>
+          </p:nvPr>
+        </p:nvSpPr>
+        <p:spPr>
+          <a:xfrm>
+            <a:off x="3045368" y="2043663"/>
+            <a:ext cx="6105194" cy="2031055"/>
+          </a:xfrm>
+        </p:spPr>
+        <p:txBody>
+          <a:bodyPr vert="horz" lIns="91440" tIns="45720" rIns="91440" bIns="45720" rtlCol="0" anchor="b">
+            <a:normAutofit/>
+          </a:bodyPr>
+          <a:lstStyle/>
+          <a:p>
+            <a:pPr algn="ctr"/>
+            <a:r>
+              <a:rPr lang="en-US" sz="6000" kern="1200" dirty="0">
+                <a:solidFill>
+                  <a:srgbClr val="FFFFFF"/>
+                </a:solidFill>
+                <a:latin typeface="+mj-lt"/>
+                <a:ea typeface="+mj-ea"/>
+                <a:cs typeface="+mj-cs"/>
+              </a:rPr>
+              <a:t>Questions ?</a:t>
+            </a:r>
+          </a:p>
+        </p:txBody>
+      </p:sp>
     </p:spTree>
     <p:extLst>
       <p:ext uri="{BB962C8B-B14F-4D97-AF65-F5344CB8AC3E}">
-        <p14:creationId xmlns:p14="http://schemas.microsoft.com/office/powerpoint/2010/main" val="2067447185"/>
+        <p14:creationId xmlns:p14="http://schemas.microsoft.com/office/powerpoint/2010/main" val="2400992664"/>
       </p:ext>
     </p:extLst>
   </p:cSld>
@@ -6229,12 +8173,12 @@
           <a:chExt cx="0" cy="0"/>
         </a:xfrm>
       </p:grpSpPr>
-      <p:sp>
+      <p:sp useBgFill="1">
         <p:nvSpPr>
-          <p:cNvPr id="10" name="Freeform: Shape 9">
+          <p:cNvPr id="18" name="Rectangle 14">
             <a:extLst>
               <a:ext uri="{FF2B5EF4-FFF2-40B4-BE49-F238E27FC236}">
-                <a16:creationId xmlns:a16="http://schemas.microsoft.com/office/drawing/2014/main" id="{46C2E80F-49A6-4372-B103-219D417A55ED}"/>
+                <a16:creationId xmlns:a16="http://schemas.microsoft.com/office/drawing/2014/main" id="{A86810C3-C298-44C3-92CA-BD5A86ED0080}"/>
               </a:ext>
               <a:ext uri="{C183D7F6-B498-43B3-948B-1728B52AA6E4}">
                 <adec:decorative xmlns:adec="http://schemas.microsoft.com/office/drawing/2017/decorative" val="1"/>
@@ -6254,106 +8198,1876 @@
         </p:nvSpPr>
         <p:spPr>
           <a:xfrm>
-            <a:off x="484096" y="470925"/>
-            <a:ext cx="4381009" cy="5892104"/>
+            <a:off x="0" y="0"/>
+            <a:ext cx="12188952" cy="6858000"/>
+          </a:xfrm>
+          <a:prstGeom prst="rect">
+            <a:avLst/>
+          </a:prstGeom>
+          <a:ln>
+            <a:noFill/>
+          </a:ln>
+        </p:spPr>
+        <p:style>
+          <a:lnRef idx="2">
+            <a:schemeClr val="accent1">
+              <a:shade val="50000"/>
+            </a:schemeClr>
+          </a:lnRef>
+          <a:fillRef idx="1">
+            <a:schemeClr val="accent1"/>
+          </a:fillRef>
+          <a:effectRef idx="0">
+            <a:schemeClr val="accent1"/>
+          </a:effectRef>
+          <a:fontRef idx="minor">
+            <a:schemeClr val="lt1"/>
+          </a:fontRef>
+        </p:style>
+        <p:txBody>
+          <a:bodyPr rtlCol="0" anchor="ctr"/>
+          <a:lstStyle/>
+          <a:p>
+            <a:pPr algn="ctr"/>
+            <a:endParaRPr lang="en-US"/>
+          </a:p>
+        </p:txBody>
+      </p:sp>
+      <p:sp>
+        <p:nvSpPr>
+          <p:cNvPr id="17" name="Freeform 6">
+            <a:extLst>
+              <a:ext uri="{FF2B5EF4-FFF2-40B4-BE49-F238E27FC236}">
+                <a16:creationId xmlns:a16="http://schemas.microsoft.com/office/drawing/2014/main" id="{F7601584-A76E-4602-BFC1-88D9287A8FBA}"/>
+              </a:ext>
+              <a:ext uri="{C183D7F6-B498-43B3-948B-1728B52AA6E4}">
+                <adec:decorative xmlns:adec="http://schemas.microsoft.com/office/drawing/2017/decorative" val="1"/>
+              </a:ext>
+            </a:extLst>
+          </p:cNvPr>
+          <p:cNvSpPr>
+            <a:spLocks noGrp="1" noRot="1" noChangeAspect="1" noMove="1" noResize="1" noEditPoints="1" noAdjustHandles="1" noChangeArrowheads="1" noChangeShapeType="1" noTextEdit="1"/>
+          </p:cNvSpPr>
+          <p:nvPr>
+            <p:extLst>
+              <p:ext uri="{386F3935-93C4-4BCD-93E2-E3B085C9AB24}">
+                <p16:designElem xmlns:p16="http://schemas.microsoft.com/office/powerpoint/2015/main" val="1"/>
+              </p:ext>
+            </p:extLst>
+          </p:nvPr>
+        </p:nvSpPr>
+        <p:spPr bwMode="auto">
+          <a:xfrm>
+            <a:off x="3366751" y="1601239"/>
+            <a:ext cx="687754" cy="3820236"/>
           </a:xfrm>
           <a:custGeom>
             <a:avLst/>
             <a:gdLst>
-              <a:gd name="connsiteX0" fmla="*/ 0 w 4381009"/>
-              <a:gd name="connsiteY0" fmla="*/ 0 h 5892104"/>
-              <a:gd name="connsiteX1" fmla="*/ 4157628 w 4381009"/>
-              <a:gd name="connsiteY1" fmla="*/ 0 h 5892104"/>
-              <a:gd name="connsiteX2" fmla="*/ 4169302 w 4381009"/>
-              <a:gd name="connsiteY2" fmla="*/ 68659 h 5892104"/>
-              <a:gd name="connsiteX3" fmla="*/ 4191571 w 4381009"/>
-              <a:gd name="connsiteY3" fmla="*/ 205472 h 5892104"/>
-              <a:gd name="connsiteX4" fmla="*/ 4213368 w 4381009"/>
-              <a:gd name="connsiteY4" fmla="*/ 342890 h 5892104"/>
-              <a:gd name="connsiteX5" fmla="*/ 4232030 w 4381009"/>
-              <a:gd name="connsiteY5" fmla="*/ 480913 h 5892104"/>
-              <a:gd name="connsiteX6" fmla="*/ 4250848 w 4381009"/>
-              <a:gd name="connsiteY6" fmla="*/ 618332 h 5892104"/>
-              <a:gd name="connsiteX7" fmla="*/ 4268412 w 4381009"/>
-              <a:gd name="connsiteY7" fmla="*/ 756355 h 5892104"/>
-              <a:gd name="connsiteX8" fmla="*/ 4283467 w 4381009"/>
-              <a:gd name="connsiteY8" fmla="*/ 892563 h 5892104"/>
-              <a:gd name="connsiteX9" fmla="*/ 4297737 w 4381009"/>
-              <a:gd name="connsiteY9" fmla="*/ 1030587 h 5892104"/>
-              <a:gd name="connsiteX10" fmla="*/ 4310754 w 4381009"/>
-              <a:gd name="connsiteY10" fmla="*/ 1168005 h 5892104"/>
-              <a:gd name="connsiteX11" fmla="*/ 4322045 w 4381009"/>
-              <a:gd name="connsiteY11" fmla="*/ 1303002 h 5892104"/>
-              <a:gd name="connsiteX12" fmla="*/ 4333336 w 4381009"/>
-              <a:gd name="connsiteY12" fmla="*/ 1439815 h 5892104"/>
-              <a:gd name="connsiteX13" fmla="*/ 4342745 w 4381009"/>
-              <a:gd name="connsiteY13" fmla="*/ 1574812 h 5892104"/>
-              <a:gd name="connsiteX14" fmla="*/ 4350115 w 4381009"/>
-              <a:gd name="connsiteY14" fmla="*/ 1709808 h 5892104"/>
-              <a:gd name="connsiteX15" fmla="*/ 4357799 w 4381009"/>
-              <a:gd name="connsiteY15" fmla="*/ 1844200 h 5892104"/>
-              <a:gd name="connsiteX16" fmla="*/ 4364229 w 4381009"/>
-              <a:gd name="connsiteY16" fmla="*/ 1977381 h 5892104"/>
-              <a:gd name="connsiteX17" fmla="*/ 4368777 w 4381009"/>
-              <a:gd name="connsiteY17" fmla="*/ 2109351 h 5892104"/>
-              <a:gd name="connsiteX18" fmla="*/ 4372697 w 4381009"/>
-              <a:gd name="connsiteY18" fmla="*/ 2241321 h 5892104"/>
-              <a:gd name="connsiteX19" fmla="*/ 4376461 w 4381009"/>
-              <a:gd name="connsiteY19" fmla="*/ 2372080 h 5892104"/>
-              <a:gd name="connsiteX20" fmla="*/ 4378186 w 4381009"/>
-              <a:gd name="connsiteY20" fmla="*/ 2501023 h 5892104"/>
-              <a:gd name="connsiteX21" fmla="*/ 4380068 w 4381009"/>
-              <a:gd name="connsiteY21" fmla="*/ 2629966 h 5892104"/>
-              <a:gd name="connsiteX22" fmla="*/ 4381009 w 4381009"/>
-              <a:gd name="connsiteY22" fmla="*/ 2757093 h 5892104"/>
-              <a:gd name="connsiteX23" fmla="*/ 4380068 w 4381009"/>
-              <a:gd name="connsiteY23" fmla="*/ 2883010 h 5892104"/>
-              <a:gd name="connsiteX24" fmla="*/ 4380068 w 4381009"/>
-              <a:gd name="connsiteY24" fmla="*/ 3007715 h 5892104"/>
-              <a:gd name="connsiteX25" fmla="*/ 4378186 w 4381009"/>
-              <a:gd name="connsiteY25" fmla="*/ 3131210 h 5892104"/>
-              <a:gd name="connsiteX26" fmla="*/ 4375363 w 4381009"/>
-              <a:gd name="connsiteY26" fmla="*/ 3252283 h 5892104"/>
-              <a:gd name="connsiteX27" fmla="*/ 4372697 w 4381009"/>
-              <a:gd name="connsiteY27" fmla="*/ 3372146 h 5892104"/>
-              <a:gd name="connsiteX28" fmla="*/ 4369718 w 4381009"/>
-              <a:gd name="connsiteY28" fmla="*/ 3489587 h 5892104"/>
-              <a:gd name="connsiteX29" fmla="*/ 4365170 w 4381009"/>
-              <a:gd name="connsiteY29" fmla="*/ 3606423 h 5892104"/>
-              <a:gd name="connsiteX30" fmla="*/ 4360309 w 4381009"/>
-              <a:gd name="connsiteY30" fmla="*/ 3721443 h 5892104"/>
-              <a:gd name="connsiteX31" fmla="*/ 4355918 w 4381009"/>
-              <a:gd name="connsiteY31" fmla="*/ 3834041 h 5892104"/>
-              <a:gd name="connsiteX32" fmla="*/ 4343529 w 4381009"/>
-              <a:gd name="connsiteY32" fmla="*/ 4053789 h 5892104"/>
-              <a:gd name="connsiteX33" fmla="*/ 4330356 w 4381009"/>
-              <a:gd name="connsiteY33" fmla="*/ 4264457 h 5892104"/>
-              <a:gd name="connsiteX34" fmla="*/ 4316556 w 4381009"/>
-              <a:gd name="connsiteY34" fmla="*/ 4466650 h 5892104"/>
-              <a:gd name="connsiteX35" fmla="*/ 4301344 w 4381009"/>
-              <a:gd name="connsiteY35" fmla="*/ 4657946 h 5892104"/>
-              <a:gd name="connsiteX36" fmla="*/ 4285506 w 4381009"/>
-              <a:gd name="connsiteY36" fmla="*/ 4840767 h 5892104"/>
-              <a:gd name="connsiteX37" fmla="*/ 4268412 w 4381009"/>
-              <a:gd name="connsiteY37" fmla="*/ 5010269 h 5892104"/>
-              <a:gd name="connsiteX38" fmla="*/ 4251633 w 4381009"/>
-              <a:gd name="connsiteY38" fmla="*/ 5169481 h 5892104"/>
-              <a:gd name="connsiteX39" fmla="*/ 4234853 w 4381009"/>
-              <a:gd name="connsiteY39" fmla="*/ 5315980 h 5892104"/>
-              <a:gd name="connsiteX40" fmla="*/ 4219014 w 4381009"/>
-              <a:gd name="connsiteY40" fmla="*/ 5450371 h 5892104"/>
-              <a:gd name="connsiteX41" fmla="*/ 4203959 w 4381009"/>
-              <a:gd name="connsiteY41" fmla="*/ 5569628 h 5892104"/>
-              <a:gd name="connsiteX42" fmla="*/ 4189689 w 4381009"/>
-              <a:gd name="connsiteY42" fmla="*/ 5677384 h 5892104"/>
-              <a:gd name="connsiteX43" fmla="*/ 4177770 w 4381009"/>
-              <a:gd name="connsiteY43" fmla="*/ 5768189 h 5892104"/>
-              <a:gd name="connsiteX44" fmla="*/ 4166479 w 4381009"/>
-              <a:gd name="connsiteY44" fmla="*/ 5844465 h 5892104"/>
-              <a:gd name="connsiteX45" fmla="*/ 4159132 w 4381009"/>
-              <a:gd name="connsiteY45" fmla="*/ 5892104 h 5892104"/>
-              <a:gd name="connsiteX46" fmla="*/ 0 w 4381009"/>
-              <a:gd name="connsiteY46" fmla="*/ 5892104 h 5892104"/>
+              <a:gd name="T0" fmla="*/ 414 w 414"/>
+              <a:gd name="T1" fmla="*/ 2447 h 2447"/>
+              <a:gd name="T2" fmla="*/ 0 w 414"/>
+              <a:gd name="T3" fmla="*/ 2247 h 2447"/>
+              <a:gd name="T4" fmla="*/ 0 w 414"/>
+              <a:gd name="T5" fmla="*/ 0 h 2447"/>
+              <a:gd name="T6" fmla="*/ 414 w 414"/>
+              <a:gd name="T7" fmla="*/ 200 h 2447"/>
+              <a:gd name="T8" fmla="*/ 414 w 414"/>
+              <a:gd name="T9" fmla="*/ 2447 h 2447"/>
+            </a:gdLst>
+            <a:ahLst/>
+            <a:cxnLst>
+              <a:cxn ang="0">
+                <a:pos x="T0" y="T1"/>
+              </a:cxn>
+              <a:cxn ang="0">
+                <a:pos x="T2" y="T3"/>
+              </a:cxn>
+              <a:cxn ang="0">
+                <a:pos x="T4" y="T5"/>
+              </a:cxn>
+              <a:cxn ang="0">
+                <a:pos x="T6" y="T7"/>
+              </a:cxn>
+              <a:cxn ang="0">
+                <a:pos x="T8" y="T9"/>
+              </a:cxn>
+            </a:cxnLst>
+            <a:rect l="0" t="0" r="r" b="b"/>
+            <a:pathLst>
+              <a:path w="414" h="2447">
+                <a:moveTo>
+                  <a:pt x="414" y="2447"/>
+                </a:moveTo>
+                <a:lnTo>
+                  <a:pt x="0" y="2247"/>
+                </a:lnTo>
+                <a:lnTo>
+                  <a:pt x="0" y="0"/>
+                </a:lnTo>
+                <a:lnTo>
+                  <a:pt x="414" y="200"/>
+                </a:lnTo>
+                <a:lnTo>
+                  <a:pt x="414" y="2447"/>
+                </a:lnTo>
+                <a:close/>
+              </a:path>
+            </a:pathLst>
+          </a:custGeom>
+          <a:solidFill>
+            <a:schemeClr val="accent1">
+              <a:lumMod val="75000"/>
+            </a:schemeClr>
+          </a:solidFill>
+          <a:ln>
+            <a:noFill/>
+          </a:ln>
+        </p:spPr>
+        <p:txBody>
+          <a:bodyPr vert="horz" wrap="square" lIns="91440" tIns="45720" rIns="91440" bIns="45720" numCol="1" anchor="t" anchorCtr="0" compatLnSpc="1">
+            <a:prstTxWarp prst="textNoShape">
+              <a:avLst/>
+            </a:prstTxWarp>
+          </a:bodyPr>
+          <a:lstStyle/>
+          <a:p>
+            <a:endParaRPr lang="en-US"/>
+          </a:p>
+        </p:txBody>
+      </p:sp>
+      <p:sp>
+        <p:nvSpPr>
+          <p:cNvPr id="19" name="Freeform 7">
+            <a:extLst>
+              <a:ext uri="{FF2B5EF4-FFF2-40B4-BE49-F238E27FC236}">
+                <a16:creationId xmlns:a16="http://schemas.microsoft.com/office/drawing/2014/main" id="{6F7712DF-6595-4731-B1F6-CF856713DFA2}"/>
+              </a:ext>
+              <a:ext uri="{C183D7F6-B498-43B3-948B-1728B52AA6E4}">
+                <adec:decorative xmlns:adec="http://schemas.microsoft.com/office/drawing/2017/decorative" val="1"/>
+              </a:ext>
+            </a:extLst>
+          </p:cNvPr>
+          <p:cNvSpPr>
+            <a:spLocks noGrp="1" noRot="1" noChangeAspect="1" noMove="1" noResize="1" noEditPoints="1" noAdjustHandles="1" noChangeArrowheads="1" noChangeShapeType="1" noTextEdit="1"/>
+          </p:cNvSpPr>
+          <p:nvPr>
+            <p:extLst>
+              <p:ext uri="{386F3935-93C4-4BCD-93E2-E3B085C9AB24}">
+                <p16:designElem xmlns:p16="http://schemas.microsoft.com/office/powerpoint/2015/main" val="1"/>
+              </p:ext>
+            </p:extLst>
+          </p:nvPr>
+        </p:nvSpPr>
+        <p:spPr bwMode="auto">
+          <a:xfrm>
+            <a:off x="3366751" y="1416840"/>
+            <a:ext cx="347200" cy="3699705"/>
+          </a:xfrm>
+          <a:custGeom>
+            <a:avLst/>
+            <a:gdLst>
+              <a:gd name="T0" fmla="*/ 209 w 209"/>
+              <a:gd name="T1" fmla="*/ 2246 h 2358"/>
+              <a:gd name="T2" fmla="*/ 0 w 209"/>
+              <a:gd name="T3" fmla="*/ 2358 h 2358"/>
+              <a:gd name="T4" fmla="*/ 0 w 209"/>
+              <a:gd name="T5" fmla="*/ 111 h 2358"/>
+              <a:gd name="T6" fmla="*/ 209 w 209"/>
+              <a:gd name="T7" fmla="*/ 0 h 2358"/>
+              <a:gd name="T8" fmla="*/ 209 w 209"/>
+              <a:gd name="T9" fmla="*/ 2246 h 2358"/>
+            </a:gdLst>
+            <a:ahLst/>
+            <a:cxnLst>
+              <a:cxn ang="0">
+                <a:pos x="T0" y="T1"/>
+              </a:cxn>
+              <a:cxn ang="0">
+                <a:pos x="T2" y="T3"/>
+              </a:cxn>
+              <a:cxn ang="0">
+                <a:pos x="T4" y="T5"/>
+              </a:cxn>
+              <a:cxn ang="0">
+                <a:pos x="T6" y="T7"/>
+              </a:cxn>
+              <a:cxn ang="0">
+                <a:pos x="T8" y="T9"/>
+              </a:cxn>
+            </a:cxnLst>
+            <a:rect l="0" t="0" r="r" b="b"/>
+            <a:pathLst>
+              <a:path w="209" h="2358">
+                <a:moveTo>
+                  <a:pt x="209" y="2246"/>
+                </a:moveTo>
+                <a:lnTo>
+                  <a:pt x="0" y="2358"/>
+                </a:lnTo>
+                <a:lnTo>
+                  <a:pt x="0" y="111"/>
+                </a:lnTo>
+                <a:lnTo>
+                  <a:pt x="209" y="0"/>
+                </a:lnTo>
+                <a:lnTo>
+                  <a:pt x="209" y="2246"/>
+                </a:lnTo>
+                <a:close/>
+              </a:path>
+            </a:pathLst>
+          </a:custGeom>
+          <a:solidFill>
+            <a:schemeClr val="accent1">
+              <a:lumMod val="50000"/>
+            </a:schemeClr>
+          </a:solidFill>
+          <a:ln>
+            <a:noFill/>
+          </a:ln>
+        </p:spPr>
+        <p:txBody>
+          <a:bodyPr vert="horz" wrap="square" lIns="91440" tIns="45720" rIns="91440" bIns="45720" numCol="1" anchor="t" anchorCtr="0" compatLnSpc="1">
+            <a:prstTxWarp prst="textNoShape">
+              <a:avLst/>
+            </a:prstTxWarp>
+          </a:bodyPr>
+          <a:lstStyle/>
+          <a:p>
+            <a:endParaRPr lang="en-US"/>
+          </a:p>
+        </p:txBody>
+      </p:sp>
+      <p:sp>
+        <p:nvSpPr>
+          <p:cNvPr id="21" name="Rectangle 20">
+            <a:extLst>
+              <a:ext uri="{FF2B5EF4-FFF2-40B4-BE49-F238E27FC236}">
+                <a16:creationId xmlns:a16="http://schemas.microsoft.com/office/drawing/2014/main" id="{E6427B96-5681-4758-B27F-9840FFE79BE9}"/>
+              </a:ext>
+              <a:ext uri="{C183D7F6-B498-43B3-948B-1728B52AA6E4}">
+                <adec:decorative xmlns:adec="http://schemas.microsoft.com/office/drawing/2017/decorative" val="1"/>
+              </a:ext>
+            </a:extLst>
+          </p:cNvPr>
+          <p:cNvSpPr>
+            <a:spLocks noGrp="1" noRot="1" noChangeAspect="1" noMove="1" noResize="1" noEditPoints="1" noAdjustHandles="1" noChangeArrowheads="1" noChangeShapeType="1" noTextEdit="1"/>
+          </p:cNvSpPr>
+          <p:nvPr>
+            <p:extLst>
+              <p:ext uri="{386F3935-93C4-4BCD-93E2-E3B085C9AB24}">
+                <p16:designElem xmlns:p16="http://schemas.microsoft.com/office/powerpoint/2015/main" val="1"/>
+              </p:ext>
+            </p:extLst>
+          </p:nvPr>
+        </p:nvSpPr>
+        <p:spPr>
+          <a:xfrm>
+            <a:off x="643467" y="1410124"/>
+            <a:ext cx="3070485" cy="3509529"/>
+          </a:xfrm>
+          <a:prstGeom prst="rect">
+            <a:avLst/>
+          </a:prstGeom>
+          <a:solidFill>
+            <a:schemeClr val="accent1"/>
+          </a:solidFill>
+          <a:ln w="9525">
+            <a:noFill/>
+          </a:ln>
+        </p:spPr>
+        <p:style>
+          <a:lnRef idx="2">
+            <a:schemeClr val="accent1">
+              <a:shade val="50000"/>
+            </a:schemeClr>
+          </a:lnRef>
+          <a:fillRef idx="1">
+            <a:schemeClr val="accent1"/>
+          </a:fillRef>
+          <a:effectRef idx="0">
+            <a:schemeClr val="accent1"/>
+          </a:effectRef>
+          <a:fontRef idx="minor">
+            <a:schemeClr val="lt1"/>
+          </a:fontRef>
+        </p:style>
+        <p:txBody>
+          <a:bodyPr rtlCol="0" anchor="ctr"/>
+          <a:lstStyle/>
+          <a:p>
+            <a:pPr algn="ctr"/>
+            <a:endParaRPr lang="en-US"/>
+          </a:p>
+        </p:txBody>
+      </p:sp>
+      <p:sp>
+        <p:nvSpPr>
+          <p:cNvPr id="2" name="Title 1">
+            <a:extLst>
+              <a:ext uri="{FF2B5EF4-FFF2-40B4-BE49-F238E27FC236}">
+                <a16:creationId xmlns:a16="http://schemas.microsoft.com/office/drawing/2014/main" id="{C107B013-09E8-4C44-9125-5AF23274B6DF}"/>
+              </a:ext>
+            </a:extLst>
+          </p:cNvPr>
+          <p:cNvSpPr>
+            <a:spLocks noGrp="1"/>
+          </p:cNvSpPr>
+          <p:nvPr>
+            <p:ph type="title"/>
+          </p:nvPr>
+        </p:nvSpPr>
+        <p:spPr>
+          <a:xfrm>
+            <a:off x="928049" y="1674628"/>
+            <a:ext cx="2586012" cy="2993065"/>
+          </a:xfrm>
+        </p:spPr>
+        <p:txBody>
+          <a:bodyPr>
+            <a:normAutofit/>
+          </a:bodyPr>
+          <a:lstStyle/>
+          <a:p>
+            <a:r>
+              <a:rPr lang="en-US" sz="3000">
+                <a:solidFill>
+                  <a:srgbClr val="FFFFFF"/>
+                </a:solidFill>
+              </a:rPr>
+              <a:t>Agenda</a:t>
+            </a:r>
+          </a:p>
+        </p:txBody>
+      </p:sp>
+      <p:graphicFrame>
+        <p:nvGraphicFramePr>
+          <p:cNvPr id="5" name="Content Placeholder 2">
+            <a:extLst>
+              <a:ext uri="{FF2B5EF4-FFF2-40B4-BE49-F238E27FC236}">
+                <a16:creationId xmlns:a16="http://schemas.microsoft.com/office/drawing/2014/main" id="{18AC4617-57B0-4EF9-AA9E-347F07084680}"/>
+              </a:ext>
+            </a:extLst>
+          </p:cNvPr>
+          <p:cNvGraphicFramePr>
+            <a:graphicFrameLocks noGrp="1"/>
+          </p:cNvGraphicFramePr>
+          <p:nvPr>
+            <p:ph idx="1"/>
+            <p:extLst>
+              <p:ext uri="{D42A27DB-BD31-4B8C-83A1-F6EECF244321}">
+                <p14:modId xmlns:p14="http://schemas.microsoft.com/office/powerpoint/2010/main" val="2948405323"/>
+              </p:ext>
+            </p:extLst>
+          </p:nvPr>
+        </p:nvGraphicFramePr>
+        <p:xfrm>
+          <a:off x="4665154" y="659219"/>
+          <a:ext cx="6880332" cy="5555314"/>
+        </p:xfrm>
+        <a:graphic>
+          <a:graphicData uri="http://schemas.openxmlformats.org/drawingml/2006/diagram">
+            <dgm:relIds xmlns:dgm="http://schemas.openxmlformats.org/drawingml/2006/diagram" xmlns:r="http://schemas.openxmlformats.org/officeDocument/2006/relationships" r:dm="rId2" r:lo="rId3" r:qs="rId4" r:cs="rId5"/>
+          </a:graphicData>
+        </a:graphic>
+      </p:graphicFrame>
+    </p:spTree>
+    <p:extLst>
+      <p:ext uri="{BB962C8B-B14F-4D97-AF65-F5344CB8AC3E}">
+        <p14:creationId xmlns:p14="http://schemas.microsoft.com/office/powerpoint/2010/main" val="1716621747"/>
+      </p:ext>
+    </p:extLst>
+  </p:cSld>
+  <p:clrMapOvr>
+    <a:masterClrMapping/>
+  </p:clrMapOvr>
+</p:sld>
+</file>
+
+<file path=ppt/slides/slide3.xml><?xml version="1.0" encoding="utf-8"?>
+<p:sld xmlns:a="http://schemas.openxmlformats.org/drawingml/2006/main" xmlns:r="http://schemas.openxmlformats.org/officeDocument/2006/relationships" xmlns:p="http://schemas.openxmlformats.org/presentationml/2006/main">
+  <p:cSld>
+    <p:bg>
+      <p:bgPr>
+        <a:solidFill>
+          <a:schemeClr val="bg1"/>
+        </a:solidFill>
+        <a:effectLst/>
+      </p:bgPr>
+    </p:bg>
+    <p:spTree>
+      <p:nvGrpSpPr>
+        <p:cNvPr id="1" name=""/>
+        <p:cNvGrpSpPr/>
+        <p:nvPr/>
+      </p:nvGrpSpPr>
+      <p:grpSpPr>
+        <a:xfrm>
+          <a:off x="0" y="0"/>
+          <a:ext cx="0" cy="0"/>
+          <a:chOff x="0" y="0"/>
+          <a:chExt cx="0" cy="0"/>
+        </a:xfrm>
+      </p:grpSpPr>
+      <p:sp useBgFill="1">
+        <p:nvSpPr>
+          <p:cNvPr id="8" name="Rectangle 7">
+            <a:extLst>
+              <a:ext uri="{FF2B5EF4-FFF2-40B4-BE49-F238E27FC236}">
+                <a16:creationId xmlns:a16="http://schemas.microsoft.com/office/drawing/2014/main" id="{26355CF0-422E-4E6A-95EA-261971F670F4}"/>
+              </a:ext>
+              <a:ext uri="{C183D7F6-B498-43B3-948B-1728B52AA6E4}">
+                <adec:decorative xmlns:adec="http://schemas.microsoft.com/office/drawing/2017/decorative" val="1"/>
+              </a:ext>
+            </a:extLst>
+          </p:cNvPr>
+          <p:cNvSpPr>
+            <a:spLocks noGrp="1" noRot="1" noChangeAspect="1" noMove="1" noResize="1" noEditPoints="1" noAdjustHandles="1" noChangeArrowheads="1" noChangeShapeType="1" noTextEdit="1"/>
+          </p:cNvSpPr>
+          <p:nvPr>
+            <p:extLst>
+              <p:ext uri="{386F3935-93C4-4BCD-93E2-E3B085C9AB24}">
+                <p16:designElem xmlns:p16="http://schemas.microsoft.com/office/powerpoint/2015/main" val="1"/>
+              </p:ext>
+            </p:extLst>
+          </p:nvPr>
+        </p:nvSpPr>
+        <p:spPr>
+          <a:xfrm>
+            <a:off x="0" y="0"/>
+            <a:ext cx="12188952" cy="6858000"/>
+          </a:xfrm>
+          <a:prstGeom prst="rect">
+            <a:avLst/>
+          </a:prstGeom>
+          <a:ln>
+            <a:noFill/>
+          </a:ln>
+        </p:spPr>
+        <p:style>
+          <a:lnRef idx="2">
+            <a:schemeClr val="accent1">
+              <a:shade val="50000"/>
+            </a:schemeClr>
+          </a:lnRef>
+          <a:fillRef idx="1">
+            <a:schemeClr val="accent1"/>
+          </a:fillRef>
+          <a:effectRef idx="0">
+            <a:schemeClr val="accent1"/>
+          </a:effectRef>
+          <a:fontRef idx="minor">
+            <a:schemeClr val="lt1"/>
+          </a:fontRef>
+        </p:style>
+        <p:txBody>
+          <a:bodyPr rtlCol="0" anchor="ctr"/>
+          <a:lstStyle/>
+          <a:p>
+            <a:pPr algn="ctr"/>
+            <a:endParaRPr lang="en-US"/>
+          </a:p>
+        </p:txBody>
+      </p:sp>
+      <p:sp>
+        <p:nvSpPr>
+          <p:cNvPr id="2" name="Title 1">
+            <a:extLst>
+              <a:ext uri="{FF2B5EF4-FFF2-40B4-BE49-F238E27FC236}">
+                <a16:creationId xmlns:a16="http://schemas.microsoft.com/office/drawing/2014/main" id="{F0447A34-D7B9-4EEC-A2C7-B2628F74B556}"/>
+              </a:ext>
+            </a:extLst>
+          </p:cNvPr>
+          <p:cNvSpPr>
+            <a:spLocks noGrp="1"/>
+          </p:cNvSpPr>
+          <p:nvPr>
+            <p:ph type="title"/>
+          </p:nvPr>
+        </p:nvSpPr>
+        <p:spPr>
+          <a:xfrm>
+            <a:off x="1106557" y="637953"/>
+            <a:ext cx="8732768" cy="3189507"/>
+          </a:xfrm>
+        </p:spPr>
+        <p:txBody>
+          <a:bodyPr vert="horz" lIns="91440" tIns="45720" rIns="91440" bIns="45720" rtlCol="0" anchor="b">
+            <a:normAutofit/>
+          </a:bodyPr>
+          <a:lstStyle/>
+          <a:p>
+            <a:r>
+              <a:rPr lang="en-US" sz="6000" kern="1200" dirty="0">
+                <a:solidFill>
+                  <a:schemeClr val="tx1">
+                    <a:lumMod val="75000"/>
+                    <a:lumOff val="25000"/>
+                  </a:schemeClr>
+                </a:solidFill>
+                <a:latin typeface="+mj-lt"/>
+                <a:ea typeface="+mj-ea"/>
+                <a:cs typeface="+mj-cs"/>
+              </a:rPr>
+              <a:t>Organization Level Access</a:t>
+            </a:r>
+          </a:p>
+        </p:txBody>
+      </p:sp>
+      <p:sp>
+        <p:nvSpPr>
+          <p:cNvPr id="10" name="Freeform 5">
+            <a:extLst>
+              <a:ext uri="{FF2B5EF4-FFF2-40B4-BE49-F238E27FC236}">
+                <a16:creationId xmlns:a16="http://schemas.microsoft.com/office/drawing/2014/main" id="{8AA5B50B-519E-4763-9EFB-2C80373D1F75}"/>
+              </a:ext>
+              <a:ext uri="{C183D7F6-B498-43B3-948B-1728B52AA6E4}">
+                <adec:decorative xmlns:adec="http://schemas.microsoft.com/office/drawing/2017/decorative" val="1"/>
+              </a:ext>
+            </a:extLst>
+          </p:cNvPr>
+          <p:cNvSpPr>
+            <a:spLocks noGrp="1" noRot="1" noChangeAspect="1" noMove="1" noResize="1" noEditPoints="1" noAdjustHandles="1" noChangeArrowheads="1" noChangeShapeType="1" noTextEdit="1"/>
+          </p:cNvSpPr>
+          <p:nvPr>
+            <p:extLst>
+              <p:ext uri="{386F3935-93C4-4BCD-93E2-E3B085C9AB24}">
+                <p16:designElem xmlns:p16="http://schemas.microsoft.com/office/powerpoint/2015/main" val="1"/>
+              </p:ext>
+            </p:extLst>
+          </p:nvPr>
+        </p:nvSpPr>
+        <p:spPr bwMode="auto">
+          <a:xfrm flipH="1">
+            <a:off x="789091" y="4356608"/>
+            <a:ext cx="542047" cy="1997227"/>
+          </a:xfrm>
+          <a:custGeom>
+            <a:avLst/>
+            <a:gdLst>
+              <a:gd name="T0" fmla="*/ 491 w 491"/>
+              <a:gd name="T1" fmla="*/ 2247 h 2732"/>
+              <a:gd name="T2" fmla="*/ 0 w 491"/>
+              <a:gd name="T3" fmla="*/ 2732 h 2732"/>
+              <a:gd name="T4" fmla="*/ 0 w 491"/>
+              <a:gd name="T5" fmla="*/ 486 h 2732"/>
+              <a:gd name="T6" fmla="*/ 491 w 491"/>
+              <a:gd name="T7" fmla="*/ 0 h 2732"/>
+              <a:gd name="T8" fmla="*/ 491 w 491"/>
+              <a:gd name="T9" fmla="*/ 2247 h 2732"/>
+            </a:gdLst>
+            <a:ahLst/>
+            <a:cxnLst>
+              <a:cxn ang="0">
+                <a:pos x="T0" y="T1"/>
+              </a:cxn>
+              <a:cxn ang="0">
+                <a:pos x="T2" y="T3"/>
+              </a:cxn>
+              <a:cxn ang="0">
+                <a:pos x="T4" y="T5"/>
+              </a:cxn>
+              <a:cxn ang="0">
+                <a:pos x="T6" y="T7"/>
+              </a:cxn>
+              <a:cxn ang="0">
+                <a:pos x="T8" y="T9"/>
+              </a:cxn>
+            </a:cxnLst>
+            <a:rect l="0" t="0" r="r" b="b"/>
+            <a:pathLst>
+              <a:path w="491" h="2732">
+                <a:moveTo>
+                  <a:pt x="491" y="2247"/>
+                </a:moveTo>
+                <a:lnTo>
+                  <a:pt x="0" y="2732"/>
+                </a:lnTo>
+                <a:lnTo>
+                  <a:pt x="0" y="486"/>
+                </a:lnTo>
+                <a:lnTo>
+                  <a:pt x="491" y="0"/>
+                </a:lnTo>
+                <a:lnTo>
+                  <a:pt x="491" y="2247"/>
+                </a:lnTo>
+                <a:close/>
+              </a:path>
+            </a:pathLst>
+          </a:custGeom>
+          <a:solidFill>
+            <a:schemeClr val="accent1">
+              <a:lumMod val="50000"/>
+            </a:schemeClr>
+          </a:solidFill>
+          <a:ln>
+            <a:noFill/>
+          </a:ln>
+        </p:spPr>
+        <p:txBody>
+          <a:bodyPr vert="horz" wrap="square" lIns="91440" tIns="45720" rIns="91440" bIns="45720" numCol="1" anchor="t" anchorCtr="0" compatLnSpc="1">
+            <a:prstTxWarp prst="textNoShape">
+              <a:avLst/>
+            </a:prstTxWarp>
+          </a:bodyPr>
+          <a:lstStyle/>
+          <a:p>
+            <a:endParaRPr lang="en-US" dirty="0"/>
+          </a:p>
+        </p:txBody>
+      </p:sp>
+      <p:sp>
+        <p:nvSpPr>
+          <p:cNvPr id="12" name="Freeform 6">
+            <a:extLst>
+              <a:ext uri="{FF2B5EF4-FFF2-40B4-BE49-F238E27FC236}">
+                <a16:creationId xmlns:a16="http://schemas.microsoft.com/office/drawing/2014/main" id="{298FD7FF-CB14-4A07-B879-0731A18473E7}"/>
+              </a:ext>
+              <a:ext uri="{C183D7F6-B498-43B3-948B-1728B52AA6E4}">
+                <adec:decorative xmlns:adec="http://schemas.microsoft.com/office/drawing/2017/decorative" val="1"/>
+              </a:ext>
+            </a:extLst>
+          </p:cNvPr>
+          <p:cNvSpPr>
+            <a:spLocks noGrp="1" noRot="1" noChangeAspect="1" noMove="1" noResize="1" noEditPoints="1" noAdjustHandles="1" noChangeArrowheads="1" noChangeShapeType="1" noTextEdit="1"/>
+          </p:cNvSpPr>
+          <p:nvPr>
+            <p:extLst>
+              <p:ext uri="{386F3935-93C4-4BCD-93E2-E3B085C9AB24}">
+                <p16:designElem xmlns:p16="http://schemas.microsoft.com/office/powerpoint/2015/main" val="1"/>
+              </p:ext>
+            </p:extLst>
+          </p:nvPr>
+        </p:nvSpPr>
+        <p:spPr bwMode="auto">
+          <a:xfrm flipH="1">
+            <a:off x="783841" y="4214476"/>
+            <a:ext cx="369761" cy="1783236"/>
+          </a:xfrm>
+          <a:custGeom>
+            <a:avLst/>
+            <a:gdLst>
+              <a:gd name="T0" fmla="*/ 414 w 414"/>
+              <a:gd name="T1" fmla="*/ 2447 h 2447"/>
+              <a:gd name="T2" fmla="*/ 0 w 414"/>
+              <a:gd name="T3" fmla="*/ 2247 h 2447"/>
+              <a:gd name="T4" fmla="*/ 0 w 414"/>
+              <a:gd name="T5" fmla="*/ 0 h 2447"/>
+              <a:gd name="T6" fmla="*/ 414 w 414"/>
+              <a:gd name="T7" fmla="*/ 200 h 2447"/>
+              <a:gd name="T8" fmla="*/ 414 w 414"/>
+              <a:gd name="T9" fmla="*/ 2447 h 2447"/>
+            </a:gdLst>
+            <a:ahLst/>
+            <a:cxnLst>
+              <a:cxn ang="0">
+                <a:pos x="T0" y="T1"/>
+              </a:cxn>
+              <a:cxn ang="0">
+                <a:pos x="T2" y="T3"/>
+              </a:cxn>
+              <a:cxn ang="0">
+                <a:pos x="T4" y="T5"/>
+              </a:cxn>
+              <a:cxn ang="0">
+                <a:pos x="T6" y="T7"/>
+              </a:cxn>
+              <a:cxn ang="0">
+                <a:pos x="T8" y="T9"/>
+              </a:cxn>
+            </a:cxnLst>
+            <a:rect l="0" t="0" r="r" b="b"/>
+            <a:pathLst>
+              <a:path w="414" h="2447">
+                <a:moveTo>
+                  <a:pt x="414" y="2447"/>
+                </a:moveTo>
+                <a:lnTo>
+                  <a:pt x="0" y="2247"/>
+                </a:lnTo>
+                <a:lnTo>
+                  <a:pt x="0" y="0"/>
+                </a:lnTo>
+                <a:lnTo>
+                  <a:pt x="414" y="200"/>
+                </a:lnTo>
+                <a:lnTo>
+                  <a:pt x="414" y="2447"/>
+                </a:lnTo>
+                <a:close/>
+              </a:path>
+            </a:pathLst>
+          </a:custGeom>
+          <a:solidFill>
+            <a:schemeClr val="accent1">
+              <a:lumMod val="75000"/>
+            </a:schemeClr>
+          </a:solidFill>
+          <a:ln>
+            <a:noFill/>
+          </a:ln>
+        </p:spPr>
+        <p:txBody>
+          <a:bodyPr vert="horz" wrap="square" lIns="91440" tIns="45720" rIns="91440" bIns="45720" numCol="1" anchor="t" anchorCtr="0" compatLnSpc="1">
+            <a:prstTxWarp prst="textNoShape">
+              <a:avLst/>
+            </a:prstTxWarp>
+          </a:bodyPr>
+          <a:lstStyle/>
+          <a:p>
+            <a:endParaRPr lang="en-US"/>
+          </a:p>
+        </p:txBody>
+      </p:sp>
+      <p:sp>
+        <p:nvSpPr>
+          <p:cNvPr id="14" name="Freeform 7">
+            <a:extLst>
+              <a:ext uri="{FF2B5EF4-FFF2-40B4-BE49-F238E27FC236}">
+                <a16:creationId xmlns:a16="http://schemas.microsoft.com/office/drawing/2014/main" id="{CA0D5741-1590-4555-A7A7-DC9B4E2EE457}"/>
+              </a:ext>
+              <a:ext uri="{C183D7F6-B498-43B3-948B-1728B52AA6E4}">
+                <adec:decorative xmlns:adec="http://schemas.microsoft.com/office/drawing/2017/decorative" val="1"/>
+              </a:ext>
+            </a:extLst>
+          </p:cNvPr>
+          <p:cNvSpPr>
+            <a:spLocks noGrp="1" noRot="1" noChangeAspect="1" noMove="1" noResize="1" noEditPoints="1" noAdjustHandles="1" noChangeArrowheads="1" noChangeShapeType="1" noTextEdit="1"/>
+          </p:cNvSpPr>
+          <p:nvPr>
+            <p:extLst>
+              <p:ext uri="{386F3935-93C4-4BCD-93E2-E3B085C9AB24}">
+                <p16:designElem xmlns:p16="http://schemas.microsoft.com/office/powerpoint/2015/main" val="1"/>
+              </p:ext>
+            </p:extLst>
+          </p:nvPr>
+        </p:nvSpPr>
+        <p:spPr bwMode="auto">
+          <a:xfrm flipH="1">
+            <a:off x="951746" y="4122185"/>
+            <a:ext cx="201857" cy="1727743"/>
+          </a:xfrm>
+          <a:custGeom>
+            <a:avLst/>
+            <a:gdLst>
+              <a:gd name="T0" fmla="*/ 209 w 209"/>
+              <a:gd name="T1" fmla="*/ 2246 h 2358"/>
+              <a:gd name="T2" fmla="*/ 0 w 209"/>
+              <a:gd name="T3" fmla="*/ 2358 h 2358"/>
+              <a:gd name="T4" fmla="*/ 0 w 209"/>
+              <a:gd name="T5" fmla="*/ 111 h 2358"/>
+              <a:gd name="T6" fmla="*/ 209 w 209"/>
+              <a:gd name="T7" fmla="*/ 0 h 2358"/>
+              <a:gd name="T8" fmla="*/ 209 w 209"/>
+              <a:gd name="T9" fmla="*/ 2246 h 2358"/>
+            </a:gdLst>
+            <a:ahLst/>
+            <a:cxnLst>
+              <a:cxn ang="0">
+                <a:pos x="T0" y="T1"/>
+              </a:cxn>
+              <a:cxn ang="0">
+                <a:pos x="T2" y="T3"/>
+              </a:cxn>
+              <a:cxn ang="0">
+                <a:pos x="T4" y="T5"/>
+              </a:cxn>
+              <a:cxn ang="0">
+                <a:pos x="T6" y="T7"/>
+              </a:cxn>
+              <a:cxn ang="0">
+                <a:pos x="T8" y="T9"/>
+              </a:cxn>
+            </a:cxnLst>
+            <a:rect l="0" t="0" r="r" b="b"/>
+            <a:pathLst>
+              <a:path w="209" h="2358">
+                <a:moveTo>
+                  <a:pt x="209" y="2246"/>
+                </a:moveTo>
+                <a:lnTo>
+                  <a:pt x="0" y="2358"/>
+                </a:lnTo>
+                <a:lnTo>
+                  <a:pt x="0" y="111"/>
+                </a:lnTo>
+                <a:lnTo>
+                  <a:pt x="209" y="0"/>
+                </a:lnTo>
+                <a:lnTo>
+                  <a:pt x="209" y="2246"/>
+                </a:lnTo>
+                <a:close/>
+              </a:path>
+            </a:pathLst>
+          </a:custGeom>
+          <a:solidFill>
+            <a:schemeClr val="accent1">
+              <a:lumMod val="50000"/>
+            </a:schemeClr>
+          </a:solidFill>
+          <a:ln>
+            <a:noFill/>
+          </a:ln>
+        </p:spPr>
+        <p:txBody>
+          <a:bodyPr vert="horz" wrap="square" lIns="91440" tIns="45720" rIns="91440" bIns="45720" numCol="1" anchor="t" anchorCtr="0" compatLnSpc="1">
+            <a:prstTxWarp prst="textNoShape">
+              <a:avLst/>
+            </a:prstTxWarp>
+          </a:bodyPr>
+          <a:lstStyle/>
+          <a:p>
+            <a:endParaRPr lang="en-US"/>
+          </a:p>
+        </p:txBody>
+      </p:sp>
+      <p:sp>
+        <p:nvSpPr>
+          <p:cNvPr id="16" name="Freeform 6">
+            <a:extLst>
+              <a:ext uri="{FF2B5EF4-FFF2-40B4-BE49-F238E27FC236}">
+                <a16:creationId xmlns:a16="http://schemas.microsoft.com/office/drawing/2014/main" id="{3E9C0339-B0D3-40BA-96EF-3C1DB738AE2C}"/>
+              </a:ext>
+              <a:ext uri="{C183D7F6-B498-43B3-948B-1728B52AA6E4}">
+                <adec:decorative xmlns:adec="http://schemas.microsoft.com/office/drawing/2017/decorative" val="1"/>
+              </a:ext>
+            </a:extLst>
+          </p:cNvPr>
+          <p:cNvSpPr>
+            <a:spLocks noGrp="1" noRot="1" noChangeAspect="1" noMove="1" noResize="1" noEditPoints="1" noAdjustHandles="1" noChangeArrowheads="1" noChangeShapeType="1" noTextEdit="1"/>
+          </p:cNvSpPr>
+          <p:nvPr>
+            <p:extLst>
+              <p:ext uri="{386F3935-93C4-4BCD-93E2-E3B085C9AB24}">
+                <p16:designElem xmlns:p16="http://schemas.microsoft.com/office/powerpoint/2015/main" val="1"/>
+              </p:ext>
+            </p:extLst>
+          </p:nvPr>
+        </p:nvSpPr>
+        <p:spPr bwMode="auto">
+          <a:xfrm>
+            <a:off x="8726820" y="4214476"/>
+            <a:ext cx="339126" cy="1783236"/>
+          </a:xfrm>
+          <a:custGeom>
+            <a:avLst/>
+            <a:gdLst>
+              <a:gd name="T0" fmla="*/ 414 w 414"/>
+              <a:gd name="T1" fmla="*/ 2447 h 2447"/>
+              <a:gd name="T2" fmla="*/ 0 w 414"/>
+              <a:gd name="T3" fmla="*/ 2247 h 2447"/>
+              <a:gd name="T4" fmla="*/ 0 w 414"/>
+              <a:gd name="T5" fmla="*/ 0 h 2447"/>
+              <a:gd name="T6" fmla="*/ 414 w 414"/>
+              <a:gd name="T7" fmla="*/ 200 h 2447"/>
+              <a:gd name="T8" fmla="*/ 414 w 414"/>
+              <a:gd name="T9" fmla="*/ 2447 h 2447"/>
+            </a:gdLst>
+            <a:ahLst/>
+            <a:cxnLst>
+              <a:cxn ang="0">
+                <a:pos x="T0" y="T1"/>
+              </a:cxn>
+              <a:cxn ang="0">
+                <a:pos x="T2" y="T3"/>
+              </a:cxn>
+              <a:cxn ang="0">
+                <a:pos x="T4" y="T5"/>
+              </a:cxn>
+              <a:cxn ang="0">
+                <a:pos x="T6" y="T7"/>
+              </a:cxn>
+              <a:cxn ang="0">
+                <a:pos x="T8" y="T9"/>
+              </a:cxn>
+            </a:cxnLst>
+            <a:rect l="0" t="0" r="r" b="b"/>
+            <a:pathLst>
+              <a:path w="414" h="2447">
+                <a:moveTo>
+                  <a:pt x="414" y="2447"/>
+                </a:moveTo>
+                <a:lnTo>
+                  <a:pt x="0" y="2247"/>
+                </a:lnTo>
+                <a:lnTo>
+                  <a:pt x="0" y="0"/>
+                </a:lnTo>
+                <a:lnTo>
+                  <a:pt x="414" y="200"/>
+                </a:lnTo>
+                <a:lnTo>
+                  <a:pt x="414" y="2447"/>
+                </a:lnTo>
+                <a:close/>
+              </a:path>
+            </a:pathLst>
+          </a:custGeom>
+          <a:solidFill>
+            <a:schemeClr val="accent1">
+              <a:lumMod val="75000"/>
+            </a:schemeClr>
+          </a:solidFill>
+          <a:ln>
+            <a:noFill/>
+          </a:ln>
+        </p:spPr>
+        <p:txBody>
+          <a:bodyPr vert="horz" wrap="square" lIns="91440" tIns="45720" rIns="91440" bIns="45720" numCol="1" anchor="t" anchorCtr="0" compatLnSpc="1">
+            <a:prstTxWarp prst="textNoShape">
+              <a:avLst/>
+            </a:prstTxWarp>
+          </a:bodyPr>
+          <a:lstStyle/>
+          <a:p>
+            <a:endParaRPr lang="en-US"/>
+          </a:p>
+        </p:txBody>
+      </p:sp>
+      <p:sp>
+        <p:nvSpPr>
+          <p:cNvPr id="18" name="Freeform 7">
+            <a:extLst>
+              <a:ext uri="{FF2B5EF4-FFF2-40B4-BE49-F238E27FC236}">
+                <a16:creationId xmlns:a16="http://schemas.microsoft.com/office/drawing/2014/main" id="{A4B9A42A-C5B8-4470-8743-670E34420507}"/>
+              </a:ext>
+              <a:ext uri="{C183D7F6-B498-43B3-948B-1728B52AA6E4}">
+                <adec:decorative xmlns:adec="http://schemas.microsoft.com/office/drawing/2017/decorative" val="1"/>
+              </a:ext>
+            </a:extLst>
+          </p:cNvPr>
+          <p:cNvSpPr>
+            <a:spLocks noGrp="1" noRot="1" noChangeAspect="1" noMove="1" noResize="1" noEditPoints="1" noAdjustHandles="1" noChangeArrowheads="1" noChangeShapeType="1" noTextEdit="1"/>
+          </p:cNvSpPr>
+          <p:nvPr>
+            <p:extLst>
+              <p:ext uri="{386F3935-93C4-4BCD-93E2-E3B085C9AB24}">
+                <p16:designElem xmlns:p16="http://schemas.microsoft.com/office/powerpoint/2015/main" val="1"/>
+              </p:ext>
+            </p:extLst>
+          </p:nvPr>
+        </p:nvSpPr>
+        <p:spPr bwMode="auto">
+          <a:xfrm>
+            <a:off x="8728739" y="4122186"/>
+            <a:ext cx="201857" cy="1727743"/>
+          </a:xfrm>
+          <a:custGeom>
+            <a:avLst/>
+            <a:gdLst>
+              <a:gd name="T0" fmla="*/ 209 w 209"/>
+              <a:gd name="T1" fmla="*/ 2246 h 2358"/>
+              <a:gd name="T2" fmla="*/ 0 w 209"/>
+              <a:gd name="T3" fmla="*/ 2358 h 2358"/>
+              <a:gd name="T4" fmla="*/ 0 w 209"/>
+              <a:gd name="T5" fmla="*/ 111 h 2358"/>
+              <a:gd name="T6" fmla="*/ 209 w 209"/>
+              <a:gd name="T7" fmla="*/ 0 h 2358"/>
+              <a:gd name="T8" fmla="*/ 209 w 209"/>
+              <a:gd name="T9" fmla="*/ 2246 h 2358"/>
+            </a:gdLst>
+            <a:ahLst/>
+            <a:cxnLst>
+              <a:cxn ang="0">
+                <a:pos x="T0" y="T1"/>
+              </a:cxn>
+              <a:cxn ang="0">
+                <a:pos x="T2" y="T3"/>
+              </a:cxn>
+              <a:cxn ang="0">
+                <a:pos x="T4" y="T5"/>
+              </a:cxn>
+              <a:cxn ang="0">
+                <a:pos x="T6" y="T7"/>
+              </a:cxn>
+              <a:cxn ang="0">
+                <a:pos x="T8" y="T9"/>
+              </a:cxn>
+            </a:cxnLst>
+            <a:rect l="0" t="0" r="r" b="b"/>
+            <a:pathLst>
+              <a:path w="209" h="2358">
+                <a:moveTo>
+                  <a:pt x="209" y="2246"/>
+                </a:moveTo>
+                <a:lnTo>
+                  <a:pt x="0" y="2358"/>
+                </a:lnTo>
+                <a:lnTo>
+                  <a:pt x="0" y="111"/>
+                </a:lnTo>
+                <a:lnTo>
+                  <a:pt x="209" y="0"/>
+                </a:lnTo>
+                <a:lnTo>
+                  <a:pt x="209" y="2246"/>
+                </a:lnTo>
+                <a:close/>
+              </a:path>
+            </a:pathLst>
+          </a:custGeom>
+          <a:solidFill>
+            <a:schemeClr val="accent1">
+              <a:lumMod val="50000"/>
+            </a:schemeClr>
+          </a:solidFill>
+          <a:ln>
+            <a:noFill/>
+          </a:ln>
+        </p:spPr>
+        <p:txBody>
+          <a:bodyPr vert="horz" wrap="square" lIns="91440" tIns="45720" rIns="91440" bIns="45720" numCol="1" anchor="t" anchorCtr="0" compatLnSpc="1">
+            <a:prstTxWarp prst="textNoShape">
+              <a:avLst/>
+            </a:prstTxWarp>
+          </a:bodyPr>
+          <a:lstStyle/>
+          <a:p>
+            <a:endParaRPr lang="en-US"/>
+          </a:p>
+        </p:txBody>
+      </p:sp>
+      <p:sp>
+        <p:nvSpPr>
+          <p:cNvPr id="20" name="Rectangle 8">
+            <a:extLst>
+              <a:ext uri="{FF2B5EF4-FFF2-40B4-BE49-F238E27FC236}">
+                <a16:creationId xmlns:a16="http://schemas.microsoft.com/office/drawing/2014/main" id="{EDB12AFC-55F8-4AE8-9351-0F38D0C5DDA4}"/>
+              </a:ext>
+              <a:ext uri="{C183D7F6-B498-43B3-948B-1728B52AA6E4}">
+                <adec:decorative xmlns:adec="http://schemas.microsoft.com/office/drawing/2017/decorative" val="1"/>
+              </a:ext>
+            </a:extLst>
+          </p:cNvPr>
+          <p:cNvSpPr>
+            <a:spLocks noGrp="1" noRot="1" noChangeAspect="1" noMove="1" noResize="1" noEditPoints="1" noAdjustHandles="1" noChangeArrowheads="1" noChangeShapeType="1" noTextEdit="1"/>
+          </p:cNvSpPr>
+          <p:nvPr>
+            <p:extLst>
+              <p:ext uri="{386F3935-93C4-4BCD-93E2-E3B085C9AB24}">
+                <p16:designElem xmlns:p16="http://schemas.microsoft.com/office/powerpoint/2015/main" val="1"/>
+              </p:ext>
+            </p:extLst>
+          </p:nvPr>
+        </p:nvSpPr>
+        <p:spPr bwMode="auto">
+          <a:xfrm>
+            <a:off x="951447" y="4122187"/>
+            <a:ext cx="7978524" cy="1647877"/>
+          </a:xfrm>
+          <a:prstGeom prst="rect">
+            <a:avLst/>
+          </a:prstGeom>
+          <a:solidFill>
+            <a:schemeClr val="accent1"/>
+          </a:solidFill>
+          <a:ln>
+            <a:noFill/>
+          </a:ln>
+        </p:spPr>
+        <p:txBody>
+          <a:bodyPr vert="horz" wrap="square" lIns="91440" tIns="45720" rIns="91440" bIns="45720" numCol="1" anchor="t" anchorCtr="0" compatLnSpc="1">
+            <a:prstTxWarp prst="textNoShape">
+              <a:avLst/>
+            </a:prstTxWarp>
+          </a:bodyPr>
+          <a:lstStyle/>
+          <a:p>
+            <a:endParaRPr lang="en-US"/>
+          </a:p>
+        </p:txBody>
+      </p:sp>
+      <p:sp>
+        <p:nvSpPr>
+          <p:cNvPr id="3" name="Content Placeholder 2">
+            <a:extLst>
+              <a:ext uri="{FF2B5EF4-FFF2-40B4-BE49-F238E27FC236}">
+                <a16:creationId xmlns:a16="http://schemas.microsoft.com/office/drawing/2014/main" id="{5FBE5F7E-0A39-4E1A-BD0F-69AE831A2232}"/>
+              </a:ext>
+            </a:extLst>
+          </p:cNvPr>
+          <p:cNvSpPr>
+            <a:spLocks noGrp="1"/>
+          </p:cNvSpPr>
+          <p:nvPr>
+            <p:ph idx="1"/>
+          </p:nvPr>
+        </p:nvSpPr>
+        <p:spPr>
+          <a:xfrm>
+            <a:off x="1106557" y="4376667"/>
+            <a:ext cx="7659688" cy="1089254"/>
+          </a:xfrm>
+        </p:spPr>
+        <p:txBody>
+          <a:bodyPr vert="horz" lIns="91440" tIns="45720" rIns="91440" bIns="45720" rtlCol="0" anchor="ctr">
+            <a:normAutofit/>
+          </a:bodyPr>
+          <a:lstStyle/>
+          <a:p>
+            <a:pPr marL="0" indent="0">
+              <a:buNone/>
+            </a:pPr>
+            <a:r>
+              <a:rPr lang="en-US" sz="4000" kern="1200" dirty="0">
+                <a:solidFill>
+                  <a:srgbClr val="FEFFFF"/>
+                </a:solidFill>
+                <a:latin typeface="+mn-lt"/>
+                <a:ea typeface="+mn-ea"/>
+                <a:cs typeface="+mn-cs"/>
+              </a:rPr>
+              <a:t>Secure Salesforce Environment</a:t>
+            </a:r>
+          </a:p>
+        </p:txBody>
+      </p:sp>
+      <p:sp>
+        <p:nvSpPr>
+          <p:cNvPr id="22" name="Rectangle 8">
+            <a:extLst>
+              <a:ext uri="{FF2B5EF4-FFF2-40B4-BE49-F238E27FC236}">
+                <a16:creationId xmlns:a16="http://schemas.microsoft.com/office/drawing/2014/main" id="{C58506DD-7B3D-4594-846B-F78590BE9FA3}"/>
+              </a:ext>
+              <a:ext uri="{C183D7F6-B498-43B3-948B-1728B52AA6E4}">
+                <adec:decorative xmlns:adec="http://schemas.microsoft.com/office/drawing/2017/decorative" val="1"/>
+              </a:ext>
+            </a:extLst>
+          </p:cNvPr>
+          <p:cNvSpPr>
+            <a:spLocks noGrp="1" noRot="1" noChangeAspect="1" noMove="1" noResize="1" noEditPoints="1" noAdjustHandles="1" noChangeArrowheads="1" noChangeShapeType="1" noTextEdit="1"/>
+          </p:cNvSpPr>
+          <p:nvPr>
+            <p:extLst>
+              <p:ext uri="{386F3935-93C4-4BCD-93E2-E3B085C9AB24}">
+                <p16:designElem xmlns:p16="http://schemas.microsoft.com/office/powerpoint/2015/main" val="1"/>
+              </p:ext>
+            </p:extLst>
+          </p:nvPr>
+        </p:nvSpPr>
+        <p:spPr bwMode="auto">
+          <a:xfrm>
+            <a:off x="9065946" y="4356608"/>
+            <a:ext cx="3122079" cy="1641104"/>
+          </a:xfrm>
+          <a:prstGeom prst="rect">
+            <a:avLst/>
+          </a:prstGeom>
+          <a:solidFill>
+            <a:schemeClr val="accent1"/>
+          </a:solidFill>
+          <a:ln>
+            <a:noFill/>
+          </a:ln>
+        </p:spPr>
+        <p:txBody>
+          <a:bodyPr vert="horz" wrap="square" lIns="91440" tIns="45720" rIns="91440" bIns="45720" numCol="1" anchor="t" anchorCtr="0" compatLnSpc="1">
+            <a:prstTxWarp prst="textNoShape">
+              <a:avLst/>
+            </a:prstTxWarp>
+          </a:bodyPr>
+          <a:lstStyle/>
+          <a:p>
+            <a:endParaRPr lang="en-US"/>
+          </a:p>
+        </p:txBody>
+      </p:sp>
+    </p:spTree>
+    <p:extLst>
+      <p:ext uri="{BB962C8B-B14F-4D97-AF65-F5344CB8AC3E}">
+        <p14:creationId xmlns:p14="http://schemas.microsoft.com/office/powerpoint/2010/main" val="4058594480"/>
+      </p:ext>
+    </p:extLst>
+  </p:cSld>
+  <p:clrMapOvr>
+    <a:masterClrMapping/>
+  </p:clrMapOvr>
+</p:sld>
+</file>
+
+<file path=ppt/slides/slide4.xml><?xml version="1.0" encoding="utf-8"?>
+<p:sld xmlns:a="http://schemas.openxmlformats.org/drawingml/2006/main" xmlns:r="http://schemas.openxmlformats.org/officeDocument/2006/relationships" xmlns:p="http://schemas.openxmlformats.org/presentationml/2006/main">
+  <p:cSld>
+    <p:bg>
+      <p:bgPr>
+        <a:solidFill>
+          <a:schemeClr val="bg1"/>
+        </a:solidFill>
+        <a:effectLst/>
+      </p:bgPr>
+    </p:bg>
+    <p:spTree>
+      <p:nvGrpSpPr>
+        <p:cNvPr id="1" name=""/>
+        <p:cNvGrpSpPr/>
+        <p:nvPr/>
+      </p:nvGrpSpPr>
+      <p:grpSpPr>
+        <a:xfrm>
+          <a:off x="0" y="0"/>
+          <a:ext cx="0" cy="0"/>
+          <a:chOff x="0" y="0"/>
+          <a:chExt cx="0" cy="0"/>
+        </a:xfrm>
+      </p:grpSpPr>
+      <p:pic>
+        <p:nvPicPr>
+          <p:cNvPr id="5" name="Picture 4">
+            <a:extLst>
+              <a:ext uri="{FF2B5EF4-FFF2-40B4-BE49-F238E27FC236}">
+                <a16:creationId xmlns:a16="http://schemas.microsoft.com/office/drawing/2014/main" id="{BEA0735C-1340-4CDA-AA77-842E5B9AB040}"/>
+              </a:ext>
+            </a:extLst>
+          </p:cNvPr>
+          <p:cNvPicPr>
+            <a:picLocks noChangeAspect="1"/>
+          </p:cNvPicPr>
+          <p:nvPr/>
+        </p:nvPicPr>
+        <p:blipFill rotWithShape="1">
+          <a:blip r:embed="rId2">
+            <a:extLst>
+              <a:ext uri="{28A0092B-C50C-407E-A947-70E740481C1C}">
+                <a14:useLocalDpi xmlns:a14="http://schemas.microsoft.com/office/drawing/2010/main" val="0"/>
+              </a:ext>
+            </a:extLst>
+          </a:blip>
+          <a:srcRect r="7110" b="-1"/>
+          <a:stretch/>
+        </p:blipFill>
+        <p:spPr>
+          <a:xfrm>
+            <a:off x="20" y="10"/>
+            <a:ext cx="12191980" cy="6857990"/>
+          </a:xfrm>
+          <a:prstGeom prst="rect">
+            <a:avLst/>
+          </a:prstGeom>
+        </p:spPr>
+      </p:pic>
+    </p:spTree>
+    <p:extLst>
+      <p:ext uri="{BB962C8B-B14F-4D97-AF65-F5344CB8AC3E}">
+        <p14:creationId xmlns:p14="http://schemas.microsoft.com/office/powerpoint/2010/main" val="1949735008"/>
+      </p:ext>
+    </p:extLst>
+  </p:cSld>
+  <p:clrMapOvr>
+    <a:masterClrMapping/>
+  </p:clrMapOvr>
+</p:sld>
+</file>
+
+<file path=ppt/slides/slide5.xml><?xml version="1.0" encoding="utf-8"?>
+<p:sld xmlns:a="http://schemas.openxmlformats.org/drawingml/2006/main" xmlns:r="http://schemas.openxmlformats.org/officeDocument/2006/relationships" xmlns:p="http://schemas.openxmlformats.org/presentationml/2006/main">
+  <p:cSld>
+    <p:bg>
+      <p:bgPr>
+        <a:solidFill>
+          <a:schemeClr val="bg1"/>
+        </a:solidFill>
+        <a:effectLst/>
+      </p:bgPr>
+    </p:bg>
+    <p:spTree>
+      <p:nvGrpSpPr>
+        <p:cNvPr id="1" name=""/>
+        <p:cNvGrpSpPr/>
+        <p:nvPr/>
+      </p:nvGrpSpPr>
+      <p:grpSpPr>
+        <a:xfrm>
+          <a:off x="0" y="0"/>
+          <a:ext cx="0" cy="0"/>
+          <a:chOff x="0" y="0"/>
+          <a:chExt cx="0" cy="0"/>
+        </a:xfrm>
+      </p:grpSpPr>
+      <p:sp>
+        <p:nvSpPr>
+          <p:cNvPr id="8" name="Rectangle 7">
+            <a:extLst>
+              <a:ext uri="{FF2B5EF4-FFF2-40B4-BE49-F238E27FC236}">
+                <a16:creationId xmlns:a16="http://schemas.microsoft.com/office/drawing/2014/main" id="{86197D16-FE75-4A0E-A0C9-28C0F04A43DF}"/>
+              </a:ext>
+              <a:ext uri="{C183D7F6-B498-43B3-948B-1728B52AA6E4}">
+                <adec:decorative xmlns:adec="http://schemas.microsoft.com/office/drawing/2017/decorative" val="1"/>
+              </a:ext>
+            </a:extLst>
+          </p:cNvPr>
+          <p:cNvSpPr>
+            <a:spLocks noGrp="1" noRot="1" noChangeAspect="1" noMove="1" noResize="1" noEditPoints="1" noAdjustHandles="1" noChangeArrowheads="1" noChangeShapeType="1" noTextEdit="1"/>
+          </p:cNvSpPr>
+          <p:nvPr>
+            <p:extLst>
+              <p:ext uri="{386F3935-93C4-4BCD-93E2-E3B085C9AB24}">
+                <p16:designElem xmlns:p16="http://schemas.microsoft.com/office/powerpoint/2015/main" val="1"/>
+              </p:ext>
+            </p:extLst>
+          </p:nvPr>
+        </p:nvSpPr>
+        <p:spPr>
+          <a:xfrm>
+            <a:off x="0" y="0"/>
+            <a:ext cx="12192000" cy="5570220"/>
+          </a:xfrm>
+          <a:prstGeom prst="rect">
+            <a:avLst/>
+          </a:prstGeom>
+          <a:gradFill>
+            <a:gsLst>
+              <a:gs pos="0">
+                <a:schemeClr val="accent1">
+                  <a:lumMod val="90000"/>
+                </a:schemeClr>
+              </a:gs>
+              <a:gs pos="25000">
+                <a:schemeClr val="accent1">
+                  <a:lumMod val="90000"/>
+                </a:schemeClr>
+              </a:gs>
+              <a:gs pos="94000">
+                <a:schemeClr val="bg2">
+                  <a:lumMod val="25000"/>
+                </a:schemeClr>
+              </a:gs>
+              <a:gs pos="100000">
+                <a:schemeClr val="bg2">
+                  <a:lumMod val="25000"/>
+                </a:schemeClr>
+              </a:gs>
+            </a:gsLst>
+            <a:lin ang="4200000" scaled="0"/>
+          </a:gradFill>
+          <a:ln>
+            <a:noFill/>
+          </a:ln>
+        </p:spPr>
+        <p:style>
+          <a:lnRef idx="2">
+            <a:schemeClr val="accent1">
+              <a:shade val="50000"/>
+            </a:schemeClr>
+          </a:lnRef>
+          <a:fillRef idx="1">
+            <a:schemeClr val="accent1"/>
+          </a:fillRef>
+          <a:effectRef idx="0">
+            <a:schemeClr val="accent1"/>
+          </a:effectRef>
+          <a:fontRef idx="minor">
+            <a:schemeClr val="lt1"/>
+          </a:fontRef>
+        </p:style>
+        <p:txBody>
+          <a:bodyPr rtlCol="0" anchor="ctr"/>
+          <a:lstStyle/>
+          <a:p>
+            <a:pPr algn="ctr"/>
+            <a:endParaRPr lang="en-US"/>
+          </a:p>
+        </p:txBody>
+      </p:sp>
+      <p:pic>
+        <p:nvPicPr>
+          <p:cNvPr id="10" name="Picture 9">
+            <a:extLst>
+              <a:ext uri="{FF2B5EF4-FFF2-40B4-BE49-F238E27FC236}">
+                <a16:creationId xmlns:a16="http://schemas.microsoft.com/office/drawing/2014/main" id="{FA8FCEC6-4B30-4FF2-8B32-504BEAEA3A16}"/>
+              </a:ext>
+              <a:ext uri="{C183D7F6-B498-43B3-948B-1728B52AA6E4}">
+                <adec:decorative xmlns:adec="http://schemas.microsoft.com/office/drawing/2017/decorative" val="1"/>
+              </a:ext>
+            </a:extLst>
+          </p:cNvPr>
+          <p:cNvPicPr>
+            <a:picLocks noGrp="1" noRot="1" noChangeAspect="1" noMove="1" noResize="1" noEditPoints="1" noAdjustHandles="1" noChangeArrowheads="1" noChangeShapeType="1" noCrop="1"/>
+          </p:cNvPicPr>
+          <p:nvPr>
+            <p:extLst>
+              <p:ext uri="{386F3935-93C4-4BCD-93E2-E3B085C9AB24}">
+                <p16:designElem xmlns:p16="http://schemas.microsoft.com/office/powerpoint/2015/main" val="1"/>
+              </p:ext>
+            </p:extLst>
+          </p:nvPr>
+        </p:nvPicPr>
+        <p:blipFill>
+          <a:blip r:embed="rId2">
+            <a:extLst>
+              <a:ext uri="{28A0092B-C50C-407E-A947-70E740481C1C}">
+                <a14:useLocalDpi xmlns:a14="http://schemas.microsoft.com/office/drawing/2010/main" val="0"/>
+              </a:ext>
+            </a:extLst>
+          </a:blip>
+          <a:srcRect t="45716" b="9820"/>
+          <a:stretch>
+            <a:fillRect/>
+          </a:stretch>
+        </p:blipFill>
+        <p:spPr>
+          <a:xfrm>
+            <a:off x="0" y="3808676"/>
+            <a:ext cx="12192000" cy="3049325"/>
+          </a:xfrm>
+          <a:custGeom>
+            <a:avLst/>
+            <a:gdLst>
+              <a:gd name="connsiteX0" fmla="*/ 0 w 12192000"/>
+              <a:gd name="connsiteY0" fmla="*/ 0 h 3049325"/>
+              <a:gd name="connsiteX1" fmla="*/ 12192000 w 12192000"/>
+              <a:gd name="connsiteY1" fmla="*/ 0 h 3049325"/>
+              <a:gd name="connsiteX2" fmla="*/ 12192000 w 12192000"/>
+              <a:gd name="connsiteY2" fmla="*/ 3049325 h 3049325"/>
+              <a:gd name="connsiteX3" fmla="*/ 0 w 12192000"/>
+              <a:gd name="connsiteY3" fmla="*/ 3049325 h 3049325"/>
+            </a:gdLst>
+            <a:ahLst/>
+            <a:cxnLst>
+              <a:cxn ang="0">
+                <a:pos x="connsiteX0" y="connsiteY0"/>
+              </a:cxn>
+              <a:cxn ang="0">
+                <a:pos x="connsiteX1" y="connsiteY1"/>
+              </a:cxn>
+              <a:cxn ang="0">
+                <a:pos x="connsiteX2" y="connsiteY2"/>
+              </a:cxn>
+              <a:cxn ang="0">
+                <a:pos x="connsiteX3" y="connsiteY3"/>
+              </a:cxn>
+            </a:cxnLst>
+            <a:rect l="l" t="t" r="r" b="b"/>
+            <a:pathLst>
+              <a:path w="12192000" h="3049325">
+                <a:moveTo>
+                  <a:pt x="0" y="0"/>
+                </a:moveTo>
+                <a:lnTo>
+                  <a:pt x="12192000" y="0"/>
+                </a:lnTo>
+                <a:lnTo>
+                  <a:pt x="12192000" y="3049325"/>
+                </a:lnTo>
+                <a:lnTo>
+                  <a:pt x="0" y="3049325"/>
+                </a:lnTo>
+                <a:close/>
+              </a:path>
+            </a:pathLst>
+          </a:custGeom>
+        </p:spPr>
+      </p:pic>
+      <p:sp>
+        <p:nvSpPr>
+          <p:cNvPr id="2" name="Title 1">
+            <a:extLst>
+              <a:ext uri="{FF2B5EF4-FFF2-40B4-BE49-F238E27FC236}">
+                <a16:creationId xmlns:a16="http://schemas.microsoft.com/office/drawing/2014/main" id="{61C8115A-E634-44D6-A8E5-D77A86029BBA}"/>
+              </a:ext>
+            </a:extLst>
+          </p:cNvPr>
+          <p:cNvSpPr>
+            <a:spLocks noGrp="1"/>
+          </p:cNvSpPr>
+          <p:nvPr>
+            <p:ph type="title"/>
+          </p:nvPr>
+        </p:nvSpPr>
+        <p:spPr>
+          <a:xfrm>
+            <a:off x="804484" y="1191796"/>
+            <a:ext cx="10021446" cy="2976344"/>
+          </a:xfrm>
+        </p:spPr>
+        <p:txBody>
+          <a:bodyPr vert="horz" lIns="91440" tIns="45720" rIns="91440" bIns="45720" rtlCol="0" anchor="ctr">
+            <a:normAutofit/>
+          </a:bodyPr>
+          <a:lstStyle/>
+          <a:p>
+            <a:r>
+              <a:rPr lang="en-US" sz="6600" kern="1200">
+                <a:solidFill>
+                  <a:srgbClr val="FFFFFF"/>
+                </a:solidFill>
+                <a:latin typeface="+mj-lt"/>
+                <a:ea typeface="+mj-ea"/>
+                <a:cs typeface="+mj-cs"/>
+              </a:rPr>
+              <a:t>Object Level Access</a:t>
+            </a:r>
+          </a:p>
+        </p:txBody>
+      </p:sp>
+      <p:sp>
+        <p:nvSpPr>
+          <p:cNvPr id="3" name="Content Placeholder 2">
+            <a:extLst>
+              <a:ext uri="{FF2B5EF4-FFF2-40B4-BE49-F238E27FC236}">
+                <a16:creationId xmlns:a16="http://schemas.microsoft.com/office/drawing/2014/main" id="{2C718284-8947-411B-98F7-8DA87E6BD36C}"/>
+              </a:ext>
+            </a:extLst>
+          </p:cNvPr>
+          <p:cNvSpPr>
+            <a:spLocks noGrp="1"/>
+          </p:cNvSpPr>
+          <p:nvPr>
+            <p:ph idx="1"/>
+          </p:nvPr>
+        </p:nvSpPr>
+        <p:spPr>
+          <a:xfrm>
+            <a:off x="804788" y="5318990"/>
+            <a:ext cx="9416898" cy="723670"/>
+          </a:xfrm>
+        </p:spPr>
+        <p:txBody>
+          <a:bodyPr vert="horz" lIns="91440" tIns="45720" rIns="91440" bIns="45720" rtlCol="0" anchor="ctr">
+            <a:normAutofit/>
+          </a:bodyPr>
+          <a:lstStyle/>
+          <a:p>
+            <a:pPr marL="0" indent="0">
+              <a:buNone/>
+            </a:pPr>
+            <a:r>
+              <a:rPr lang="en-US" sz="2400" kern="1200">
+                <a:solidFill>
+                  <a:srgbClr val="000000"/>
+                </a:solidFill>
+                <a:latin typeface="+mn-lt"/>
+                <a:ea typeface="+mn-ea"/>
+                <a:cs typeface="+mn-cs"/>
+              </a:rPr>
+              <a:t>Who can access the object</a:t>
+            </a:r>
+          </a:p>
+        </p:txBody>
+      </p:sp>
+    </p:spTree>
+    <p:extLst>
+      <p:ext uri="{BB962C8B-B14F-4D97-AF65-F5344CB8AC3E}">
+        <p14:creationId xmlns:p14="http://schemas.microsoft.com/office/powerpoint/2010/main" val="240318625"/>
+      </p:ext>
+    </p:extLst>
+  </p:cSld>
+  <p:clrMapOvr>
+    <a:masterClrMapping/>
+  </p:clrMapOvr>
+</p:sld>
+</file>
+
+<file path=ppt/slides/slide6.xml><?xml version="1.0" encoding="utf-8"?>
+<p:sld xmlns:a="http://schemas.openxmlformats.org/drawingml/2006/main" xmlns:r="http://schemas.openxmlformats.org/officeDocument/2006/relationships" xmlns:p="http://schemas.openxmlformats.org/presentationml/2006/main">
+  <p:cSld>
+    <p:spTree>
+      <p:nvGrpSpPr>
+        <p:cNvPr id="1" name=""/>
+        <p:cNvGrpSpPr/>
+        <p:nvPr/>
+      </p:nvGrpSpPr>
+      <p:grpSpPr>
+        <a:xfrm>
+          <a:off x="0" y="0"/>
+          <a:ext cx="0" cy="0"/>
+          <a:chOff x="0" y="0"/>
+          <a:chExt cx="0" cy="0"/>
+        </a:xfrm>
+      </p:grpSpPr>
+      <p:pic>
+        <p:nvPicPr>
+          <p:cNvPr id="7" name="Picture 6">
+            <a:extLst>
+              <a:ext uri="{FF2B5EF4-FFF2-40B4-BE49-F238E27FC236}">
+                <a16:creationId xmlns:a16="http://schemas.microsoft.com/office/drawing/2014/main" id="{5475C7C7-6977-4C93-A587-24D5DBDBEF04}"/>
+              </a:ext>
+            </a:extLst>
+          </p:cNvPr>
+          <p:cNvPicPr>
+            <a:picLocks noChangeAspect="1"/>
+          </p:cNvPicPr>
+          <p:nvPr/>
+        </p:nvPicPr>
+        <p:blipFill>
+          <a:blip r:embed="rId2">
+            <a:extLst>
+              <a:ext uri="{28A0092B-C50C-407E-A947-70E740481C1C}">
+                <a14:useLocalDpi xmlns:a14="http://schemas.microsoft.com/office/drawing/2010/main" val="0"/>
+              </a:ext>
+            </a:extLst>
+          </a:blip>
+          <a:stretch>
+            <a:fillRect/>
+          </a:stretch>
+        </p:blipFill>
+        <p:spPr>
+          <a:xfrm>
+            <a:off x="2488960" y="0"/>
+            <a:ext cx="7214079" cy="6858000"/>
+          </a:xfrm>
+          <a:prstGeom prst="rect">
+            <a:avLst/>
+          </a:prstGeom>
+        </p:spPr>
+      </p:pic>
+    </p:spTree>
+    <p:extLst>
+      <p:ext uri="{BB962C8B-B14F-4D97-AF65-F5344CB8AC3E}">
+        <p14:creationId xmlns:p14="http://schemas.microsoft.com/office/powerpoint/2010/main" val="2459115847"/>
+      </p:ext>
+    </p:extLst>
+  </p:cSld>
+  <p:clrMapOvr>
+    <a:masterClrMapping/>
+  </p:clrMapOvr>
+</p:sld>
+</file>
+
+<file path=ppt/slides/slide7.xml><?xml version="1.0" encoding="utf-8"?>
+<p:sld xmlns:a="http://schemas.openxmlformats.org/drawingml/2006/main" xmlns:r="http://schemas.openxmlformats.org/officeDocument/2006/relationships" xmlns:p="http://schemas.openxmlformats.org/presentationml/2006/main">
+  <p:cSld>
+    <p:bg>
+      <p:bgPr>
+        <a:solidFill>
+          <a:schemeClr val="bg1"/>
+        </a:solidFill>
+        <a:effectLst/>
+      </p:bgPr>
+    </p:bg>
+    <p:spTree>
+      <p:nvGrpSpPr>
+        <p:cNvPr id="1" name=""/>
+        <p:cNvGrpSpPr/>
+        <p:nvPr/>
+      </p:nvGrpSpPr>
+      <p:grpSpPr>
+        <a:xfrm>
+          <a:off x="0" y="0"/>
+          <a:ext cx="0" cy="0"/>
+          <a:chOff x="0" y="0"/>
+          <a:chExt cx="0" cy="0"/>
+        </a:xfrm>
+      </p:grpSpPr>
+      <p:sp>
+        <p:nvSpPr>
+          <p:cNvPr id="10" name="Rectangle 9">
+            <a:extLst>
+              <a:ext uri="{FF2B5EF4-FFF2-40B4-BE49-F238E27FC236}">
+                <a16:creationId xmlns:a16="http://schemas.microsoft.com/office/drawing/2014/main" id="{AFA67CD3-AB4E-4A7A-BEB8-53C445D8C44E}"/>
+              </a:ext>
+              <a:ext uri="{C183D7F6-B498-43B3-948B-1728B52AA6E4}">
+                <adec:decorative xmlns:adec="http://schemas.microsoft.com/office/drawing/2017/decorative" val="1"/>
+              </a:ext>
+            </a:extLst>
+          </p:cNvPr>
+          <p:cNvSpPr>
+            <a:spLocks noGrp="1" noRot="1" noChangeAspect="1" noMove="1" noResize="1" noEditPoints="1" noAdjustHandles="1" noChangeArrowheads="1" noChangeShapeType="1" noTextEdit="1"/>
+          </p:cNvSpPr>
+          <p:nvPr>
+            <p:extLst>
+              <p:ext uri="{386F3935-93C4-4BCD-93E2-E3B085C9AB24}">
+                <p16:designElem xmlns:p16="http://schemas.microsoft.com/office/powerpoint/2015/main" val="1"/>
+              </p:ext>
+            </p:extLst>
+          </p:nvPr>
+        </p:nvSpPr>
+        <p:spPr>
+          <a:xfrm>
+            <a:off x="1" y="3726"/>
+            <a:ext cx="5614875" cy="6858000"/>
+          </a:xfrm>
+          <a:prstGeom prst="rect">
+            <a:avLst/>
+          </a:prstGeom>
+          <a:gradFill>
+            <a:gsLst>
+              <a:gs pos="0">
+                <a:schemeClr val="accent1">
+                  <a:lumMod val="100000"/>
+                  <a:alpha val="82000"/>
+                </a:schemeClr>
+              </a:gs>
+              <a:gs pos="25000">
+                <a:schemeClr val="accent1">
+                  <a:alpha val="60000"/>
+                </a:schemeClr>
+              </a:gs>
+              <a:gs pos="94000">
+                <a:schemeClr val="bg2">
+                  <a:lumMod val="75000"/>
+                </a:schemeClr>
+              </a:gs>
+              <a:gs pos="100000">
+                <a:schemeClr val="bg2">
+                  <a:lumMod val="75000"/>
+                </a:schemeClr>
+              </a:gs>
+            </a:gsLst>
+            <a:lin ang="4200000" scaled="0"/>
+          </a:gradFill>
+          <a:ln>
+            <a:noFill/>
+          </a:ln>
+        </p:spPr>
+        <p:style>
+          <a:lnRef idx="2">
+            <a:schemeClr val="accent1">
+              <a:shade val="50000"/>
+            </a:schemeClr>
+          </a:lnRef>
+          <a:fillRef idx="1">
+            <a:schemeClr val="accent1"/>
+          </a:fillRef>
+          <a:effectRef idx="0">
+            <a:schemeClr val="accent1"/>
+          </a:effectRef>
+          <a:fontRef idx="minor">
+            <a:schemeClr val="lt1"/>
+          </a:fontRef>
+        </p:style>
+        <p:txBody>
+          <a:bodyPr rtlCol="0" anchor="ctr"/>
+          <a:lstStyle/>
+          <a:p>
+            <a:pPr algn="ctr"/>
+            <a:endParaRPr lang="en-US"/>
+          </a:p>
+        </p:txBody>
+      </p:sp>
+      <p:pic>
+        <p:nvPicPr>
+          <p:cNvPr id="12" name="Picture 11">
+            <a:extLst>
+              <a:ext uri="{FF2B5EF4-FFF2-40B4-BE49-F238E27FC236}">
+                <a16:creationId xmlns:a16="http://schemas.microsoft.com/office/drawing/2014/main" id="{07CF545F-9C2E-4446-97CD-AD92990C2B68}"/>
+              </a:ext>
+              <a:ext uri="{C183D7F6-B498-43B3-948B-1728B52AA6E4}">
+                <adec:decorative xmlns:adec="http://schemas.microsoft.com/office/drawing/2017/decorative" val="1"/>
+              </a:ext>
+            </a:extLst>
+          </p:cNvPr>
+          <p:cNvPicPr>
+            <a:picLocks noGrp="1" noRot="1" noChangeAspect="1" noMove="1" noResize="1" noEditPoints="1" noAdjustHandles="1" noChangeArrowheads="1" noChangeShapeType="1" noCrop="1"/>
+          </p:cNvPicPr>
+          <p:nvPr>
+            <p:extLst>
+              <p:ext uri="{386F3935-93C4-4BCD-93E2-E3B085C9AB24}">
+                <p16:designElem xmlns:p16="http://schemas.microsoft.com/office/powerpoint/2015/main" val="1"/>
+              </p:ext>
+            </p:extLst>
+          </p:nvPr>
+        </p:nvPicPr>
+        <p:blipFill>
+          <a:blip r:embed="rId2">
+            <a:extLst>
+              <a:ext uri="{28A0092B-C50C-407E-A947-70E740481C1C}">
+                <a14:useLocalDpi xmlns:a14="http://schemas.microsoft.com/office/drawing/2010/main" val="0"/>
+              </a:ext>
+            </a:extLst>
+          </a:blip>
+          <a:stretch>
+            <a:fillRect/>
+          </a:stretch>
+        </p:blipFill>
+        <p:spPr>
+          <a:xfrm>
+            <a:off x="0" y="0"/>
+            <a:ext cx="12192000" cy="6858000"/>
+          </a:xfrm>
+          <a:prstGeom prst="rect">
+            <a:avLst/>
+          </a:prstGeom>
+        </p:spPr>
+      </p:pic>
+      <p:sp>
+        <p:nvSpPr>
+          <p:cNvPr id="2" name="Title 1">
+            <a:extLst>
+              <a:ext uri="{FF2B5EF4-FFF2-40B4-BE49-F238E27FC236}">
+                <a16:creationId xmlns:a16="http://schemas.microsoft.com/office/drawing/2014/main" id="{F7698D99-22A5-4DE2-A9B2-4C28589E8F3C}"/>
+              </a:ext>
+            </a:extLst>
+          </p:cNvPr>
+          <p:cNvSpPr>
+            <a:spLocks noGrp="1"/>
+          </p:cNvSpPr>
+          <p:nvPr>
+            <p:ph type="title"/>
+          </p:nvPr>
+        </p:nvSpPr>
+        <p:spPr>
+          <a:xfrm>
+            <a:off x="6094105" y="802955"/>
+            <a:ext cx="4977976" cy="1454051"/>
+          </a:xfrm>
+        </p:spPr>
+        <p:txBody>
+          <a:bodyPr>
+            <a:normAutofit/>
+          </a:bodyPr>
+          <a:lstStyle/>
+          <a:p>
+            <a:r>
+              <a:rPr lang="en-US">
+                <a:solidFill>
+                  <a:srgbClr val="000000"/>
+                </a:solidFill>
+              </a:rPr>
+              <a:t>Record Level Access</a:t>
+            </a:r>
+          </a:p>
+        </p:txBody>
+      </p:sp>
+      <p:sp>
+        <p:nvSpPr>
+          <p:cNvPr id="14" name="Freeform 62">
+            <a:extLst>
+              <a:ext uri="{FF2B5EF4-FFF2-40B4-BE49-F238E27FC236}">
+                <a16:creationId xmlns:a16="http://schemas.microsoft.com/office/drawing/2014/main" id="{339C8D78-A644-462F-B674-F440635E5353}"/>
+              </a:ext>
+              <a:ext uri="{C183D7F6-B498-43B3-948B-1728B52AA6E4}">
+                <adec:decorative xmlns:adec="http://schemas.microsoft.com/office/drawing/2017/decorative" val="1"/>
+              </a:ext>
+            </a:extLst>
+          </p:cNvPr>
+          <p:cNvSpPr>
+            <a:spLocks noGrp="1" noRot="1" noChangeAspect="1" noMove="1" noResize="1" noEditPoints="1" noAdjustHandles="1" noChangeArrowheads="1" noChangeShapeType="1" noTextEdit="1"/>
+          </p:cNvSpPr>
+          <p:nvPr>
+            <p:extLst>
+              <p:ext uri="{386F3935-93C4-4BCD-93E2-E3B085C9AB24}">
+                <p16:designElem xmlns:p16="http://schemas.microsoft.com/office/powerpoint/2015/main" val="1"/>
+              </p:ext>
+            </p:extLst>
+          </p:nvPr>
+        </p:nvSpPr>
+        <p:spPr>
+          <a:xfrm>
+            <a:off x="0" y="738619"/>
+            <a:ext cx="5000438" cy="5400962"/>
+          </a:xfrm>
+          <a:custGeom>
+            <a:avLst/>
+            <a:gdLst>
+              <a:gd name="connsiteX0" fmla="*/ 2299956 w 5000438"/>
+              <a:gd name="connsiteY0" fmla="*/ 0 h 5400962"/>
+              <a:gd name="connsiteX1" fmla="*/ 5000438 w 5000438"/>
+              <a:gd name="connsiteY1" fmla="*/ 2700481 h 5400962"/>
+              <a:gd name="connsiteX2" fmla="*/ 2299956 w 5000438"/>
+              <a:gd name="connsiteY2" fmla="*/ 5400962 h 5400962"/>
+              <a:gd name="connsiteX3" fmla="*/ 60675 w 5000438"/>
+              <a:gd name="connsiteY3" fmla="*/ 4210346 h 5400962"/>
+              <a:gd name="connsiteX4" fmla="*/ 0 w 5000438"/>
+              <a:gd name="connsiteY4" fmla="*/ 4110472 h 5400962"/>
+              <a:gd name="connsiteX5" fmla="*/ 0 w 5000438"/>
+              <a:gd name="connsiteY5" fmla="*/ 1290491 h 5400962"/>
+              <a:gd name="connsiteX6" fmla="*/ 60675 w 5000438"/>
+              <a:gd name="connsiteY6" fmla="*/ 1190617 h 5400962"/>
+              <a:gd name="connsiteX7" fmla="*/ 2299956 w 5000438"/>
+              <a:gd name="connsiteY7" fmla="*/ 0 h 5400962"/>
             </a:gdLst>
             <a:ahLst/>
             <a:cxnLst>
@@ -6381,274 +10095,437 @@
               <a:cxn ang="0">
                 <a:pos x="connsiteX7" y="connsiteY7"/>
               </a:cxn>
+            </a:cxnLst>
+            <a:rect l="l" t="t" r="r" b="b"/>
+            <a:pathLst>
+              <a:path w="5000438" h="5400962">
+                <a:moveTo>
+                  <a:pt x="2299956" y="0"/>
+                </a:moveTo>
+                <a:cubicBezTo>
+                  <a:pt x="3791390" y="0"/>
+                  <a:pt x="5000438" y="1209047"/>
+                  <a:pt x="5000438" y="2700481"/>
+                </a:cubicBezTo>
+                <a:cubicBezTo>
+                  <a:pt x="5000438" y="4191915"/>
+                  <a:pt x="3791390" y="5400962"/>
+                  <a:pt x="2299956" y="5400962"/>
+                </a:cubicBezTo>
+                <a:cubicBezTo>
+                  <a:pt x="1367810" y="5400962"/>
+                  <a:pt x="545971" y="4928678"/>
+                  <a:pt x="60675" y="4210346"/>
+                </a:cubicBezTo>
+                <a:lnTo>
+                  <a:pt x="0" y="4110472"/>
+                </a:lnTo>
+                <a:lnTo>
+                  <a:pt x="0" y="1290491"/>
+                </a:lnTo>
+                <a:lnTo>
+                  <a:pt x="60675" y="1190617"/>
+                </a:lnTo>
+                <a:cubicBezTo>
+                  <a:pt x="545971" y="472284"/>
+                  <a:pt x="1367810" y="0"/>
+                  <a:pt x="2299956" y="0"/>
+                </a:cubicBezTo>
+                <a:close/>
+              </a:path>
+            </a:pathLst>
+          </a:custGeom>
+          <a:solidFill>
+            <a:srgbClr val="FFFFFF"/>
+          </a:solidFill>
+          <a:ln>
+            <a:gradFill>
+              <a:gsLst>
+                <a:gs pos="0">
+                  <a:schemeClr val="accent1">
+                    <a:lumMod val="40000"/>
+                    <a:lumOff val="60000"/>
+                  </a:schemeClr>
+                </a:gs>
+                <a:gs pos="23000">
+                  <a:schemeClr val="accent1">
+                    <a:lumMod val="45000"/>
+                    <a:lumOff val="55000"/>
+                  </a:schemeClr>
+                </a:gs>
+                <a:gs pos="83000">
+                  <a:schemeClr val="bg2">
+                    <a:lumMod val="85000"/>
+                  </a:schemeClr>
+                </a:gs>
+                <a:gs pos="100000">
+                  <a:schemeClr val="bg2">
+                    <a:lumMod val="85000"/>
+                  </a:schemeClr>
+                </a:gs>
+              </a:gsLst>
+              <a:lin ang="5400000" scaled="1"/>
+            </a:gradFill>
+          </a:ln>
+        </p:spPr>
+        <p:style>
+          <a:lnRef idx="2">
+            <a:schemeClr val="accent1">
+              <a:shade val="50000"/>
+            </a:schemeClr>
+          </a:lnRef>
+          <a:fillRef idx="1">
+            <a:schemeClr val="accent1"/>
+          </a:fillRef>
+          <a:effectRef idx="0">
+            <a:schemeClr val="accent1"/>
+          </a:effectRef>
+          <a:fontRef idx="minor">
+            <a:schemeClr val="lt1"/>
+          </a:fontRef>
+        </p:style>
+        <p:txBody>
+          <a:bodyPr wrap="square" rtlCol="0" anchor="ctr">
+            <a:noAutofit/>
+          </a:bodyPr>
+          <a:lstStyle/>
+          <a:p>
+            <a:pPr algn="ctr"/>
+            <a:endParaRPr lang="en-US"/>
+          </a:p>
+        </p:txBody>
+      </p:sp>
+      <p:pic>
+        <p:nvPicPr>
+          <p:cNvPr id="7" name="Graphic 6" descr="Security Camera">
+            <a:extLst>
+              <a:ext uri="{FF2B5EF4-FFF2-40B4-BE49-F238E27FC236}">
+                <a16:creationId xmlns:a16="http://schemas.microsoft.com/office/drawing/2014/main" id="{54671DC0-91A6-4D5B-BD09-667254012C45}"/>
+              </a:ext>
+            </a:extLst>
+          </p:cNvPr>
+          <p:cNvPicPr>
+            <a:picLocks noChangeAspect="1"/>
+          </p:cNvPicPr>
+          <p:nvPr/>
+        </p:nvPicPr>
+        <p:blipFill>
+          <a:blip r:embed="rId3">
+            <a:extLst>
+              <a:ext uri="{28A0092B-C50C-407E-A947-70E740481C1C}">
+                <a14:useLocalDpi xmlns:a14="http://schemas.microsoft.com/office/drawing/2010/main" val="0"/>
+              </a:ext>
+              <a:ext uri="{96DAC541-7B7A-43D3-8B79-37D633B846F1}">
+                <asvg:svgBlip xmlns:asvg="http://schemas.microsoft.com/office/drawing/2016/SVG/main" r:embed="rId4"/>
+              </a:ext>
+            </a:extLst>
+          </a:blip>
+          <a:stretch>
+            <a:fillRect/>
+          </a:stretch>
+        </p:blipFill>
+        <p:spPr>
+          <a:xfrm>
+            <a:off x="450254" y="1629089"/>
+            <a:ext cx="3620021" cy="3620021"/>
+          </a:xfrm>
+          <a:prstGeom prst="rect">
+            <a:avLst/>
+          </a:prstGeom>
+        </p:spPr>
+      </p:pic>
+      <p:sp>
+        <p:nvSpPr>
+          <p:cNvPr id="3" name="Content Placeholder 2">
+            <a:extLst>
+              <a:ext uri="{FF2B5EF4-FFF2-40B4-BE49-F238E27FC236}">
+                <a16:creationId xmlns:a16="http://schemas.microsoft.com/office/drawing/2014/main" id="{DE5279F3-E783-42CA-A0AB-BFBAED2F37E3}"/>
+              </a:ext>
+            </a:extLst>
+          </p:cNvPr>
+          <p:cNvSpPr>
+            <a:spLocks noGrp="1"/>
+          </p:cNvSpPr>
+          <p:nvPr>
+            <p:ph idx="1"/>
+          </p:nvPr>
+        </p:nvSpPr>
+        <p:spPr>
+          <a:xfrm>
+            <a:off x="6090574" y="2421682"/>
+            <a:ext cx="4977578" cy="3639289"/>
+          </a:xfrm>
+        </p:spPr>
+        <p:txBody>
+          <a:bodyPr anchor="ctr">
+            <a:normAutofit/>
+          </a:bodyPr>
+          <a:lstStyle/>
+          <a:p>
+            <a:pPr marL="0" indent="0">
+              <a:buNone/>
+            </a:pPr>
+            <a:r>
+              <a:rPr lang="en-US" sz="3200" dirty="0">
+                <a:solidFill>
+                  <a:srgbClr val="000000"/>
+                </a:solidFill>
+              </a:rPr>
+              <a:t>Anatomy behind the sharing of records</a:t>
+            </a:r>
+          </a:p>
+        </p:txBody>
+      </p:sp>
+    </p:spTree>
+    <p:extLst>
+      <p:ext uri="{BB962C8B-B14F-4D97-AF65-F5344CB8AC3E}">
+        <p14:creationId xmlns:p14="http://schemas.microsoft.com/office/powerpoint/2010/main" val="3957736600"/>
+      </p:ext>
+    </p:extLst>
+  </p:cSld>
+  <p:clrMapOvr>
+    <a:masterClrMapping/>
+  </p:clrMapOvr>
+</p:sld>
+</file>
+
+<file path=ppt/slides/slide8.xml><?xml version="1.0" encoding="utf-8"?>
+<p:sld xmlns:a="http://schemas.openxmlformats.org/drawingml/2006/main" xmlns:r="http://schemas.openxmlformats.org/officeDocument/2006/relationships" xmlns:p="http://schemas.openxmlformats.org/presentationml/2006/main">
+  <p:cSld>
+    <p:spTree>
+      <p:nvGrpSpPr>
+        <p:cNvPr id="1" name=""/>
+        <p:cNvGrpSpPr/>
+        <p:nvPr/>
+      </p:nvGrpSpPr>
+      <p:grpSpPr>
+        <a:xfrm>
+          <a:off x="0" y="0"/>
+          <a:ext cx="0" cy="0"/>
+          <a:chOff x="0" y="0"/>
+          <a:chExt cx="0" cy="0"/>
+        </a:xfrm>
+      </p:grpSpPr>
+      <p:pic>
+        <p:nvPicPr>
+          <p:cNvPr id="5" name="Picture 4">
+            <a:extLst>
+              <a:ext uri="{FF2B5EF4-FFF2-40B4-BE49-F238E27FC236}">
+                <a16:creationId xmlns:a16="http://schemas.microsoft.com/office/drawing/2014/main" id="{AA0237C3-1CB1-4E43-B176-4C23FBEB9D26}"/>
+              </a:ext>
+            </a:extLst>
+          </p:cNvPr>
+          <p:cNvPicPr>
+            <a:picLocks noChangeAspect="1"/>
+          </p:cNvPicPr>
+          <p:nvPr/>
+        </p:nvPicPr>
+        <p:blipFill>
+          <a:blip r:embed="rId2">
+            <a:extLst>
+              <a:ext uri="{28A0092B-C50C-407E-A947-70E740481C1C}">
+                <a14:useLocalDpi xmlns:a14="http://schemas.microsoft.com/office/drawing/2010/main" val="0"/>
+              </a:ext>
+            </a:extLst>
+          </a:blip>
+          <a:stretch>
+            <a:fillRect/>
+          </a:stretch>
+        </p:blipFill>
+        <p:spPr>
+          <a:xfrm>
+            <a:off x="0" y="312490"/>
+            <a:ext cx="12192000" cy="6233019"/>
+          </a:xfrm>
+          <a:prstGeom prst="rect">
+            <a:avLst/>
+          </a:prstGeom>
+        </p:spPr>
+      </p:pic>
+    </p:spTree>
+    <p:extLst>
+      <p:ext uri="{BB962C8B-B14F-4D97-AF65-F5344CB8AC3E}">
+        <p14:creationId xmlns:p14="http://schemas.microsoft.com/office/powerpoint/2010/main" val="2276265207"/>
+      </p:ext>
+    </p:extLst>
+  </p:cSld>
+  <p:clrMapOvr>
+    <a:masterClrMapping/>
+  </p:clrMapOvr>
+</p:sld>
+</file>
+
+<file path=ppt/slides/slide9.xml><?xml version="1.0" encoding="utf-8"?>
+<p:sld xmlns:a="http://schemas.openxmlformats.org/drawingml/2006/main" xmlns:r="http://schemas.openxmlformats.org/officeDocument/2006/relationships" xmlns:p="http://schemas.openxmlformats.org/presentationml/2006/main">
+  <p:cSld>
+    <p:bg>
+      <p:bgPr>
+        <a:solidFill>
+          <a:schemeClr val="bg1">
+            <a:tint val="95000"/>
+            <a:satMod val="170000"/>
+          </a:schemeClr>
+        </a:solidFill>
+        <a:effectLst/>
+      </p:bgPr>
+    </p:bg>
+    <p:spTree>
+      <p:nvGrpSpPr>
+        <p:cNvPr id="1" name=""/>
+        <p:cNvGrpSpPr/>
+        <p:nvPr/>
+      </p:nvGrpSpPr>
+      <p:grpSpPr>
+        <a:xfrm>
+          <a:off x="0" y="0"/>
+          <a:ext cx="0" cy="0"/>
+          <a:chOff x="0" y="0"/>
+          <a:chExt cx="0" cy="0"/>
+        </a:xfrm>
+      </p:grpSpPr>
+      <p:sp>
+        <p:nvSpPr>
+          <p:cNvPr id="2" name="Title 1">
+            <a:extLst>
+              <a:ext uri="{FF2B5EF4-FFF2-40B4-BE49-F238E27FC236}">
+                <a16:creationId xmlns:a16="http://schemas.microsoft.com/office/drawing/2014/main" id="{6335C50E-B041-4A76-BB13-2C185849F2E2}"/>
+              </a:ext>
+            </a:extLst>
+          </p:cNvPr>
+          <p:cNvSpPr>
+            <a:spLocks noGrp="1"/>
+          </p:cNvSpPr>
+          <p:nvPr>
+            <p:ph type="title"/>
+          </p:nvPr>
+        </p:nvSpPr>
+        <p:spPr>
+          <a:xfrm>
+            <a:off x="6053668" y="803325"/>
+            <a:ext cx="5314536" cy="1325563"/>
+          </a:xfrm>
+        </p:spPr>
+        <p:txBody>
+          <a:bodyPr>
+            <a:normAutofit/>
+          </a:bodyPr>
+          <a:lstStyle/>
+          <a:p>
+            <a:r>
+              <a:rPr lang="en-US" dirty="0"/>
+              <a:t>Field Level Access</a:t>
+            </a:r>
+          </a:p>
+        </p:txBody>
+      </p:sp>
+      <p:sp>
+        <p:nvSpPr>
+          <p:cNvPr id="10" name="Freeform: Shape 9">
+            <a:extLst>
+              <a:ext uri="{FF2B5EF4-FFF2-40B4-BE49-F238E27FC236}">
+                <a16:creationId xmlns:a16="http://schemas.microsoft.com/office/drawing/2014/main" id="{E0D60ECE-8986-45DC-B7FE-EC7699B466B8}"/>
+              </a:ext>
+              <a:ext uri="{C183D7F6-B498-43B3-948B-1728B52AA6E4}">
+                <adec:decorative xmlns:adec="http://schemas.microsoft.com/office/drawing/2017/decorative" val="1"/>
+              </a:ext>
+            </a:extLst>
+          </p:cNvPr>
+          <p:cNvSpPr>
+            <a:spLocks noGrp="1" noRot="1" noChangeAspect="1" noMove="1" noResize="1" noEditPoints="1" noAdjustHandles="1" noChangeArrowheads="1" noChangeShapeType="1" noTextEdit="1"/>
+          </p:cNvSpPr>
+          <p:nvPr>
+            <p:extLst>
+              <p:ext uri="{386F3935-93C4-4BCD-93E2-E3B085C9AB24}">
+                <p16:designElem xmlns:p16="http://schemas.microsoft.com/office/powerpoint/2015/main" val="1"/>
+              </p:ext>
+            </p:extLst>
+          </p:nvPr>
+        </p:nvSpPr>
+        <p:spPr>
+          <a:xfrm>
+            <a:off x="1" y="0"/>
+            <a:ext cx="5438829" cy="5840278"/>
+          </a:xfrm>
+          <a:custGeom>
+            <a:avLst/>
+            <a:gdLst>
+              <a:gd name="connsiteX0" fmla="*/ 0 w 5438829"/>
+              <a:gd name="connsiteY0" fmla="*/ 0 h 5840278"/>
+              <a:gd name="connsiteX1" fmla="*/ 4466700 w 5438829"/>
+              <a:gd name="connsiteY1" fmla="*/ 0 h 5840278"/>
+              <a:gd name="connsiteX2" fmla="*/ 4652178 w 5438829"/>
+              <a:gd name="connsiteY2" fmla="*/ 204077 h 5840278"/>
+              <a:gd name="connsiteX3" fmla="*/ 5438829 w 5438829"/>
+              <a:gd name="connsiteY3" fmla="*/ 2395363 h 5840278"/>
+              <a:gd name="connsiteX4" fmla="*/ 1993914 w 5438829"/>
+              <a:gd name="connsiteY4" fmla="*/ 5840278 h 5840278"/>
+              <a:gd name="connsiteX5" fmla="*/ 67829 w 5438829"/>
+              <a:gd name="connsiteY5" fmla="*/ 5251941 h 5840278"/>
+              <a:gd name="connsiteX6" fmla="*/ 0 w 5438829"/>
+              <a:gd name="connsiteY6" fmla="*/ 5201220 h 5840278"/>
+            </a:gdLst>
+            <a:ahLst/>
+            <a:cxnLst>
               <a:cxn ang="0">
-                <a:pos x="connsiteX8" y="connsiteY8"/>
+                <a:pos x="connsiteX0" y="connsiteY0"/>
               </a:cxn>
               <a:cxn ang="0">
-                <a:pos x="connsiteX9" y="connsiteY9"/>
+                <a:pos x="connsiteX1" y="connsiteY1"/>
               </a:cxn>
               <a:cxn ang="0">
-                <a:pos x="connsiteX10" y="connsiteY10"/>
+                <a:pos x="connsiteX2" y="connsiteY2"/>
               </a:cxn>
               <a:cxn ang="0">
-                <a:pos x="connsiteX11" y="connsiteY11"/>
+                <a:pos x="connsiteX3" y="connsiteY3"/>
               </a:cxn>
               <a:cxn ang="0">
-                <a:pos x="connsiteX12" y="connsiteY12"/>
+                <a:pos x="connsiteX4" y="connsiteY4"/>
               </a:cxn>
               <a:cxn ang="0">
-                <a:pos x="connsiteX13" y="connsiteY13"/>
+                <a:pos x="connsiteX5" y="connsiteY5"/>
               </a:cxn>
               <a:cxn ang="0">
-                <a:pos x="connsiteX14" y="connsiteY14"/>
-              </a:cxn>
-              <a:cxn ang="0">
-                <a:pos x="connsiteX15" y="connsiteY15"/>
-              </a:cxn>
-              <a:cxn ang="0">
-                <a:pos x="connsiteX16" y="connsiteY16"/>
-              </a:cxn>
-              <a:cxn ang="0">
-                <a:pos x="connsiteX17" y="connsiteY17"/>
-              </a:cxn>
-              <a:cxn ang="0">
-                <a:pos x="connsiteX18" y="connsiteY18"/>
-              </a:cxn>
-              <a:cxn ang="0">
-                <a:pos x="connsiteX19" y="connsiteY19"/>
-              </a:cxn>
-              <a:cxn ang="0">
-                <a:pos x="connsiteX20" y="connsiteY20"/>
-              </a:cxn>
-              <a:cxn ang="0">
-                <a:pos x="connsiteX21" y="connsiteY21"/>
-              </a:cxn>
-              <a:cxn ang="0">
-                <a:pos x="connsiteX22" y="connsiteY22"/>
-              </a:cxn>
-              <a:cxn ang="0">
-                <a:pos x="connsiteX23" y="connsiteY23"/>
-              </a:cxn>
-              <a:cxn ang="0">
-                <a:pos x="connsiteX24" y="connsiteY24"/>
-              </a:cxn>
-              <a:cxn ang="0">
-                <a:pos x="connsiteX25" y="connsiteY25"/>
-              </a:cxn>
-              <a:cxn ang="0">
-                <a:pos x="connsiteX26" y="connsiteY26"/>
-              </a:cxn>
-              <a:cxn ang="0">
-                <a:pos x="connsiteX27" y="connsiteY27"/>
-              </a:cxn>
-              <a:cxn ang="0">
-                <a:pos x="connsiteX28" y="connsiteY28"/>
-              </a:cxn>
-              <a:cxn ang="0">
-                <a:pos x="connsiteX29" y="connsiteY29"/>
-              </a:cxn>
-              <a:cxn ang="0">
-                <a:pos x="connsiteX30" y="connsiteY30"/>
-              </a:cxn>
-              <a:cxn ang="0">
-                <a:pos x="connsiteX31" y="connsiteY31"/>
-              </a:cxn>
-              <a:cxn ang="0">
-                <a:pos x="connsiteX32" y="connsiteY32"/>
-              </a:cxn>
-              <a:cxn ang="0">
-                <a:pos x="connsiteX33" y="connsiteY33"/>
-              </a:cxn>
-              <a:cxn ang="0">
-                <a:pos x="connsiteX34" y="connsiteY34"/>
-              </a:cxn>
-              <a:cxn ang="0">
-                <a:pos x="connsiteX35" y="connsiteY35"/>
-              </a:cxn>
-              <a:cxn ang="0">
-                <a:pos x="connsiteX36" y="connsiteY36"/>
-              </a:cxn>
-              <a:cxn ang="0">
-                <a:pos x="connsiteX37" y="connsiteY37"/>
-              </a:cxn>
-              <a:cxn ang="0">
-                <a:pos x="connsiteX38" y="connsiteY38"/>
-              </a:cxn>
-              <a:cxn ang="0">
-                <a:pos x="connsiteX39" y="connsiteY39"/>
-              </a:cxn>
-              <a:cxn ang="0">
-                <a:pos x="connsiteX40" y="connsiteY40"/>
-              </a:cxn>
-              <a:cxn ang="0">
-                <a:pos x="connsiteX41" y="connsiteY41"/>
-              </a:cxn>
-              <a:cxn ang="0">
-                <a:pos x="connsiteX42" y="connsiteY42"/>
-              </a:cxn>
-              <a:cxn ang="0">
-                <a:pos x="connsiteX43" y="connsiteY43"/>
-              </a:cxn>
-              <a:cxn ang="0">
-                <a:pos x="connsiteX44" y="connsiteY44"/>
-              </a:cxn>
-              <a:cxn ang="0">
-                <a:pos x="connsiteX45" y="connsiteY45"/>
-              </a:cxn>
-              <a:cxn ang="0">
-                <a:pos x="connsiteX46" y="connsiteY46"/>
+                <a:pos x="connsiteX6" y="connsiteY6"/>
               </a:cxn>
             </a:cxnLst>
             <a:rect l="l" t="t" r="r" b="b"/>
             <a:pathLst>
-              <a:path w="4381009" h="5892104">
+              <a:path w="5438829" h="5840278">
                 <a:moveTo>
                   <a:pt x="0" y="0"/>
                 </a:moveTo>
                 <a:lnTo>
-                  <a:pt x="4157628" y="0"/>
+                  <a:pt x="4466700" y="0"/>
                 </a:lnTo>
                 <a:lnTo>
-                  <a:pt x="4169302" y="68659"/>
+                  <a:pt x="4652178" y="204077"/>
                 </a:lnTo>
+                <a:cubicBezTo>
+                  <a:pt x="5143616" y="799562"/>
+                  <a:pt x="5438829" y="1562987"/>
+                  <a:pt x="5438829" y="2395363"/>
+                </a:cubicBezTo>
+                <a:cubicBezTo>
+                  <a:pt x="5438829" y="4297937"/>
+                  <a:pt x="3896488" y="5840278"/>
+                  <a:pt x="1993914" y="5840278"/>
+                </a:cubicBezTo>
+                <a:cubicBezTo>
+                  <a:pt x="1280449" y="5840278"/>
+                  <a:pt x="617641" y="5623387"/>
+                  <a:pt x="67829" y="5251941"/>
+                </a:cubicBezTo>
                 <a:lnTo>
-                  <a:pt x="4191571" y="205472"/>
-                </a:lnTo>
-                <a:lnTo>
-                  <a:pt x="4213368" y="342890"/>
-                </a:lnTo>
-                <a:lnTo>
-                  <a:pt x="4232030" y="480913"/>
-                </a:lnTo>
-                <a:lnTo>
-                  <a:pt x="4250848" y="618332"/>
-                </a:lnTo>
-                <a:lnTo>
-                  <a:pt x="4268412" y="756355"/>
-                </a:lnTo>
-                <a:lnTo>
-                  <a:pt x="4283467" y="892563"/>
-                </a:lnTo>
-                <a:lnTo>
-                  <a:pt x="4297737" y="1030587"/>
-                </a:lnTo>
-                <a:lnTo>
-                  <a:pt x="4310754" y="1168005"/>
-                </a:lnTo>
-                <a:lnTo>
-                  <a:pt x="4322045" y="1303002"/>
-                </a:lnTo>
-                <a:lnTo>
-                  <a:pt x="4333336" y="1439815"/>
-                </a:lnTo>
-                <a:lnTo>
-                  <a:pt x="4342745" y="1574812"/>
-                </a:lnTo>
-                <a:lnTo>
-                  <a:pt x="4350115" y="1709808"/>
-                </a:lnTo>
-                <a:lnTo>
-                  <a:pt x="4357799" y="1844200"/>
-                </a:lnTo>
-                <a:lnTo>
-                  <a:pt x="4364229" y="1977381"/>
-                </a:lnTo>
-                <a:lnTo>
-                  <a:pt x="4368777" y="2109351"/>
-                </a:lnTo>
-                <a:lnTo>
-                  <a:pt x="4372697" y="2241321"/>
-                </a:lnTo>
-                <a:lnTo>
-                  <a:pt x="4376461" y="2372080"/>
-                </a:lnTo>
-                <a:lnTo>
-                  <a:pt x="4378186" y="2501023"/>
-                </a:lnTo>
-                <a:lnTo>
-                  <a:pt x="4380068" y="2629966"/>
-                </a:lnTo>
-                <a:lnTo>
-                  <a:pt x="4381009" y="2757093"/>
-                </a:lnTo>
-                <a:lnTo>
-                  <a:pt x="4380068" y="2883010"/>
-                </a:lnTo>
-                <a:lnTo>
-                  <a:pt x="4380068" y="3007715"/>
-                </a:lnTo>
-                <a:lnTo>
-                  <a:pt x="4378186" y="3131210"/>
-                </a:lnTo>
-                <a:lnTo>
-                  <a:pt x="4375363" y="3252283"/>
-                </a:lnTo>
-                <a:lnTo>
-                  <a:pt x="4372697" y="3372146"/>
-                </a:lnTo>
-                <a:lnTo>
-                  <a:pt x="4369718" y="3489587"/>
-                </a:lnTo>
-                <a:lnTo>
-                  <a:pt x="4365170" y="3606423"/>
-                </a:lnTo>
-                <a:lnTo>
-                  <a:pt x="4360309" y="3721443"/>
-                </a:lnTo>
-                <a:lnTo>
-                  <a:pt x="4355918" y="3834041"/>
-                </a:lnTo>
-                <a:lnTo>
-                  <a:pt x="4343529" y="4053789"/>
-                </a:lnTo>
-                <a:lnTo>
-                  <a:pt x="4330356" y="4264457"/>
-                </a:lnTo>
-                <a:lnTo>
-                  <a:pt x="4316556" y="4466650"/>
-                </a:lnTo>
-                <a:lnTo>
-                  <a:pt x="4301344" y="4657946"/>
-                </a:lnTo>
-                <a:lnTo>
-                  <a:pt x="4285506" y="4840767"/>
-                </a:lnTo>
-                <a:lnTo>
-                  <a:pt x="4268412" y="5010269"/>
-                </a:lnTo>
-                <a:lnTo>
-                  <a:pt x="4251633" y="5169481"/>
-                </a:lnTo>
-                <a:lnTo>
-                  <a:pt x="4234853" y="5315980"/>
-                </a:lnTo>
-                <a:lnTo>
-                  <a:pt x="4219014" y="5450371"/>
-                </a:lnTo>
-                <a:lnTo>
-                  <a:pt x="4203959" y="5569628"/>
-                </a:lnTo>
-                <a:lnTo>
-                  <a:pt x="4189689" y="5677384"/>
-                </a:lnTo>
-                <a:lnTo>
-                  <a:pt x="4177770" y="5768189"/>
-                </a:lnTo>
-                <a:lnTo>
-                  <a:pt x="4166479" y="5844465"/>
-                </a:lnTo>
-                <a:lnTo>
-                  <a:pt x="4159132" y="5892104"/>
-                </a:lnTo>
-                <a:lnTo>
-                  <a:pt x="0" y="5892104"/>
+                  <a:pt x="0" y="5201220"/>
                 </a:lnTo>
                 <a:close/>
               </a:path>
             </a:pathLst>
           </a:custGeom>
           <a:solidFill>
-            <a:srgbClr val="404040"/>
+            <a:srgbClr val="FFFFFF">
+              <a:alpha val="80000"/>
+            </a:srgbClr>
           </a:solidFill>
           <a:ln>
             <a:noFill/>
@@ -6676,7 +10553,7 @@
           </a:bodyPr>
           <a:lstStyle/>
           <a:p>
-            <a:pPr marL="0" marR="0" lvl="0" indent="0" algn="ctr" defTabSz="457200" rtl="0" eaLnBrk="1" fontAlgn="auto" latinLnBrk="0" hangingPunct="1">
+            <a:pPr marL="0" marR="0" lvl="0" indent="0" algn="ctr" defTabSz="914400" rtl="0" eaLnBrk="1" fontAlgn="auto" latinLnBrk="0" hangingPunct="1">
               <a:lnSpc>
                 <a:spcPct val="100000"/>
               </a:lnSpc>
@@ -6712,143 +10589,177 @@
       </p:sp>
       <p:sp>
         <p:nvSpPr>
-          <p:cNvPr id="2" name="Title 1">
+          <p:cNvPr id="12" name="Freeform: Shape 11">
             <a:extLst>
               <a:ext uri="{FF2B5EF4-FFF2-40B4-BE49-F238E27FC236}">
-                <a16:creationId xmlns:a16="http://schemas.microsoft.com/office/drawing/2014/main" id="{C107B013-09E8-4C44-9125-5AF23274B6DF}"/>
+                <a16:creationId xmlns:a16="http://schemas.microsoft.com/office/drawing/2014/main" id="{96964194-5878-40D2-8EC0-DDC58387FA56}"/>
+              </a:ext>
+              <a:ext uri="{C183D7F6-B498-43B3-948B-1728B52AA6E4}">
+                <adec:decorative xmlns:adec="http://schemas.microsoft.com/office/drawing/2017/decorative" val="1"/>
               </a:ext>
             </a:extLst>
           </p:cNvPr>
           <p:cNvSpPr>
-            <a:spLocks noGrp="1"/>
+            <a:spLocks noGrp="1" noRot="1" noChangeAspect="1" noMove="1" noResize="1" noEditPoints="1" noAdjustHandles="1" noChangeArrowheads="1" noChangeShapeType="1" noTextEdit="1"/>
           </p:cNvSpPr>
           <p:nvPr>
-            <p:ph type="title"/>
-          </p:nvPr>
-        </p:nvSpPr>
-        <p:spPr>
-          <a:xfrm>
-            <a:off x="863029" y="1012004"/>
-            <a:ext cx="3416158" cy="4795408"/>
-          </a:xfrm>
-        </p:spPr>
-        <p:txBody>
-          <a:bodyPr>
-            <a:normAutofit/>
-          </a:bodyPr>
-          <a:lstStyle/>
-          <a:p>
-            <a:r>
-              <a:rPr lang="en-US">
-                <a:solidFill>
-                  <a:srgbClr val="FFFFFF"/>
-                </a:solidFill>
-              </a:rPr>
-              <a:t>Agenda</a:t>
-            </a:r>
-          </a:p>
-        </p:txBody>
-      </p:sp>
-      <p:graphicFrame>
-        <p:nvGraphicFramePr>
-          <p:cNvPr id="5" name="Content Placeholder 2">
-            <a:extLst>
-              <a:ext uri="{FF2B5EF4-FFF2-40B4-BE49-F238E27FC236}">
-                <a16:creationId xmlns:a16="http://schemas.microsoft.com/office/drawing/2014/main" id="{18AC4617-57B0-4EF9-AA9E-347F07084680}"/>
-              </a:ext>
-            </a:extLst>
-          </p:cNvPr>
-          <p:cNvGraphicFramePr>
-            <a:graphicFrameLocks noGrp="1"/>
-          </p:cNvGraphicFramePr>
-          <p:nvPr>
-            <p:ph idx="1"/>
             <p:extLst>
-              <p:ext uri="{D42A27DB-BD31-4B8C-83A1-F6EECF244321}">
-                <p14:modId xmlns:p14="http://schemas.microsoft.com/office/powerpoint/2010/main" val="3233883178"/>
+              <p:ext uri="{386F3935-93C4-4BCD-93E2-E3B085C9AB24}">
+                <p16:designElem xmlns:p16="http://schemas.microsoft.com/office/powerpoint/2015/main" val="1"/>
               </p:ext>
             </p:extLst>
-          </p:nvPr>
-        </p:nvGraphicFramePr>
-        <p:xfrm>
-          <a:off x="5194300" y="470924"/>
-          <a:ext cx="6513604" cy="5885426"/>
-        </p:xfrm>
-        <a:graphic>
-          <a:graphicData uri="http://schemas.openxmlformats.org/drawingml/2006/diagram">
-            <dgm:relIds xmlns:dgm="http://schemas.openxmlformats.org/drawingml/2006/diagram" xmlns:r="http://schemas.openxmlformats.org/officeDocument/2006/relationships" r:dm="rId2" r:lo="rId3" r:qs="rId4" r:cs="rId5"/>
-          </a:graphicData>
-        </a:graphic>
-      </p:graphicFrame>
-    </p:spTree>
-    <p:extLst>
-      <p:ext uri="{BB962C8B-B14F-4D97-AF65-F5344CB8AC3E}">
-        <p14:creationId xmlns:p14="http://schemas.microsoft.com/office/powerpoint/2010/main" val="1716621747"/>
-      </p:ext>
-    </p:extLst>
-  </p:cSld>
-  <p:clrMapOvr>
-    <a:masterClrMapping/>
-  </p:clrMapOvr>
-</p:sld>
-</file>
-
-<file path=ppt/slides/slide3.xml><?xml version="1.0" encoding="utf-8"?>
-<p:sld xmlns:a="http://schemas.openxmlformats.org/drawingml/2006/main" xmlns:r="http://schemas.openxmlformats.org/officeDocument/2006/relationships" xmlns:p="http://schemas.openxmlformats.org/presentationml/2006/main">
-  <p:cSld>
-    <p:spTree>
-      <p:nvGrpSpPr>
-        <p:cNvPr id="1" name=""/>
-        <p:cNvGrpSpPr/>
-        <p:nvPr/>
-      </p:nvGrpSpPr>
-      <p:grpSpPr>
-        <a:xfrm>
-          <a:off x="0" y="0"/>
-          <a:ext cx="0" cy="0"/>
-          <a:chOff x="0" y="0"/>
-          <a:chExt cx="0" cy="0"/>
-        </a:xfrm>
-      </p:grpSpPr>
-      <p:sp>
-        <p:nvSpPr>
-          <p:cNvPr id="2" name="Title 1">
-            <a:extLst>
-              <a:ext uri="{FF2B5EF4-FFF2-40B4-BE49-F238E27FC236}">
-                <a16:creationId xmlns:a16="http://schemas.microsoft.com/office/drawing/2014/main" id="{813EFB1E-9F75-476F-BB75-39F1579EFF01}"/>
-              </a:ext>
-            </a:extLst>
-          </p:cNvPr>
-          <p:cNvSpPr>
-            <a:spLocks noGrp="1"/>
-          </p:cNvSpPr>
-          <p:nvPr>
-            <p:ph type="title"/>
           </p:nvPr>
         </p:nvSpPr>
         <p:spPr>
           <a:xfrm>
             <a:off x="0" y="0"/>
-            <a:ext cx="10515600" cy="720725"/>
+            <a:ext cx="5269134" cy="5654940"/>
           </a:xfrm>
+          <a:custGeom>
+            <a:avLst/>
+            <a:gdLst>
+              <a:gd name="connsiteX0" fmla="*/ 0 w 5269134"/>
+              <a:gd name="connsiteY0" fmla="*/ 0 h 5654940"/>
+              <a:gd name="connsiteX1" fmla="*/ 4227767 w 5269134"/>
+              <a:gd name="connsiteY1" fmla="*/ 0 h 5654940"/>
+              <a:gd name="connsiteX2" fmla="*/ 4312042 w 5269134"/>
+              <a:gd name="connsiteY2" fmla="*/ 76595 h 5654940"/>
+              <a:gd name="connsiteX3" fmla="*/ 5269134 w 5269134"/>
+              <a:gd name="connsiteY3" fmla="*/ 2387221 h 5654940"/>
+              <a:gd name="connsiteX4" fmla="*/ 2001415 w 5269134"/>
+              <a:gd name="connsiteY4" fmla="*/ 5654940 h 5654940"/>
+              <a:gd name="connsiteX5" fmla="*/ 198928 w 5269134"/>
+              <a:gd name="connsiteY5" fmla="*/ 5113274 h 5654940"/>
+              <a:gd name="connsiteX6" fmla="*/ 0 w 5269134"/>
+              <a:gd name="connsiteY6" fmla="*/ 4969563 h 5654940"/>
+            </a:gdLst>
+            <a:ahLst/>
+            <a:cxnLst>
+              <a:cxn ang="0">
+                <a:pos x="connsiteX0" y="connsiteY0"/>
+              </a:cxn>
+              <a:cxn ang="0">
+                <a:pos x="connsiteX1" y="connsiteY1"/>
+              </a:cxn>
+              <a:cxn ang="0">
+                <a:pos x="connsiteX2" y="connsiteY2"/>
+              </a:cxn>
+              <a:cxn ang="0">
+                <a:pos x="connsiteX3" y="connsiteY3"/>
+              </a:cxn>
+              <a:cxn ang="0">
+                <a:pos x="connsiteX4" y="connsiteY4"/>
+              </a:cxn>
+              <a:cxn ang="0">
+                <a:pos x="connsiteX5" y="connsiteY5"/>
+              </a:cxn>
+              <a:cxn ang="0">
+                <a:pos x="connsiteX6" y="connsiteY6"/>
+              </a:cxn>
+            </a:cxnLst>
+            <a:rect l="l" t="t" r="r" b="b"/>
+            <a:pathLst>
+              <a:path w="5269134" h="5654940">
+                <a:moveTo>
+                  <a:pt x="0" y="0"/>
+                </a:moveTo>
+                <a:lnTo>
+                  <a:pt x="4227767" y="0"/>
+                </a:lnTo>
+                <a:lnTo>
+                  <a:pt x="4312042" y="76595"/>
+                </a:lnTo>
+                <a:cubicBezTo>
+                  <a:pt x="4903383" y="667936"/>
+                  <a:pt x="5269134" y="1484866"/>
+                  <a:pt x="5269134" y="2387221"/>
+                </a:cubicBezTo>
+                <a:cubicBezTo>
+                  <a:pt x="5269134" y="4191932"/>
+                  <a:pt x="3806126" y="5654940"/>
+                  <a:pt x="2001415" y="5654940"/>
+                </a:cubicBezTo>
+                <a:cubicBezTo>
+                  <a:pt x="1335223" y="5654940"/>
+                  <a:pt x="715593" y="5455584"/>
+                  <a:pt x="198928" y="5113274"/>
+                </a:cubicBezTo>
+                <a:lnTo>
+                  <a:pt x="0" y="4969563"/>
+                </a:lnTo>
+                <a:close/>
+              </a:path>
+            </a:pathLst>
+          </a:custGeom>
+          <a:solidFill>
+            <a:schemeClr val="tx1"/>
+          </a:solidFill>
+          <a:ln>
+            <a:noFill/>
+          </a:ln>
         </p:spPr>
+        <p:style>
+          <a:lnRef idx="2">
+            <a:schemeClr val="accent1">
+              <a:shade val="50000"/>
+            </a:schemeClr>
+          </a:lnRef>
+          <a:fillRef idx="1">
+            <a:schemeClr val="accent1"/>
+          </a:fillRef>
+          <a:effectRef idx="0">
+            <a:schemeClr val="accent1"/>
+          </a:effectRef>
+          <a:fontRef idx="minor">
+            <a:schemeClr val="lt1"/>
+          </a:fontRef>
+        </p:style>
         <p:txBody>
-          <a:bodyPr/>
+          <a:bodyPr wrap="square" rtlCol="0" anchor="ctr">
+            <a:noAutofit/>
+          </a:bodyPr>
           <a:lstStyle/>
           <a:p>
-            <a:r>
-              <a:rPr lang="en-US" dirty="0"/>
-              <a:t>Org level access</a:t>
-            </a:r>
+            <a:pPr marL="0" marR="0" lvl="0" indent="0" algn="ctr" defTabSz="914400" rtl="0" eaLnBrk="1" fontAlgn="auto" latinLnBrk="0" hangingPunct="1">
+              <a:lnSpc>
+                <a:spcPct val="100000"/>
+              </a:lnSpc>
+              <a:spcBef>
+                <a:spcPts val="0"/>
+              </a:spcBef>
+              <a:spcAft>
+                <a:spcPts val="0"/>
+              </a:spcAft>
+              <a:buClrTx/>
+              <a:buSzTx/>
+              <a:buFontTx/>
+              <a:buNone/>
+              <a:tabLst/>
+              <a:defRPr/>
+            </a:pPr>
+            <a:endParaRPr kumimoji="0" lang="en-US" sz="1800" b="0" i="0" u="none" strike="noStrike" kern="1200" cap="none" spc="0" normalizeH="0" baseline="0" noProof="0">
+              <a:ln>
+                <a:noFill/>
+              </a:ln>
+              <a:solidFill>
+                <a:prstClr val="white"/>
+              </a:solidFill>
+              <a:effectLst/>
+              <a:uLnTx/>
+              <a:uFillTx/>
+              <a:latin typeface="Calibri" panose="020F0502020204030204"/>
+              <a:ea typeface="+mn-ea"/>
+              <a:cs typeface="+mn-cs"/>
+            </a:endParaRPr>
           </a:p>
         </p:txBody>
       </p:sp>
       <p:pic>
         <p:nvPicPr>
-          <p:cNvPr id="5" name="Picture 4">
+          <p:cNvPr id="7" name="Graphic 6" descr="Marker">
             <a:extLst>
               <a:ext uri="{FF2B5EF4-FFF2-40B4-BE49-F238E27FC236}">
-                <a16:creationId xmlns:a16="http://schemas.microsoft.com/office/drawing/2014/main" id="{BEA0735C-1340-4CDA-AA77-842E5B9AB040}"/>
+                <a16:creationId xmlns:a16="http://schemas.microsoft.com/office/drawing/2014/main" id="{D71014D7-37C0-48CB-97F8-B8E245BA21C6}"/>
               </a:ext>
             </a:extLst>
           </p:cNvPr>
@@ -6863,6 +10774,9 @@
               <a:ext uri="{28A0092B-C50C-407E-A947-70E740481C1C}">
                 <a14:useLocalDpi xmlns:a14="http://schemas.microsoft.com/office/drawing/2010/main" val="0"/>
               </a:ext>
+              <a:ext uri="{96DAC541-7B7A-43D3-8B79-37D633B846F1}">
+                <asvg:svgBlip xmlns:asvg="http://schemas.microsoft.com/office/drawing/2016/SVG/main" r:embed="rId3"/>
+              </a:ext>
             </a:extLst>
           </a:blip>
           <a:stretch>
@@ -6871,78 +10785,20 @@
         </p:blipFill>
         <p:spPr>
           <a:xfrm>
-            <a:off x="0" y="563529"/>
-            <a:ext cx="12068175" cy="6294470"/>
+            <a:off x="321733" y="543135"/>
+            <a:ext cx="3835488" cy="3835488"/>
           </a:xfrm>
           <a:prstGeom prst="rect">
             <a:avLst/>
           </a:prstGeom>
         </p:spPr>
       </p:pic>
-    </p:spTree>
-    <p:extLst>
-      <p:ext uri="{BB962C8B-B14F-4D97-AF65-F5344CB8AC3E}">
-        <p14:creationId xmlns:p14="http://schemas.microsoft.com/office/powerpoint/2010/main" val="1949735008"/>
-      </p:ext>
-    </p:extLst>
-  </p:cSld>
-  <p:clrMapOvr>
-    <a:masterClrMapping/>
-  </p:clrMapOvr>
-</p:sld>
-</file>
-
-<file path=ppt/slides/slide4.xml><?xml version="1.0" encoding="utf-8"?>
-<p:sld xmlns:a="http://schemas.openxmlformats.org/drawingml/2006/main" xmlns:r="http://schemas.openxmlformats.org/officeDocument/2006/relationships" xmlns:p="http://schemas.openxmlformats.org/presentationml/2006/main">
-  <p:cSld>
-    <p:spTree>
-      <p:nvGrpSpPr>
-        <p:cNvPr id="1" name=""/>
-        <p:cNvGrpSpPr/>
-        <p:nvPr/>
-      </p:nvGrpSpPr>
-      <p:grpSpPr>
-        <a:xfrm>
-          <a:off x="0" y="0"/>
-          <a:ext cx="0" cy="0"/>
-          <a:chOff x="0" y="0"/>
-          <a:chExt cx="0" cy="0"/>
-        </a:xfrm>
-      </p:grpSpPr>
-      <p:sp>
-        <p:nvSpPr>
-          <p:cNvPr id="2" name="Title 1">
-            <a:extLst>
-              <a:ext uri="{FF2B5EF4-FFF2-40B4-BE49-F238E27FC236}">
-                <a16:creationId xmlns:a16="http://schemas.microsoft.com/office/drawing/2014/main" id="{7ED404EF-BBC2-470F-8E5A-D2E74F957FE4}"/>
-              </a:ext>
-            </a:extLst>
-          </p:cNvPr>
-          <p:cNvSpPr>
-            <a:spLocks noGrp="1"/>
-          </p:cNvSpPr>
-          <p:nvPr>
-            <p:ph type="title"/>
-          </p:nvPr>
-        </p:nvSpPr>
-        <p:spPr/>
-        <p:txBody>
-          <a:bodyPr/>
-          <a:lstStyle/>
-          <a:p>
-            <a:r>
-              <a:rPr lang="en-US" dirty="0"/>
-              <a:t>Object Level Access</a:t>
-            </a:r>
-          </a:p>
-        </p:txBody>
-      </p:sp>
       <p:sp>
         <p:nvSpPr>
           <p:cNvPr id="3" name="Content Placeholder 2">
             <a:extLst>
               <a:ext uri="{FF2B5EF4-FFF2-40B4-BE49-F238E27FC236}">
-                <a16:creationId xmlns:a16="http://schemas.microsoft.com/office/drawing/2014/main" id="{99C1512E-EA4B-4BE8-A667-66C1DF90CF84}"/>
+                <a16:creationId xmlns:a16="http://schemas.microsoft.com/office/drawing/2014/main" id="{FB7DC6E9-044E-4604-BCBD-D3AD17B977AB}"/>
               </a:ext>
             </a:extLst>
           </p:cNvPr>
@@ -6953,24 +10809,37 @@
             <p:ph idx="1"/>
           </p:nvPr>
         </p:nvSpPr>
-        <p:spPr/>
+        <p:spPr>
+          <a:xfrm>
+            <a:off x="6053667" y="2279018"/>
+            <a:ext cx="5314543" cy="3375920"/>
+          </a:xfrm>
+        </p:spPr>
         <p:txBody>
-          <a:bodyPr/>
+          <a:bodyPr anchor="t">
+            <a:normAutofit/>
+          </a:bodyPr>
           <a:lstStyle/>
           <a:p>
-            <a:endParaRPr lang="en-US"/>
+            <a:pPr marL="0" indent="0">
+              <a:buNone/>
+            </a:pPr>
+            <a:r>
+              <a:rPr lang="en-US" sz="3200" dirty="0"/>
+              <a:t>Access for a particular field</a:t>
+            </a:r>
           </a:p>
         </p:txBody>
       </p:sp>
     </p:spTree>
     <p:extLst>
       <p:ext uri="{BB962C8B-B14F-4D97-AF65-F5344CB8AC3E}">
-        <p14:creationId xmlns:p14="http://schemas.microsoft.com/office/powerpoint/2010/main" val="2459115847"/>
+        <p14:creationId xmlns:p14="http://schemas.microsoft.com/office/powerpoint/2010/main" val="3592321818"/>
       </p:ext>
     </p:extLst>
   </p:cSld>
   <p:clrMapOvr>
-    <a:masterClrMapping/>
+    <a:overrideClrMapping bg1="dk1" tx1="lt1" bg2="dk2" tx2="lt2" accent1="accent1" accent2="accent2" accent3="accent3" accent4="accent4" accent5="accent5" accent6="accent6" hlink="hlink" folHlink="folHlink"/>
   </p:clrMapOvr>
 </p:sld>
 </file>
